--- a/ProposalPresentation.pptx
+++ b/ProposalPresentation.pptx
@@ -67,20 +67,17 @@
             <a:noAutofit/>
           </a:bodyPr>
           <a:p>
-            <a:r>
-              <a:rPr b="0" lang="es-ES" sz="1800" spc="-1" strike="noStrike">
-                <a:solidFill>
-                  <a:srgbClr val="000000"/>
-                </a:solidFill>
-                <a:latin typeface="Calibri"/>
+            <a:pPr algn="ctr">
+              <a:buNone/>
+            </a:pPr>
+            <a:r>
+              <a:rPr b="0" lang="en-US" sz="4400" spc="-1" strike="noStrike">
+                <a:latin typeface="Arial"/>
               </a:rPr>
               <a:t>Click to move the slide</a:t>
             </a:r>
-            <a:endParaRPr b="0" lang="es-ES" sz="1800" spc="-1" strike="noStrike">
-              <a:solidFill>
-                <a:srgbClr val="000000"/>
-              </a:solidFill>
-              <a:latin typeface="Calibri"/>
+            <a:endParaRPr b="0" lang="en-US" sz="4400" spc="-1" strike="noStrike">
+              <a:latin typeface="Arial"/>
             </a:endParaRPr>
           </a:p>
         </p:txBody>
@@ -302,7 +299,7 @@
             <a:pPr algn="r">
               <a:buNone/>
             </a:pPr>
-            <a:fld id="{67384E93-76C0-471A-A1A6-C4DBC90922CB}" type="slidenum">
+            <a:fld id="{975C270A-EB9E-4BF7-90CA-21A9947C4ED4}" type="slidenum">
               <a:rPr b="0" lang="en-US" sz="1400" spc="-1" strike="noStrike">
                 <a:latin typeface="Times New Roman"/>
               </a:rPr>
@@ -339,7 +336,7 @@
       </p:grpSpPr>
       <p:sp>
         <p:nvSpPr>
-          <p:cNvPr id="123" name="PlaceHolder 1"/>
+          <p:cNvPr id="124" name="PlaceHolder 1"/>
           <p:cNvSpPr>
             <a:spLocks noGrp="1"/>
           </p:cNvSpPr>
@@ -350,19 +347,19 @@
         <p:spPr>
           <a:xfrm>
             <a:off x="685800" y="1143000"/>
-            <a:ext cx="5486040" cy="3085920"/>
-          </a:xfrm>
-          <a:prstGeom prst="rect">
-            <a:avLst/>
-          </a:prstGeom>
-          <a:ln w="0">
-            <a:noFill/>
-          </a:ln>
-        </p:spPr>
-      </p:sp>
-      <p:sp>
-        <p:nvSpPr>
-          <p:cNvPr id="124" name="PlaceHolder 2"/>
+            <a:ext cx="5485680" cy="3085560"/>
+          </a:xfrm>
+          <a:prstGeom prst="rect">
+            <a:avLst/>
+          </a:prstGeom>
+          <a:ln w="0">
+            <a:noFill/>
+          </a:ln>
+        </p:spPr>
+      </p:sp>
+      <p:sp>
+        <p:nvSpPr>
+          <p:cNvPr id="125" name="PlaceHolder 2"/>
           <p:cNvSpPr>
             <a:spLocks noGrp="1"/>
           </p:cNvSpPr>
@@ -373,7 +370,7 @@
         <p:spPr>
           <a:xfrm>
             <a:off x="685800" y="4400640"/>
-            <a:ext cx="5486040" cy="3600000"/>
+            <a:ext cx="5485680" cy="3599640"/>
           </a:xfrm>
           <a:prstGeom prst="rect">
             <a:avLst/>
@@ -384,7 +381,7 @@
           </a:ln>
         </p:spPr>
         <p:txBody>
-          <a:bodyPr anchor="t">
+          <a:bodyPr lIns="0" rIns="0" tIns="0" bIns="0" anchor="t">
             <a:noAutofit/>
           </a:bodyPr>
           <a:p>
@@ -396,7 +393,7 @@
       </p:sp>
       <p:sp>
         <p:nvSpPr>
-          <p:cNvPr id="125" name="PlaceHolder 3"/>
+          <p:cNvPr id="126" name="PlaceHolder 3"/>
           <p:cNvSpPr>
             <a:spLocks noGrp="1"/>
           </p:cNvSpPr>
@@ -407,7 +404,7 @@
         <p:spPr>
           <a:xfrm>
             <a:off x="3884760" y="8685360"/>
-            <a:ext cx="2971440" cy="458280"/>
+            <a:ext cx="2971080" cy="457920"/>
           </a:xfrm>
           <a:prstGeom prst="rect">
             <a:avLst/>
@@ -418,7 +415,7 @@
           </a:ln>
         </p:spPr>
         <p:txBody>
-          <a:bodyPr anchor="b">
+          <a:bodyPr lIns="0" rIns="0" tIns="0" bIns="0" anchor="b">
             <a:noAutofit/>
           </a:bodyPr>
           <a:lstStyle>
@@ -439,7 +436,7 @@
               </a:lnSpc>
               <a:buNone/>
             </a:pPr>
-            <a:fld id="{6FA941CC-96BF-4023-8555-C39D0AD42E6C}" type="slidenum">
+            <a:fld id="{8BBAB119-CDFB-479B-AB78-0DD52E2344AD}" type="slidenum">
               <a:rPr b="0" lang="es-ES" sz="1200" spc="-1" strike="noStrike">
                 <a:latin typeface="Times New Roman"/>
               </a:rPr>
@@ -480,7 +477,7 @@
             <a:spLocks noGrp="1"/>
           </p:cNvSpPr>
           <p:nvPr>
-            <p:ph type="ftr" idx="2"/>
+            <p:ph type="ftr" idx="1"/>
           </p:nvPr>
         </p:nvSpPr>
         <p:spPr/>
@@ -500,14 +497,14 @@
             <a:spLocks noGrp="1"/>
           </p:cNvSpPr>
           <p:nvPr>
-            <p:ph type="sldNum" idx="3"/>
+            <p:ph type="sldNum" idx="2"/>
           </p:nvPr>
         </p:nvSpPr>
         <p:spPr/>
         <p:txBody>
           <a:bodyPr/>
           <a:p>
-            <a:fld id="{8DA9ABE7-0D0E-48C8-999D-9E2BC2843C5D}" type="slidenum">
+            <a:fld id="{FDBC9E14-B16D-47E1-B539-BD8E493C33ED}" type="slidenum">
               <a:t>&lt;#&gt;</a:t>
             </a:fld>
           </a:p>
@@ -520,7 +517,7 @@
             <a:spLocks noGrp="1"/>
           </p:cNvSpPr>
           <p:nvPr>
-            <p:ph type="dt" idx="1"/>
+            <p:ph type="dt" idx="3"/>
           </p:nvPr>
         </p:nvSpPr>
         <p:spPr/>
@@ -568,8 +565,8 @@
         </p:nvSpPr>
         <p:spPr>
           <a:xfrm>
-            <a:off x="838080" y="365040"/>
-            <a:ext cx="10515240" cy="1325160"/>
+            <a:off x="609480" y="273600"/>
+            <a:ext cx="10972440" cy="1144800"/>
           </a:xfrm>
           <a:prstGeom prst="rect">
             <a:avLst/>
@@ -584,11 +581,11 @@
             <a:noAutofit/>
           </a:bodyPr>
           <a:p>
-            <a:endParaRPr b="0" lang="es-ES" sz="1800" spc="-1" strike="noStrike">
-              <a:solidFill>
-                <a:srgbClr val="000000"/>
-              </a:solidFill>
-              <a:latin typeface="Calibri"/>
+            <a:pPr algn="ctr">
+              <a:buNone/>
+            </a:pPr>
+            <a:endParaRPr b="0" lang="en-US" sz="4400" spc="-1" strike="noStrike">
+              <a:latin typeface="Arial"/>
             </a:endParaRPr>
           </a:p>
         </p:txBody>
@@ -605,8 +602,8 @@
         </p:nvSpPr>
         <p:spPr>
           <a:xfrm>
-            <a:off x="838080" y="1825560"/>
-            <a:ext cx="10515240" cy="2075040"/>
+            <a:off x="609480" y="1604520"/>
+            <a:ext cx="10972440" cy="1896840"/>
           </a:xfrm>
           <a:prstGeom prst="rect">
             <a:avLst/>
@@ -621,20 +618,8 @@
             <a:normAutofit/>
           </a:bodyPr>
           <a:p>
-            <a:pPr>
-              <a:lnSpc>
-                <a:spcPct val="90000"/>
-              </a:lnSpc>
-              <a:spcBef>
-                <a:spcPts val="1417"/>
-              </a:spcBef>
-              <a:buNone/>
-            </a:pPr>
-            <a:endParaRPr b="0" lang="es-ES" sz="2800" spc="-1" strike="noStrike">
-              <a:solidFill>
-                <a:srgbClr val="000000"/>
-              </a:solidFill>
-              <a:latin typeface="Calibri"/>
+            <a:endParaRPr b="0" lang="en-US" sz="3200" spc="-1" strike="noStrike">
+              <a:latin typeface="Arial"/>
             </a:endParaRPr>
           </a:p>
         </p:txBody>
@@ -651,8 +636,8 @@
         </p:nvSpPr>
         <p:spPr>
           <a:xfrm>
-            <a:off x="838080" y="4098240"/>
-            <a:ext cx="10515240" cy="2075040"/>
+            <a:off x="609480" y="3682080"/>
+            <a:ext cx="10972440" cy="1896840"/>
           </a:xfrm>
           <a:prstGeom prst="rect">
             <a:avLst/>
@@ -667,20 +652,8 @@
             <a:normAutofit/>
           </a:bodyPr>
           <a:p>
-            <a:pPr>
-              <a:lnSpc>
-                <a:spcPct val="90000"/>
-              </a:lnSpc>
-              <a:spcBef>
-                <a:spcPts val="1417"/>
-              </a:spcBef>
-              <a:buNone/>
-            </a:pPr>
-            <a:endParaRPr b="0" lang="es-ES" sz="2800" spc="-1" strike="noStrike">
-              <a:solidFill>
-                <a:srgbClr val="000000"/>
-              </a:solidFill>
-              <a:latin typeface="Calibri"/>
+            <a:endParaRPr b="0" lang="en-US" sz="3200" spc="-1" strike="noStrike">
+              <a:latin typeface="Arial"/>
             </a:endParaRPr>
           </a:p>
         </p:txBody>
@@ -692,7 +665,7 @@
             <a:spLocks noGrp="1"/>
           </p:cNvSpPr>
           <p:nvPr>
-            <p:ph type="ftr" idx="2"/>
+            <p:ph type="ftr" idx="1"/>
           </p:nvPr>
         </p:nvSpPr>
         <p:spPr/>
@@ -712,14 +685,14 @@
             <a:spLocks noGrp="1"/>
           </p:cNvSpPr>
           <p:nvPr>
-            <p:ph type="sldNum" idx="3"/>
+            <p:ph type="sldNum" idx="2"/>
           </p:nvPr>
         </p:nvSpPr>
         <p:spPr/>
         <p:txBody>
           <a:bodyPr/>
           <a:p>
-            <a:fld id="{265EE315-10CD-4529-A571-B6330F945EA8}" type="slidenum">
+            <a:fld id="{37962A95-7371-4D38-9B99-D866B4B10F79}" type="slidenum">
               <a:t>&lt;#&gt;</a:t>
             </a:fld>
           </a:p>
@@ -732,7 +705,7 @@
             <a:spLocks noGrp="1"/>
           </p:cNvSpPr>
           <p:nvPr>
-            <p:ph type="dt" idx="1"/>
+            <p:ph type="dt" idx="3"/>
           </p:nvPr>
         </p:nvSpPr>
         <p:spPr/>
@@ -780,8 +753,8 @@
         </p:nvSpPr>
         <p:spPr>
           <a:xfrm>
-            <a:off x="838080" y="365040"/>
-            <a:ext cx="10515240" cy="1325160"/>
+            <a:off x="609480" y="273600"/>
+            <a:ext cx="10972440" cy="1144800"/>
           </a:xfrm>
           <a:prstGeom prst="rect">
             <a:avLst/>
@@ -796,11 +769,11 @@
             <a:noAutofit/>
           </a:bodyPr>
           <a:p>
-            <a:endParaRPr b="0" lang="es-ES" sz="1800" spc="-1" strike="noStrike">
-              <a:solidFill>
-                <a:srgbClr val="000000"/>
-              </a:solidFill>
-              <a:latin typeface="Calibri"/>
+            <a:pPr algn="ctr">
+              <a:buNone/>
+            </a:pPr>
+            <a:endParaRPr b="0" lang="en-US" sz="4400" spc="-1" strike="noStrike">
+              <a:latin typeface="Arial"/>
             </a:endParaRPr>
           </a:p>
         </p:txBody>
@@ -817,8 +790,8 @@
         </p:nvSpPr>
         <p:spPr>
           <a:xfrm>
-            <a:off x="838080" y="1825560"/>
-            <a:ext cx="5131080" cy="2075040"/>
+            <a:off x="609480" y="1604520"/>
+            <a:ext cx="5354280" cy="1896840"/>
           </a:xfrm>
           <a:prstGeom prst="rect">
             <a:avLst/>
@@ -833,20 +806,8 @@
             <a:normAutofit/>
           </a:bodyPr>
           <a:p>
-            <a:pPr>
-              <a:lnSpc>
-                <a:spcPct val="90000"/>
-              </a:lnSpc>
-              <a:spcBef>
-                <a:spcPts val="1417"/>
-              </a:spcBef>
-              <a:buNone/>
-            </a:pPr>
-            <a:endParaRPr b="0" lang="es-ES" sz="2800" spc="-1" strike="noStrike">
-              <a:solidFill>
-                <a:srgbClr val="000000"/>
-              </a:solidFill>
-              <a:latin typeface="Calibri"/>
+            <a:endParaRPr b="0" lang="en-US" sz="3200" spc="-1" strike="noStrike">
+              <a:latin typeface="Arial"/>
             </a:endParaRPr>
           </a:p>
         </p:txBody>
@@ -863,8 +824,8 @@
         </p:nvSpPr>
         <p:spPr>
           <a:xfrm>
-            <a:off x="6226200" y="1825560"/>
-            <a:ext cx="5131080" cy="2075040"/>
+            <a:off x="6231960" y="1604520"/>
+            <a:ext cx="5354280" cy="1896840"/>
           </a:xfrm>
           <a:prstGeom prst="rect">
             <a:avLst/>
@@ -879,20 +840,8 @@
             <a:normAutofit/>
           </a:bodyPr>
           <a:p>
-            <a:pPr>
-              <a:lnSpc>
-                <a:spcPct val="90000"/>
-              </a:lnSpc>
-              <a:spcBef>
-                <a:spcPts val="1417"/>
-              </a:spcBef>
-              <a:buNone/>
-            </a:pPr>
-            <a:endParaRPr b="0" lang="es-ES" sz="2800" spc="-1" strike="noStrike">
-              <a:solidFill>
-                <a:srgbClr val="000000"/>
-              </a:solidFill>
-              <a:latin typeface="Calibri"/>
+            <a:endParaRPr b="0" lang="en-US" sz="3200" spc="-1" strike="noStrike">
+              <a:latin typeface="Arial"/>
             </a:endParaRPr>
           </a:p>
         </p:txBody>
@@ -909,8 +858,8 @@
         </p:nvSpPr>
         <p:spPr>
           <a:xfrm>
-            <a:off x="838080" y="4098240"/>
-            <a:ext cx="5131080" cy="2075040"/>
+            <a:off x="609480" y="3682080"/>
+            <a:ext cx="5354280" cy="1896840"/>
           </a:xfrm>
           <a:prstGeom prst="rect">
             <a:avLst/>
@@ -925,20 +874,8 @@
             <a:normAutofit/>
           </a:bodyPr>
           <a:p>
-            <a:pPr>
-              <a:lnSpc>
-                <a:spcPct val="90000"/>
-              </a:lnSpc>
-              <a:spcBef>
-                <a:spcPts val="1417"/>
-              </a:spcBef>
-              <a:buNone/>
-            </a:pPr>
-            <a:endParaRPr b="0" lang="es-ES" sz="2800" spc="-1" strike="noStrike">
-              <a:solidFill>
-                <a:srgbClr val="000000"/>
-              </a:solidFill>
-              <a:latin typeface="Calibri"/>
+            <a:endParaRPr b="0" lang="en-US" sz="3200" spc="-1" strike="noStrike">
+              <a:latin typeface="Arial"/>
             </a:endParaRPr>
           </a:p>
         </p:txBody>
@@ -955,8 +892,8 @@
         </p:nvSpPr>
         <p:spPr>
           <a:xfrm>
-            <a:off x="6226200" y="4098240"/>
-            <a:ext cx="5131080" cy="2075040"/>
+            <a:off x="6231960" y="3682080"/>
+            <a:ext cx="5354280" cy="1896840"/>
           </a:xfrm>
           <a:prstGeom prst="rect">
             <a:avLst/>
@@ -971,20 +908,8 @@
             <a:normAutofit/>
           </a:bodyPr>
           <a:p>
-            <a:pPr>
-              <a:lnSpc>
-                <a:spcPct val="90000"/>
-              </a:lnSpc>
-              <a:spcBef>
-                <a:spcPts val="1417"/>
-              </a:spcBef>
-              <a:buNone/>
-            </a:pPr>
-            <a:endParaRPr b="0" lang="es-ES" sz="2800" spc="-1" strike="noStrike">
-              <a:solidFill>
-                <a:srgbClr val="000000"/>
-              </a:solidFill>
-              <a:latin typeface="Calibri"/>
+            <a:endParaRPr b="0" lang="en-US" sz="3200" spc="-1" strike="noStrike">
+              <a:latin typeface="Arial"/>
             </a:endParaRPr>
           </a:p>
         </p:txBody>
@@ -996,7 +921,7 @@
             <a:spLocks noGrp="1"/>
           </p:cNvSpPr>
           <p:nvPr>
-            <p:ph type="ftr" idx="2"/>
+            <p:ph type="ftr" idx="1"/>
           </p:nvPr>
         </p:nvSpPr>
         <p:spPr/>
@@ -1016,14 +941,14 @@
             <a:spLocks noGrp="1"/>
           </p:cNvSpPr>
           <p:nvPr>
-            <p:ph type="sldNum" idx="3"/>
+            <p:ph type="sldNum" idx="2"/>
           </p:nvPr>
         </p:nvSpPr>
         <p:spPr/>
         <p:txBody>
           <a:bodyPr/>
           <a:p>
-            <a:fld id="{D55F2BFA-FAE3-4FA8-9448-FE9170F69226}" type="slidenum">
+            <a:fld id="{EB6A18E6-64A5-4C93-AC2F-31C9C3294A34}" type="slidenum">
               <a:t>&lt;#&gt;</a:t>
             </a:fld>
           </a:p>
@@ -1036,7 +961,7 @@
             <a:spLocks noGrp="1"/>
           </p:cNvSpPr>
           <p:nvPr>
-            <p:ph type="dt" idx="1"/>
+            <p:ph type="dt" idx="3"/>
           </p:nvPr>
         </p:nvSpPr>
         <p:spPr/>
@@ -1084,8 +1009,8 @@
         </p:nvSpPr>
         <p:spPr>
           <a:xfrm>
-            <a:off x="838080" y="365040"/>
-            <a:ext cx="10515240" cy="1325160"/>
+            <a:off x="609480" y="273600"/>
+            <a:ext cx="10972440" cy="1144800"/>
           </a:xfrm>
           <a:prstGeom prst="rect">
             <a:avLst/>
@@ -1100,11 +1025,11 @@
             <a:noAutofit/>
           </a:bodyPr>
           <a:p>
-            <a:endParaRPr b="0" lang="es-ES" sz="1800" spc="-1" strike="noStrike">
-              <a:solidFill>
-                <a:srgbClr val="000000"/>
-              </a:solidFill>
-              <a:latin typeface="Calibri"/>
+            <a:pPr algn="ctr">
+              <a:buNone/>
+            </a:pPr>
+            <a:endParaRPr b="0" lang="en-US" sz="4400" spc="-1" strike="noStrike">
+              <a:latin typeface="Arial"/>
             </a:endParaRPr>
           </a:p>
         </p:txBody>
@@ -1121,8 +1046,8 @@
         </p:nvSpPr>
         <p:spPr>
           <a:xfrm>
-            <a:off x="838080" y="1825560"/>
-            <a:ext cx="3385800" cy="2075040"/>
+            <a:off x="609480" y="1604520"/>
+            <a:ext cx="3533040" cy="1896840"/>
           </a:xfrm>
           <a:prstGeom prst="rect">
             <a:avLst/>
@@ -1137,20 +1062,8 @@
             <a:normAutofit/>
           </a:bodyPr>
           <a:p>
-            <a:pPr>
-              <a:lnSpc>
-                <a:spcPct val="90000"/>
-              </a:lnSpc>
-              <a:spcBef>
-                <a:spcPts val="1417"/>
-              </a:spcBef>
-              <a:buNone/>
-            </a:pPr>
-            <a:endParaRPr b="0" lang="es-ES" sz="2800" spc="-1" strike="noStrike">
-              <a:solidFill>
-                <a:srgbClr val="000000"/>
-              </a:solidFill>
-              <a:latin typeface="Calibri"/>
+            <a:endParaRPr b="0" lang="en-US" sz="3200" spc="-1" strike="noStrike">
+              <a:latin typeface="Arial"/>
             </a:endParaRPr>
           </a:p>
         </p:txBody>
@@ -1167,8 +1080,8 @@
         </p:nvSpPr>
         <p:spPr>
           <a:xfrm>
-            <a:off x="4393440" y="1825560"/>
-            <a:ext cx="3385800" cy="2075040"/>
+            <a:off x="4319640" y="1604520"/>
+            <a:ext cx="3533040" cy="1896840"/>
           </a:xfrm>
           <a:prstGeom prst="rect">
             <a:avLst/>
@@ -1183,20 +1096,8 @@
             <a:normAutofit/>
           </a:bodyPr>
           <a:p>
-            <a:pPr>
-              <a:lnSpc>
-                <a:spcPct val="90000"/>
-              </a:lnSpc>
-              <a:spcBef>
-                <a:spcPts val="1417"/>
-              </a:spcBef>
-              <a:buNone/>
-            </a:pPr>
-            <a:endParaRPr b="0" lang="es-ES" sz="2800" spc="-1" strike="noStrike">
-              <a:solidFill>
-                <a:srgbClr val="000000"/>
-              </a:solidFill>
-              <a:latin typeface="Calibri"/>
+            <a:endParaRPr b="0" lang="en-US" sz="3200" spc="-1" strike="noStrike">
+              <a:latin typeface="Arial"/>
             </a:endParaRPr>
           </a:p>
         </p:txBody>
@@ -1213,8 +1114,8 @@
         </p:nvSpPr>
         <p:spPr>
           <a:xfrm>
-            <a:off x="7949160" y="1825560"/>
-            <a:ext cx="3385800" cy="2075040"/>
+            <a:off x="8029800" y="1604520"/>
+            <a:ext cx="3533040" cy="1896840"/>
           </a:xfrm>
           <a:prstGeom prst="rect">
             <a:avLst/>
@@ -1229,20 +1130,8 @@
             <a:normAutofit/>
           </a:bodyPr>
           <a:p>
-            <a:pPr>
-              <a:lnSpc>
-                <a:spcPct val="90000"/>
-              </a:lnSpc>
-              <a:spcBef>
-                <a:spcPts val="1417"/>
-              </a:spcBef>
-              <a:buNone/>
-            </a:pPr>
-            <a:endParaRPr b="0" lang="es-ES" sz="2800" spc="-1" strike="noStrike">
-              <a:solidFill>
-                <a:srgbClr val="000000"/>
-              </a:solidFill>
-              <a:latin typeface="Calibri"/>
+            <a:endParaRPr b="0" lang="en-US" sz="3200" spc="-1" strike="noStrike">
+              <a:latin typeface="Arial"/>
             </a:endParaRPr>
           </a:p>
         </p:txBody>
@@ -1259,8 +1148,8 @@
         </p:nvSpPr>
         <p:spPr>
           <a:xfrm>
-            <a:off x="838080" y="4098240"/>
-            <a:ext cx="3385800" cy="2075040"/>
+            <a:off x="609480" y="3682080"/>
+            <a:ext cx="3533040" cy="1896840"/>
           </a:xfrm>
           <a:prstGeom prst="rect">
             <a:avLst/>
@@ -1275,20 +1164,8 @@
             <a:normAutofit/>
           </a:bodyPr>
           <a:p>
-            <a:pPr>
-              <a:lnSpc>
-                <a:spcPct val="90000"/>
-              </a:lnSpc>
-              <a:spcBef>
-                <a:spcPts val="1417"/>
-              </a:spcBef>
-              <a:buNone/>
-            </a:pPr>
-            <a:endParaRPr b="0" lang="es-ES" sz="2800" spc="-1" strike="noStrike">
-              <a:solidFill>
-                <a:srgbClr val="000000"/>
-              </a:solidFill>
-              <a:latin typeface="Calibri"/>
+            <a:endParaRPr b="0" lang="en-US" sz="3200" spc="-1" strike="noStrike">
+              <a:latin typeface="Arial"/>
             </a:endParaRPr>
           </a:p>
         </p:txBody>
@@ -1305,8 +1182,8 @@
         </p:nvSpPr>
         <p:spPr>
           <a:xfrm>
-            <a:off x="4393440" y="4098240"/>
-            <a:ext cx="3385800" cy="2075040"/>
+            <a:off x="4319640" y="3682080"/>
+            <a:ext cx="3533040" cy="1896840"/>
           </a:xfrm>
           <a:prstGeom prst="rect">
             <a:avLst/>
@@ -1321,20 +1198,8 @@
             <a:normAutofit/>
           </a:bodyPr>
           <a:p>
-            <a:pPr>
-              <a:lnSpc>
-                <a:spcPct val="90000"/>
-              </a:lnSpc>
-              <a:spcBef>
-                <a:spcPts val="1417"/>
-              </a:spcBef>
-              <a:buNone/>
-            </a:pPr>
-            <a:endParaRPr b="0" lang="es-ES" sz="2800" spc="-1" strike="noStrike">
-              <a:solidFill>
-                <a:srgbClr val="000000"/>
-              </a:solidFill>
-              <a:latin typeface="Calibri"/>
+            <a:endParaRPr b="0" lang="en-US" sz="3200" spc="-1" strike="noStrike">
+              <a:latin typeface="Arial"/>
             </a:endParaRPr>
           </a:p>
         </p:txBody>
@@ -1351,8 +1216,8 @@
         </p:nvSpPr>
         <p:spPr>
           <a:xfrm>
-            <a:off x="7949160" y="4098240"/>
-            <a:ext cx="3385800" cy="2075040"/>
+            <a:off x="8029800" y="3682080"/>
+            <a:ext cx="3533040" cy="1896840"/>
           </a:xfrm>
           <a:prstGeom prst="rect">
             <a:avLst/>
@@ -1367,20 +1232,8 @@
             <a:normAutofit/>
           </a:bodyPr>
           <a:p>
-            <a:pPr>
-              <a:lnSpc>
-                <a:spcPct val="90000"/>
-              </a:lnSpc>
-              <a:spcBef>
-                <a:spcPts val="1417"/>
-              </a:spcBef>
-              <a:buNone/>
-            </a:pPr>
-            <a:endParaRPr b="0" lang="es-ES" sz="2800" spc="-1" strike="noStrike">
-              <a:solidFill>
-                <a:srgbClr val="000000"/>
-              </a:solidFill>
-              <a:latin typeface="Calibri"/>
+            <a:endParaRPr b="0" lang="en-US" sz="3200" spc="-1" strike="noStrike">
+              <a:latin typeface="Arial"/>
             </a:endParaRPr>
           </a:p>
         </p:txBody>
@@ -1392,7 +1245,7 @@
             <a:spLocks noGrp="1"/>
           </p:cNvSpPr>
           <p:nvPr>
-            <p:ph type="ftr" idx="2"/>
+            <p:ph type="ftr" idx="1"/>
           </p:nvPr>
         </p:nvSpPr>
         <p:spPr/>
@@ -1412,14 +1265,14 @@
             <a:spLocks noGrp="1"/>
           </p:cNvSpPr>
           <p:nvPr>
-            <p:ph type="sldNum" idx="3"/>
+            <p:ph type="sldNum" idx="2"/>
           </p:nvPr>
         </p:nvSpPr>
         <p:spPr/>
         <p:txBody>
           <a:bodyPr/>
           <a:p>
-            <a:fld id="{EDA3EC1D-228B-492B-85B2-4E657F79A837}" type="slidenum">
+            <a:fld id="{54BED44E-3E40-4E35-ACA7-B1F962A704B5}" type="slidenum">
               <a:t>&lt;#&gt;</a:t>
             </a:fld>
           </a:p>
@@ -1432,7 +1285,7 @@
             <a:spLocks noGrp="1"/>
           </p:cNvSpPr>
           <p:nvPr>
-            <p:ph type="dt" idx="1"/>
+            <p:ph type="dt" idx="3"/>
           </p:nvPr>
         </p:nvSpPr>
         <p:spPr/>
@@ -1475,7 +1328,7 @@
             <a:spLocks noGrp="1"/>
           </p:cNvSpPr>
           <p:nvPr>
-            <p:ph type="ftr" idx="5"/>
+            <p:ph type="ftr" idx="4"/>
           </p:nvPr>
         </p:nvSpPr>
         <p:spPr/>
@@ -1495,14 +1348,14 @@
             <a:spLocks noGrp="1"/>
           </p:cNvSpPr>
           <p:nvPr>
-            <p:ph type="sldNum" idx="6"/>
+            <p:ph type="sldNum" idx="5"/>
           </p:nvPr>
         </p:nvSpPr>
         <p:spPr/>
         <p:txBody>
           <a:bodyPr/>
           <a:p>
-            <a:fld id="{F6C8ABE2-A659-4E63-BB33-8F60D10692CF}" type="slidenum">
+            <a:fld id="{4E3A2CEB-80EF-486B-903B-FC31CBD4620E}" type="slidenum">
               <a:t>&lt;#&gt;</a:t>
             </a:fld>
           </a:p>
@@ -1515,7 +1368,7 @@
             <a:spLocks noGrp="1"/>
           </p:cNvSpPr>
           <p:nvPr>
-            <p:ph type="dt" idx="4"/>
+            <p:ph type="dt" idx="6"/>
           </p:nvPr>
         </p:nvSpPr>
         <p:spPr/>
@@ -1563,8 +1416,8 @@
         </p:nvSpPr>
         <p:spPr>
           <a:xfrm>
-            <a:off x="838080" y="365040"/>
-            <a:ext cx="10515240" cy="1325160"/>
+            <a:off x="609480" y="273600"/>
+            <a:ext cx="10972440" cy="1144800"/>
           </a:xfrm>
           <a:prstGeom prst="rect">
             <a:avLst/>
@@ -1579,11 +1432,11 @@
             <a:noAutofit/>
           </a:bodyPr>
           <a:p>
-            <a:endParaRPr b="0" lang="es-ES" sz="1800" spc="-1" strike="noStrike">
-              <a:solidFill>
-                <a:srgbClr val="000000"/>
-              </a:solidFill>
-              <a:latin typeface="Calibri"/>
+            <a:pPr algn="ctr">
+              <a:buNone/>
+            </a:pPr>
+            <a:endParaRPr b="0" lang="en-US" sz="4400" spc="-1" strike="noStrike">
+              <a:latin typeface="Arial"/>
             </a:endParaRPr>
           </a:p>
         </p:txBody>
@@ -1600,8 +1453,8 @@
         </p:nvSpPr>
         <p:spPr>
           <a:xfrm>
-            <a:off x="838080" y="1825560"/>
-            <a:ext cx="10515240" cy="4350960"/>
+            <a:off x="609480" y="1604520"/>
+            <a:ext cx="10972440" cy="3977280"/>
           </a:xfrm>
           <a:prstGeom prst="rect">
             <a:avLst/>
@@ -1632,7 +1485,7 @@
             <a:spLocks noGrp="1"/>
           </p:cNvSpPr>
           <p:nvPr>
-            <p:ph type="ftr" idx="5"/>
+            <p:ph type="ftr" idx="4"/>
           </p:nvPr>
         </p:nvSpPr>
         <p:spPr/>
@@ -1652,14 +1505,14 @@
             <a:spLocks noGrp="1"/>
           </p:cNvSpPr>
           <p:nvPr>
-            <p:ph type="sldNum" idx="6"/>
+            <p:ph type="sldNum" idx="5"/>
           </p:nvPr>
         </p:nvSpPr>
         <p:spPr/>
         <p:txBody>
           <a:bodyPr/>
           <a:p>
-            <a:fld id="{07ADCFF6-B44F-4E42-AAA1-502A417F40C6}" type="slidenum">
+            <a:fld id="{9E284EE1-C638-406B-B4A1-9B32E445D879}" type="slidenum">
               <a:t>&lt;#&gt;</a:t>
             </a:fld>
           </a:p>
@@ -1672,7 +1525,7 @@
             <a:spLocks noGrp="1"/>
           </p:cNvSpPr>
           <p:nvPr>
-            <p:ph type="dt" idx="4"/>
+            <p:ph type="dt" idx="6"/>
           </p:nvPr>
         </p:nvSpPr>
         <p:spPr/>
@@ -1720,8 +1573,8 @@
         </p:nvSpPr>
         <p:spPr>
           <a:xfrm>
-            <a:off x="838080" y="365040"/>
-            <a:ext cx="10515240" cy="1325160"/>
+            <a:off x="609480" y="273600"/>
+            <a:ext cx="10972440" cy="1144800"/>
           </a:xfrm>
           <a:prstGeom prst="rect">
             <a:avLst/>
@@ -1736,11 +1589,11 @@
             <a:noAutofit/>
           </a:bodyPr>
           <a:p>
-            <a:endParaRPr b="0" lang="es-ES" sz="1800" spc="-1" strike="noStrike">
-              <a:solidFill>
-                <a:srgbClr val="000000"/>
-              </a:solidFill>
-              <a:latin typeface="Calibri"/>
+            <a:pPr algn="ctr">
+              <a:buNone/>
+            </a:pPr>
+            <a:endParaRPr b="0" lang="en-US" sz="4400" spc="-1" strike="noStrike">
+              <a:latin typeface="Arial"/>
             </a:endParaRPr>
           </a:p>
         </p:txBody>
@@ -1757,8 +1610,8 @@
         </p:nvSpPr>
         <p:spPr>
           <a:xfrm>
-            <a:off x="838080" y="1825560"/>
-            <a:ext cx="10515240" cy="4350960"/>
+            <a:off x="609480" y="1604520"/>
+            <a:ext cx="10972440" cy="3977280"/>
           </a:xfrm>
           <a:prstGeom prst="rect">
             <a:avLst/>
@@ -1773,20 +1626,8 @@
             <a:normAutofit/>
           </a:bodyPr>
           <a:p>
-            <a:pPr>
-              <a:lnSpc>
-                <a:spcPct val="90000"/>
-              </a:lnSpc>
-              <a:spcBef>
-                <a:spcPts val="1417"/>
-              </a:spcBef>
-              <a:buNone/>
-            </a:pPr>
-            <a:endParaRPr b="0" lang="es-ES" sz="2800" spc="-1" strike="noStrike">
-              <a:solidFill>
-                <a:srgbClr val="000000"/>
-              </a:solidFill>
-              <a:latin typeface="Calibri"/>
+            <a:endParaRPr b="0" lang="en-US" sz="3200" spc="-1" strike="noStrike">
+              <a:latin typeface="Arial"/>
             </a:endParaRPr>
           </a:p>
         </p:txBody>
@@ -1798,7 +1639,7 @@
             <a:spLocks noGrp="1"/>
           </p:cNvSpPr>
           <p:nvPr>
-            <p:ph type="ftr" idx="5"/>
+            <p:ph type="ftr" idx="4"/>
           </p:nvPr>
         </p:nvSpPr>
         <p:spPr/>
@@ -1818,14 +1659,14 @@
             <a:spLocks noGrp="1"/>
           </p:cNvSpPr>
           <p:nvPr>
-            <p:ph type="sldNum" idx="6"/>
+            <p:ph type="sldNum" idx="5"/>
           </p:nvPr>
         </p:nvSpPr>
         <p:spPr/>
         <p:txBody>
           <a:bodyPr/>
           <a:p>
-            <a:fld id="{0FD79AA6-96C8-4BC5-A398-4BC029FE0024}" type="slidenum">
+            <a:fld id="{0A9F5C61-BE70-4425-B39D-4F72D3D26510}" type="slidenum">
               <a:t>&lt;#&gt;</a:t>
             </a:fld>
           </a:p>
@@ -1838,7 +1679,7 @@
             <a:spLocks noGrp="1"/>
           </p:cNvSpPr>
           <p:nvPr>
-            <p:ph type="dt" idx="4"/>
+            <p:ph type="dt" idx="6"/>
           </p:nvPr>
         </p:nvSpPr>
         <p:spPr/>
@@ -1886,8 +1727,8 @@
         </p:nvSpPr>
         <p:spPr>
           <a:xfrm>
-            <a:off x="838080" y="365040"/>
-            <a:ext cx="10515240" cy="1325160"/>
+            <a:off x="609480" y="273600"/>
+            <a:ext cx="10972440" cy="1144800"/>
           </a:xfrm>
           <a:prstGeom prst="rect">
             <a:avLst/>
@@ -1902,11 +1743,11 @@
             <a:noAutofit/>
           </a:bodyPr>
           <a:p>
-            <a:endParaRPr b="0" lang="es-ES" sz="1800" spc="-1" strike="noStrike">
-              <a:solidFill>
-                <a:srgbClr val="000000"/>
-              </a:solidFill>
-              <a:latin typeface="Calibri"/>
+            <a:pPr algn="ctr">
+              <a:buNone/>
+            </a:pPr>
+            <a:endParaRPr b="0" lang="en-US" sz="4400" spc="-1" strike="noStrike">
+              <a:latin typeface="Arial"/>
             </a:endParaRPr>
           </a:p>
         </p:txBody>
@@ -1923,8 +1764,8 @@
         </p:nvSpPr>
         <p:spPr>
           <a:xfrm>
-            <a:off x="838080" y="1825560"/>
-            <a:ext cx="5131080" cy="4350960"/>
+            <a:off x="609480" y="1604520"/>
+            <a:ext cx="5354280" cy="3977280"/>
           </a:xfrm>
           <a:prstGeom prst="rect">
             <a:avLst/>
@@ -1939,20 +1780,8 @@
             <a:normAutofit/>
           </a:bodyPr>
           <a:p>
-            <a:pPr>
-              <a:lnSpc>
-                <a:spcPct val="90000"/>
-              </a:lnSpc>
-              <a:spcBef>
-                <a:spcPts val="1417"/>
-              </a:spcBef>
-              <a:buNone/>
-            </a:pPr>
-            <a:endParaRPr b="0" lang="es-ES" sz="2800" spc="-1" strike="noStrike">
-              <a:solidFill>
-                <a:srgbClr val="000000"/>
-              </a:solidFill>
-              <a:latin typeface="Calibri"/>
+            <a:endParaRPr b="0" lang="en-US" sz="3200" spc="-1" strike="noStrike">
+              <a:latin typeface="Arial"/>
             </a:endParaRPr>
           </a:p>
         </p:txBody>
@@ -1969,8 +1798,8 @@
         </p:nvSpPr>
         <p:spPr>
           <a:xfrm>
-            <a:off x="6226200" y="1825560"/>
-            <a:ext cx="5131080" cy="4350960"/>
+            <a:off x="6231960" y="1604520"/>
+            <a:ext cx="5354280" cy="3977280"/>
           </a:xfrm>
           <a:prstGeom prst="rect">
             <a:avLst/>
@@ -1985,20 +1814,8 @@
             <a:normAutofit/>
           </a:bodyPr>
           <a:p>
-            <a:pPr>
-              <a:lnSpc>
-                <a:spcPct val="90000"/>
-              </a:lnSpc>
-              <a:spcBef>
-                <a:spcPts val="1417"/>
-              </a:spcBef>
-              <a:buNone/>
-            </a:pPr>
-            <a:endParaRPr b="0" lang="es-ES" sz="2800" spc="-1" strike="noStrike">
-              <a:solidFill>
-                <a:srgbClr val="000000"/>
-              </a:solidFill>
-              <a:latin typeface="Calibri"/>
+            <a:endParaRPr b="0" lang="en-US" sz="3200" spc="-1" strike="noStrike">
+              <a:latin typeface="Arial"/>
             </a:endParaRPr>
           </a:p>
         </p:txBody>
@@ -2010,7 +1827,7 @@
             <a:spLocks noGrp="1"/>
           </p:cNvSpPr>
           <p:nvPr>
-            <p:ph type="ftr" idx="5"/>
+            <p:ph type="ftr" idx="4"/>
           </p:nvPr>
         </p:nvSpPr>
         <p:spPr/>
@@ -2030,14 +1847,14 @@
             <a:spLocks noGrp="1"/>
           </p:cNvSpPr>
           <p:nvPr>
-            <p:ph type="sldNum" idx="6"/>
+            <p:ph type="sldNum" idx="5"/>
           </p:nvPr>
         </p:nvSpPr>
         <p:spPr/>
         <p:txBody>
           <a:bodyPr/>
           <a:p>
-            <a:fld id="{33F93154-08A1-4F15-8B6B-0C3BCA4346EC}" type="slidenum">
+            <a:fld id="{38D59EA5-70D9-4C20-8809-68ED2AF21C57}" type="slidenum">
               <a:t>&lt;#&gt;</a:t>
             </a:fld>
           </a:p>
@@ -2050,7 +1867,7 @@
             <a:spLocks noGrp="1"/>
           </p:cNvSpPr>
           <p:nvPr>
-            <p:ph type="dt" idx="4"/>
+            <p:ph type="dt" idx="6"/>
           </p:nvPr>
         </p:nvSpPr>
         <p:spPr/>
@@ -2098,8 +1915,8 @@
         </p:nvSpPr>
         <p:spPr>
           <a:xfrm>
-            <a:off x="838080" y="365040"/>
-            <a:ext cx="10515240" cy="1325160"/>
+            <a:off x="609480" y="273600"/>
+            <a:ext cx="10972440" cy="1144800"/>
           </a:xfrm>
           <a:prstGeom prst="rect">
             <a:avLst/>
@@ -2114,11 +1931,11 @@
             <a:noAutofit/>
           </a:bodyPr>
           <a:p>
-            <a:endParaRPr b="0" lang="es-ES" sz="1800" spc="-1" strike="noStrike">
-              <a:solidFill>
-                <a:srgbClr val="000000"/>
-              </a:solidFill>
-              <a:latin typeface="Calibri"/>
+            <a:pPr algn="ctr">
+              <a:buNone/>
+            </a:pPr>
+            <a:endParaRPr b="0" lang="en-US" sz="4400" spc="-1" strike="noStrike">
+              <a:latin typeface="Arial"/>
             </a:endParaRPr>
           </a:p>
         </p:txBody>
@@ -2130,7 +1947,7 @@
             <a:spLocks noGrp="1"/>
           </p:cNvSpPr>
           <p:nvPr>
-            <p:ph type="ftr" idx="5"/>
+            <p:ph type="ftr" idx="4"/>
           </p:nvPr>
         </p:nvSpPr>
         <p:spPr/>
@@ -2150,14 +1967,14 @@
             <a:spLocks noGrp="1"/>
           </p:cNvSpPr>
           <p:nvPr>
-            <p:ph type="sldNum" idx="6"/>
+            <p:ph type="sldNum" idx="5"/>
           </p:nvPr>
         </p:nvSpPr>
         <p:spPr/>
         <p:txBody>
           <a:bodyPr/>
           <a:p>
-            <a:fld id="{925B92E4-A782-4575-B72F-87A7AD50DB82}" type="slidenum">
+            <a:fld id="{3B47EBC5-54F6-451C-81A0-5C51E0A77D9A}" type="slidenum">
               <a:t>&lt;#&gt;</a:t>
             </a:fld>
           </a:p>
@@ -2170,7 +1987,7 @@
             <a:spLocks noGrp="1"/>
           </p:cNvSpPr>
           <p:nvPr>
-            <p:ph type="dt" idx="4"/>
+            <p:ph type="dt" idx="6"/>
           </p:nvPr>
         </p:nvSpPr>
         <p:spPr/>
@@ -2218,8 +2035,8 @@
         </p:nvSpPr>
         <p:spPr>
           <a:xfrm>
-            <a:off x="838080" y="365040"/>
-            <a:ext cx="10515240" cy="6144120"/>
+            <a:off x="609480" y="273600"/>
+            <a:ext cx="10972440" cy="5307840"/>
           </a:xfrm>
           <a:prstGeom prst="rect">
             <a:avLst/>
@@ -2250,7 +2067,7 @@
             <a:spLocks noGrp="1"/>
           </p:cNvSpPr>
           <p:nvPr>
-            <p:ph type="ftr" idx="5"/>
+            <p:ph type="ftr" idx="4"/>
           </p:nvPr>
         </p:nvSpPr>
         <p:spPr/>
@@ -2270,14 +2087,14 @@
             <a:spLocks noGrp="1"/>
           </p:cNvSpPr>
           <p:nvPr>
-            <p:ph type="sldNum" idx="6"/>
+            <p:ph type="sldNum" idx="5"/>
           </p:nvPr>
         </p:nvSpPr>
         <p:spPr/>
         <p:txBody>
           <a:bodyPr/>
           <a:p>
-            <a:fld id="{D6517613-D497-434F-A03E-65469B7B2B48}" type="slidenum">
+            <a:fld id="{C55E0E40-9919-40E5-94C7-14CEC5F97DDE}" type="slidenum">
               <a:t>&lt;#&gt;</a:t>
             </a:fld>
           </a:p>
@@ -2290,7 +2107,7 @@
             <a:spLocks noGrp="1"/>
           </p:cNvSpPr>
           <p:nvPr>
-            <p:ph type="dt" idx="4"/>
+            <p:ph type="dt" idx="6"/>
           </p:nvPr>
         </p:nvSpPr>
         <p:spPr/>
@@ -2338,8 +2155,8 @@
         </p:nvSpPr>
         <p:spPr>
           <a:xfrm>
-            <a:off x="838080" y="365040"/>
-            <a:ext cx="10515240" cy="1325160"/>
+            <a:off x="609480" y="273600"/>
+            <a:ext cx="10972440" cy="1144800"/>
           </a:xfrm>
           <a:prstGeom prst="rect">
             <a:avLst/>
@@ -2354,11 +2171,11 @@
             <a:noAutofit/>
           </a:bodyPr>
           <a:p>
-            <a:endParaRPr b="0" lang="es-ES" sz="1800" spc="-1" strike="noStrike">
-              <a:solidFill>
-                <a:srgbClr val="000000"/>
-              </a:solidFill>
-              <a:latin typeface="Calibri"/>
+            <a:pPr algn="ctr">
+              <a:buNone/>
+            </a:pPr>
+            <a:endParaRPr b="0" lang="en-US" sz="4400" spc="-1" strike="noStrike">
+              <a:latin typeface="Arial"/>
             </a:endParaRPr>
           </a:p>
         </p:txBody>
@@ -2375,8 +2192,8 @@
         </p:nvSpPr>
         <p:spPr>
           <a:xfrm>
-            <a:off x="838080" y="1825560"/>
-            <a:ext cx="5131080" cy="2075040"/>
+            <a:off x="609480" y="1604520"/>
+            <a:ext cx="5354280" cy="1896840"/>
           </a:xfrm>
           <a:prstGeom prst="rect">
             <a:avLst/>
@@ -2391,20 +2208,8 @@
             <a:normAutofit/>
           </a:bodyPr>
           <a:p>
-            <a:pPr>
-              <a:lnSpc>
-                <a:spcPct val="90000"/>
-              </a:lnSpc>
-              <a:spcBef>
-                <a:spcPts val="1417"/>
-              </a:spcBef>
-              <a:buNone/>
-            </a:pPr>
-            <a:endParaRPr b="0" lang="es-ES" sz="2800" spc="-1" strike="noStrike">
-              <a:solidFill>
-                <a:srgbClr val="000000"/>
-              </a:solidFill>
-              <a:latin typeface="Calibri"/>
+            <a:endParaRPr b="0" lang="en-US" sz="3200" spc="-1" strike="noStrike">
+              <a:latin typeface="Arial"/>
             </a:endParaRPr>
           </a:p>
         </p:txBody>
@@ -2421,8 +2226,8 @@
         </p:nvSpPr>
         <p:spPr>
           <a:xfrm>
-            <a:off x="6226200" y="1825560"/>
-            <a:ext cx="5131080" cy="4350960"/>
+            <a:off x="6231960" y="1604520"/>
+            <a:ext cx="5354280" cy="3977280"/>
           </a:xfrm>
           <a:prstGeom prst="rect">
             <a:avLst/>
@@ -2437,20 +2242,8 @@
             <a:normAutofit/>
           </a:bodyPr>
           <a:p>
-            <a:pPr>
-              <a:lnSpc>
-                <a:spcPct val="90000"/>
-              </a:lnSpc>
-              <a:spcBef>
-                <a:spcPts val="1417"/>
-              </a:spcBef>
-              <a:buNone/>
-            </a:pPr>
-            <a:endParaRPr b="0" lang="es-ES" sz="2800" spc="-1" strike="noStrike">
-              <a:solidFill>
-                <a:srgbClr val="000000"/>
-              </a:solidFill>
-              <a:latin typeface="Calibri"/>
+            <a:endParaRPr b="0" lang="en-US" sz="3200" spc="-1" strike="noStrike">
+              <a:latin typeface="Arial"/>
             </a:endParaRPr>
           </a:p>
         </p:txBody>
@@ -2467,8 +2260,8 @@
         </p:nvSpPr>
         <p:spPr>
           <a:xfrm>
-            <a:off x="838080" y="4098240"/>
-            <a:ext cx="5131080" cy="2075040"/>
+            <a:off x="609480" y="3682080"/>
+            <a:ext cx="5354280" cy="1896840"/>
           </a:xfrm>
           <a:prstGeom prst="rect">
             <a:avLst/>
@@ -2483,20 +2276,8 @@
             <a:normAutofit/>
           </a:bodyPr>
           <a:p>
-            <a:pPr>
-              <a:lnSpc>
-                <a:spcPct val="90000"/>
-              </a:lnSpc>
-              <a:spcBef>
-                <a:spcPts val="1417"/>
-              </a:spcBef>
-              <a:buNone/>
-            </a:pPr>
-            <a:endParaRPr b="0" lang="es-ES" sz="2800" spc="-1" strike="noStrike">
-              <a:solidFill>
-                <a:srgbClr val="000000"/>
-              </a:solidFill>
-              <a:latin typeface="Calibri"/>
+            <a:endParaRPr b="0" lang="en-US" sz="3200" spc="-1" strike="noStrike">
+              <a:latin typeface="Arial"/>
             </a:endParaRPr>
           </a:p>
         </p:txBody>
@@ -2508,7 +2289,7 @@
             <a:spLocks noGrp="1"/>
           </p:cNvSpPr>
           <p:nvPr>
-            <p:ph type="ftr" idx="5"/>
+            <p:ph type="ftr" idx="4"/>
           </p:nvPr>
         </p:nvSpPr>
         <p:spPr/>
@@ -2528,14 +2309,14 @@
             <a:spLocks noGrp="1"/>
           </p:cNvSpPr>
           <p:nvPr>
-            <p:ph type="sldNum" idx="6"/>
+            <p:ph type="sldNum" idx="5"/>
           </p:nvPr>
         </p:nvSpPr>
         <p:spPr/>
         <p:txBody>
           <a:bodyPr/>
           <a:p>
-            <a:fld id="{37506C82-07A6-44D6-93CC-EB0BBF342D33}" type="slidenum">
+            <a:fld id="{32C82FC2-0906-422F-B1E2-AE6AC6B96113}" type="slidenum">
               <a:t>&lt;#&gt;</a:t>
             </a:fld>
           </a:p>
@@ -2548,7 +2329,7 @@
             <a:spLocks noGrp="1"/>
           </p:cNvSpPr>
           <p:nvPr>
-            <p:ph type="dt" idx="4"/>
+            <p:ph type="dt" idx="6"/>
           </p:nvPr>
         </p:nvSpPr>
         <p:spPr/>
@@ -2596,8 +2377,8 @@
         </p:nvSpPr>
         <p:spPr>
           <a:xfrm>
-            <a:off x="838080" y="365040"/>
-            <a:ext cx="10515240" cy="1325160"/>
+            <a:off x="609480" y="273600"/>
+            <a:ext cx="10972440" cy="1144800"/>
           </a:xfrm>
           <a:prstGeom prst="rect">
             <a:avLst/>
@@ -2612,11 +2393,11 @@
             <a:noAutofit/>
           </a:bodyPr>
           <a:p>
-            <a:endParaRPr b="0" lang="es-ES" sz="1800" spc="-1" strike="noStrike">
-              <a:solidFill>
-                <a:srgbClr val="000000"/>
-              </a:solidFill>
-              <a:latin typeface="Calibri"/>
+            <a:pPr algn="ctr">
+              <a:buNone/>
+            </a:pPr>
+            <a:endParaRPr b="0" lang="en-US" sz="4400" spc="-1" strike="noStrike">
+              <a:latin typeface="Arial"/>
             </a:endParaRPr>
           </a:p>
         </p:txBody>
@@ -2633,8 +2414,8 @@
         </p:nvSpPr>
         <p:spPr>
           <a:xfrm>
-            <a:off x="838080" y="1825560"/>
-            <a:ext cx="10515240" cy="4350960"/>
+            <a:off x="609480" y="1604520"/>
+            <a:ext cx="10972440" cy="3977280"/>
           </a:xfrm>
           <a:prstGeom prst="rect">
             <a:avLst/>
@@ -2665,7 +2446,7 @@
             <a:spLocks noGrp="1"/>
           </p:cNvSpPr>
           <p:nvPr>
-            <p:ph type="ftr" idx="2"/>
+            <p:ph type="ftr" idx="1"/>
           </p:nvPr>
         </p:nvSpPr>
         <p:spPr/>
@@ -2685,14 +2466,14 @@
             <a:spLocks noGrp="1"/>
           </p:cNvSpPr>
           <p:nvPr>
-            <p:ph type="sldNum" idx="3"/>
+            <p:ph type="sldNum" idx="2"/>
           </p:nvPr>
         </p:nvSpPr>
         <p:spPr/>
         <p:txBody>
           <a:bodyPr/>
           <a:p>
-            <a:fld id="{514B87BA-9B4A-4AF7-8405-5A931AA5D105}" type="slidenum">
+            <a:fld id="{DFB311BE-7AD7-4D2F-85A9-DB80B0EAE644}" type="slidenum">
               <a:t>&lt;#&gt;</a:t>
             </a:fld>
           </a:p>
@@ -2705,7 +2486,7 @@
             <a:spLocks noGrp="1"/>
           </p:cNvSpPr>
           <p:nvPr>
-            <p:ph type="dt" idx="1"/>
+            <p:ph type="dt" idx="3"/>
           </p:nvPr>
         </p:nvSpPr>
         <p:spPr/>
@@ -2753,8 +2534,8 @@
         </p:nvSpPr>
         <p:spPr>
           <a:xfrm>
-            <a:off x="838080" y="365040"/>
-            <a:ext cx="10515240" cy="1325160"/>
+            <a:off x="609480" y="273600"/>
+            <a:ext cx="10972440" cy="1144800"/>
           </a:xfrm>
           <a:prstGeom prst="rect">
             <a:avLst/>
@@ -2769,11 +2550,11 @@
             <a:noAutofit/>
           </a:bodyPr>
           <a:p>
-            <a:endParaRPr b="0" lang="es-ES" sz="1800" spc="-1" strike="noStrike">
-              <a:solidFill>
-                <a:srgbClr val="000000"/>
-              </a:solidFill>
-              <a:latin typeface="Calibri"/>
+            <a:pPr algn="ctr">
+              <a:buNone/>
+            </a:pPr>
+            <a:endParaRPr b="0" lang="en-US" sz="4400" spc="-1" strike="noStrike">
+              <a:latin typeface="Arial"/>
             </a:endParaRPr>
           </a:p>
         </p:txBody>
@@ -2790,8 +2571,8 @@
         </p:nvSpPr>
         <p:spPr>
           <a:xfrm>
-            <a:off x="838080" y="1825560"/>
-            <a:ext cx="5131080" cy="4350960"/>
+            <a:off x="609480" y="1604520"/>
+            <a:ext cx="5354280" cy="3977280"/>
           </a:xfrm>
           <a:prstGeom prst="rect">
             <a:avLst/>
@@ -2806,20 +2587,8 @@
             <a:normAutofit/>
           </a:bodyPr>
           <a:p>
-            <a:pPr>
-              <a:lnSpc>
-                <a:spcPct val="90000"/>
-              </a:lnSpc>
-              <a:spcBef>
-                <a:spcPts val="1417"/>
-              </a:spcBef>
-              <a:buNone/>
-            </a:pPr>
-            <a:endParaRPr b="0" lang="es-ES" sz="2800" spc="-1" strike="noStrike">
-              <a:solidFill>
-                <a:srgbClr val="000000"/>
-              </a:solidFill>
-              <a:latin typeface="Calibri"/>
+            <a:endParaRPr b="0" lang="en-US" sz="3200" spc="-1" strike="noStrike">
+              <a:latin typeface="Arial"/>
             </a:endParaRPr>
           </a:p>
         </p:txBody>
@@ -2836,8 +2605,8 @@
         </p:nvSpPr>
         <p:spPr>
           <a:xfrm>
-            <a:off x="6226200" y="1825560"/>
-            <a:ext cx="5131080" cy="2075040"/>
+            <a:off x="6231960" y="1604520"/>
+            <a:ext cx="5354280" cy="1896840"/>
           </a:xfrm>
           <a:prstGeom prst="rect">
             <a:avLst/>
@@ -2852,20 +2621,8 @@
             <a:normAutofit/>
           </a:bodyPr>
           <a:p>
-            <a:pPr>
-              <a:lnSpc>
-                <a:spcPct val="90000"/>
-              </a:lnSpc>
-              <a:spcBef>
-                <a:spcPts val="1417"/>
-              </a:spcBef>
-              <a:buNone/>
-            </a:pPr>
-            <a:endParaRPr b="0" lang="es-ES" sz="2800" spc="-1" strike="noStrike">
-              <a:solidFill>
-                <a:srgbClr val="000000"/>
-              </a:solidFill>
-              <a:latin typeface="Calibri"/>
+            <a:endParaRPr b="0" lang="en-US" sz="3200" spc="-1" strike="noStrike">
+              <a:latin typeface="Arial"/>
             </a:endParaRPr>
           </a:p>
         </p:txBody>
@@ -2882,8 +2639,8 @@
         </p:nvSpPr>
         <p:spPr>
           <a:xfrm>
-            <a:off x="6226200" y="4098240"/>
-            <a:ext cx="5131080" cy="2075040"/>
+            <a:off x="6231960" y="3682080"/>
+            <a:ext cx="5354280" cy="1896840"/>
           </a:xfrm>
           <a:prstGeom prst="rect">
             <a:avLst/>
@@ -2898,20 +2655,8 @@
             <a:normAutofit/>
           </a:bodyPr>
           <a:p>
-            <a:pPr>
-              <a:lnSpc>
-                <a:spcPct val="90000"/>
-              </a:lnSpc>
-              <a:spcBef>
-                <a:spcPts val="1417"/>
-              </a:spcBef>
-              <a:buNone/>
-            </a:pPr>
-            <a:endParaRPr b="0" lang="es-ES" sz="2800" spc="-1" strike="noStrike">
-              <a:solidFill>
-                <a:srgbClr val="000000"/>
-              </a:solidFill>
-              <a:latin typeface="Calibri"/>
+            <a:endParaRPr b="0" lang="en-US" sz="3200" spc="-1" strike="noStrike">
+              <a:latin typeface="Arial"/>
             </a:endParaRPr>
           </a:p>
         </p:txBody>
@@ -2923,7 +2668,7 @@
             <a:spLocks noGrp="1"/>
           </p:cNvSpPr>
           <p:nvPr>
-            <p:ph type="ftr" idx="5"/>
+            <p:ph type="ftr" idx="4"/>
           </p:nvPr>
         </p:nvSpPr>
         <p:spPr/>
@@ -2943,14 +2688,14 @@
             <a:spLocks noGrp="1"/>
           </p:cNvSpPr>
           <p:nvPr>
-            <p:ph type="sldNum" idx="6"/>
+            <p:ph type="sldNum" idx="5"/>
           </p:nvPr>
         </p:nvSpPr>
         <p:spPr/>
         <p:txBody>
           <a:bodyPr/>
           <a:p>
-            <a:fld id="{E0AE7F7E-1239-42C1-BF4B-D0921F842872}" type="slidenum">
+            <a:fld id="{7912B340-FE13-4950-BAE9-1F07F7391377}" type="slidenum">
               <a:t>&lt;#&gt;</a:t>
             </a:fld>
           </a:p>
@@ -2963,7 +2708,7 @@
             <a:spLocks noGrp="1"/>
           </p:cNvSpPr>
           <p:nvPr>
-            <p:ph type="dt" idx="4"/>
+            <p:ph type="dt" idx="6"/>
           </p:nvPr>
         </p:nvSpPr>
         <p:spPr/>
@@ -3011,8 +2756,8 @@
         </p:nvSpPr>
         <p:spPr>
           <a:xfrm>
-            <a:off x="838080" y="365040"/>
-            <a:ext cx="10515240" cy="1325160"/>
+            <a:off x="609480" y="273600"/>
+            <a:ext cx="10972440" cy="1144800"/>
           </a:xfrm>
           <a:prstGeom prst="rect">
             <a:avLst/>
@@ -3027,11 +2772,11 @@
             <a:noAutofit/>
           </a:bodyPr>
           <a:p>
-            <a:endParaRPr b="0" lang="es-ES" sz="1800" spc="-1" strike="noStrike">
-              <a:solidFill>
-                <a:srgbClr val="000000"/>
-              </a:solidFill>
-              <a:latin typeface="Calibri"/>
+            <a:pPr algn="ctr">
+              <a:buNone/>
+            </a:pPr>
+            <a:endParaRPr b="0" lang="en-US" sz="4400" spc="-1" strike="noStrike">
+              <a:latin typeface="Arial"/>
             </a:endParaRPr>
           </a:p>
         </p:txBody>
@@ -3048,8 +2793,8 @@
         </p:nvSpPr>
         <p:spPr>
           <a:xfrm>
-            <a:off x="838080" y="1825560"/>
-            <a:ext cx="5131080" cy="2075040"/>
+            <a:off x="609480" y="1604520"/>
+            <a:ext cx="5354280" cy="1896840"/>
           </a:xfrm>
           <a:prstGeom prst="rect">
             <a:avLst/>
@@ -3064,20 +2809,8 @@
             <a:normAutofit/>
           </a:bodyPr>
           <a:p>
-            <a:pPr>
-              <a:lnSpc>
-                <a:spcPct val="90000"/>
-              </a:lnSpc>
-              <a:spcBef>
-                <a:spcPts val="1417"/>
-              </a:spcBef>
-              <a:buNone/>
-            </a:pPr>
-            <a:endParaRPr b="0" lang="es-ES" sz="2800" spc="-1" strike="noStrike">
-              <a:solidFill>
-                <a:srgbClr val="000000"/>
-              </a:solidFill>
-              <a:latin typeface="Calibri"/>
+            <a:endParaRPr b="0" lang="en-US" sz="3200" spc="-1" strike="noStrike">
+              <a:latin typeface="Arial"/>
             </a:endParaRPr>
           </a:p>
         </p:txBody>
@@ -3094,8 +2827,8 @@
         </p:nvSpPr>
         <p:spPr>
           <a:xfrm>
-            <a:off x="6226200" y="1825560"/>
-            <a:ext cx="5131080" cy="2075040"/>
+            <a:off x="6231960" y="1604520"/>
+            <a:ext cx="5354280" cy="1896840"/>
           </a:xfrm>
           <a:prstGeom prst="rect">
             <a:avLst/>
@@ -3110,20 +2843,8 @@
             <a:normAutofit/>
           </a:bodyPr>
           <a:p>
-            <a:pPr>
-              <a:lnSpc>
-                <a:spcPct val="90000"/>
-              </a:lnSpc>
-              <a:spcBef>
-                <a:spcPts val="1417"/>
-              </a:spcBef>
-              <a:buNone/>
-            </a:pPr>
-            <a:endParaRPr b="0" lang="es-ES" sz="2800" spc="-1" strike="noStrike">
-              <a:solidFill>
-                <a:srgbClr val="000000"/>
-              </a:solidFill>
-              <a:latin typeface="Calibri"/>
+            <a:endParaRPr b="0" lang="en-US" sz="3200" spc="-1" strike="noStrike">
+              <a:latin typeface="Arial"/>
             </a:endParaRPr>
           </a:p>
         </p:txBody>
@@ -3140,8 +2861,8 @@
         </p:nvSpPr>
         <p:spPr>
           <a:xfrm>
-            <a:off x="838080" y="4098240"/>
-            <a:ext cx="10515240" cy="2075040"/>
+            <a:off x="609480" y="3682080"/>
+            <a:ext cx="10972440" cy="1896840"/>
           </a:xfrm>
           <a:prstGeom prst="rect">
             <a:avLst/>
@@ -3156,20 +2877,8 @@
             <a:normAutofit/>
           </a:bodyPr>
           <a:p>
-            <a:pPr>
-              <a:lnSpc>
-                <a:spcPct val="90000"/>
-              </a:lnSpc>
-              <a:spcBef>
-                <a:spcPts val="1417"/>
-              </a:spcBef>
-              <a:buNone/>
-            </a:pPr>
-            <a:endParaRPr b="0" lang="es-ES" sz="2800" spc="-1" strike="noStrike">
-              <a:solidFill>
-                <a:srgbClr val="000000"/>
-              </a:solidFill>
-              <a:latin typeface="Calibri"/>
+            <a:endParaRPr b="0" lang="en-US" sz="3200" spc="-1" strike="noStrike">
+              <a:latin typeface="Arial"/>
             </a:endParaRPr>
           </a:p>
         </p:txBody>
@@ -3181,7 +2890,7 @@
             <a:spLocks noGrp="1"/>
           </p:cNvSpPr>
           <p:nvPr>
-            <p:ph type="ftr" idx="5"/>
+            <p:ph type="ftr" idx="4"/>
           </p:nvPr>
         </p:nvSpPr>
         <p:spPr/>
@@ -3201,14 +2910,14 @@
             <a:spLocks noGrp="1"/>
           </p:cNvSpPr>
           <p:nvPr>
-            <p:ph type="sldNum" idx="6"/>
+            <p:ph type="sldNum" idx="5"/>
           </p:nvPr>
         </p:nvSpPr>
         <p:spPr/>
         <p:txBody>
           <a:bodyPr/>
           <a:p>
-            <a:fld id="{751EEA48-BCA0-4A92-A14D-E79D95B95F43}" type="slidenum">
+            <a:fld id="{A402A4FE-FC08-4FC8-BEA2-4630F4ACA72A}" type="slidenum">
               <a:t>&lt;#&gt;</a:t>
             </a:fld>
           </a:p>
@@ -3221,7 +2930,7 @@
             <a:spLocks noGrp="1"/>
           </p:cNvSpPr>
           <p:nvPr>
-            <p:ph type="dt" idx="4"/>
+            <p:ph type="dt" idx="6"/>
           </p:nvPr>
         </p:nvSpPr>
         <p:spPr/>
@@ -3269,8 +2978,8 @@
         </p:nvSpPr>
         <p:spPr>
           <a:xfrm>
-            <a:off x="838080" y="365040"/>
-            <a:ext cx="10515240" cy="1325160"/>
+            <a:off x="609480" y="273600"/>
+            <a:ext cx="10972440" cy="1144800"/>
           </a:xfrm>
           <a:prstGeom prst="rect">
             <a:avLst/>
@@ -3285,11 +2994,11 @@
             <a:noAutofit/>
           </a:bodyPr>
           <a:p>
-            <a:endParaRPr b="0" lang="es-ES" sz="1800" spc="-1" strike="noStrike">
-              <a:solidFill>
-                <a:srgbClr val="000000"/>
-              </a:solidFill>
-              <a:latin typeface="Calibri"/>
+            <a:pPr algn="ctr">
+              <a:buNone/>
+            </a:pPr>
+            <a:endParaRPr b="0" lang="en-US" sz="4400" spc="-1" strike="noStrike">
+              <a:latin typeface="Arial"/>
             </a:endParaRPr>
           </a:p>
         </p:txBody>
@@ -3306,8 +3015,8 @@
         </p:nvSpPr>
         <p:spPr>
           <a:xfrm>
-            <a:off x="838080" y="1825560"/>
-            <a:ext cx="10515240" cy="2075040"/>
+            <a:off x="609480" y="1604520"/>
+            <a:ext cx="10972440" cy="1896840"/>
           </a:xfrm>
           <a:prstGeom prst="rect">
             <a:avLst/>
@@ -3322,20 +3031,8 @@
             <a:normAutofit/>
           </a:bodyPr>
           <a:p>
-            <a:pPr>
-              <a:lnSpc>
-                <a:spcPct val="90000"/>
-              </a:lnSpc>
-              <a:spcBef>
-                <a:spcPts val="1417"/>
-              </a:spcBef>
-              <a:buNone/>
-            </a:pPr>
-            <a:endParaRPr b="0" lang="es-ES" sz="2800" spc="-1" strike="noStrike">
-              <a:solidFill>
-                <a:srgbClr val="000000"/>
-              </a:solidFill>
-              <a:latin typeface="Calibri"/>
+            <a:endParaRPr b="0" lang="en-US" sz="3200" spc="-1" strike="noStrike">
+              <a:latin typeface="Arial"/>
             </a:endParaRPr>
           </a:p>
         </p:txBody>
@@ -3352,8 +3049,8 @@
         </p:nvSpPr>
         <p:spPr>
           <a:xfrm>
-            <a:off x="838080" y="4098240"/>
-            <a:ext cx="10515240" cy="2075040"/>
+            <a:off x="609480" y="3682080"/>
+            <a:ext cx="10972440" cy="1896840"/>
           </a:xfrm>
           <a:prstGeom prst="rect">
             <a:avLst/>
@@ -3368,20 +3065,8 @@
             <a:normAutofit/>
           </a:bodyPr>
           <a:p>
-            <a:pPr>
-              <a:lnSpc>
-                <a:spcPct val="90000"/>
-              </a:lnSpc>
-              <a:spcBef>
-                <a:spcPts val="1417"/>
-              </a:spcBef>
-              <a:buNone/>
-            </a:pPr>
-            <a:endParaRPr b="0" lang="es-ES" sz="2800" spc="-1" strike="noStrike">
-              <a:solidFill>
-                <a:srgbClr val="000000"/>
-              </a:solidFill>
-              <a:latin typeface="Calibri"/>
+            <a:endParaRPr b="0" lang="en-US" sz="3200" spc="-1" strike="noStrike">
+              <a:latin typeface="Arial"/>
             </a:endParaRPr>
           </a:p>
         </p:txBody>
@@ -3393,7 +3078,7 @@
             <a:spLocks noGrp="1"/>
           </p:cNvSpPr>
           <p:nvPr>
-            <p:ph type="ftr" idx="5"/>
+            <p:ph type="ftr" idx="4"/>
           </p:nvPr>
         </p:nvSpPr>
         <p:spPr/>
@@ -3413,14 +3098,14 @@
             <a:spLocks noGrp="1"/>
           </p:cNvSpPr>
           <p:nvPr>
-            <p:ph type="sldNum" idx="6"/>
+            <p:ph type="sldNum" idx="5"/>
           </p:nvPr>
         </p:nvSpPr>
         <p:spPr/>
         <p:txBody>
           <a:bodyPr/>
           <a:p>
-            <a:fld id="{92EB48F4-18ED-4325-BEB7-606ECAB794DC}" type="slidenum">
+            <a:fld id="{4FFA387B-5EB9-4858-9CBC-7EB2154CDAB6}" type="slidenum">
               <a:t>&lt;#&gt;</a:t>
             </a:fld>
           </a:p>
@@ -3433,7 +3118,7 @@
             <a:spLocks noGrp="1"/>
           </p:cNvSpPr>
           <p:nvPr>
-            <p:ph type="dt" idx="4"/>
+            <p:ph type="dt" idx="6"/>
           </p:nvPr>
         </p:nvSpPr>
         <p:spPr/>
@@ -3481,8 +3166,8 @@
         </p:nvSpPr>
         <p:spPr>
           <a:xfrm>
-            <a:off x="838080" y="365040"/>
-            <a:ext cx="10515240" cy="1325160"/>
+            <a:off x="609480" y="273600"/>
+            <a:ext cx="10972440" cy="1144800"/>
           </a:xfrm>
           <a:prstGeom prst="rect">
             <a:avLst/>
@@ -3497,11 +3182,11 @@
             <a:noAutofit/>
           </a:bodyPr>
           <a:p>
-            <a:endParaRPr b="0" lang="es-ES" sz="1800" spc="-1" strike="noStrike">
-              <a:solidFill>
-                <a:srgbClr val="000000"/>
-              </a:solidFill>
-              <a:latin typeface="Calibri"/>
+            <a:pPr algn="ctr">
+              <a:buNone/>
+            </a:pPr>
+            <a:endParaRPr b="0" lang="en-US" sz="4400" spc="-1" strike="noStrike">
+              <a:latin typeface="Arial"/>
             </a:endParaRPr>
           </a:p>
         </p:txBody>
@@ -3518,8 +3203,8 @@
         </p:nvSpPr>
         <p:spPr>
           <a:xfrm>
-            <a:off x="838080" y="1825560"/>
-            <a:ext cx="5131080" cy="2075040"/>
+            <a:off x="609480" y="1604520"/>
+            <a:ext cx="5354280" cy="1896840"/>
           </a:xfrm>
           <a:prstGeom prst="rect">
             <a:avLst/>
@@ -3534,20 +3219,8 @@
             <a:normAutofit/>
           </a:bodyPr>
           <a:p>
-            <a:pPr>
-              <a:lnSpc>
-                <a:spcPct val="90000"/>
-              </a:lnSpc>
-              <a:spcBef>
-                <a:spcPts val="1417"/>
-              </a:spcBef>
-              <a:buNone/>
-            </a:pPr>
-            <a:endParaRPr b="0" lang="es-ES" sz="2800" spc="-1" strike="noStrike">
-              <a:solidFill>
-                <a:srgbClr val="000000"/>
-              </a:solidFill>
-              <a:latin typeface="Calibri"/>
+            <a:endParaRPr b="0" lang="en-US" sz="3200" spc="-1" strike="noStrike">
+              <a:latin typeface="Arial"/>
             </a:endParaRPr>
           </a:p>
         </p:txBody>
@@ -3564,8 +3237,8 @@
         </p:nvSpPr>
         <p:spPr>
           <a:xfrm>
-            <a:off x="6226200" y="1825560"/>
-            <a:ext cx="5131080" cy="2075040"/>
+            <a:off x="6231960" y="1604520"/>
+            <a:ext cx="5354280" cy="1896840"/>
           </a:xfrm>
           <a:prstGeom prst="rect">
             <a:avLst/>
@@ -3580,20 +3253,8 @@
             <a:normAutofit/>
           </a:bodyPr>
           <a:p>
-            <a:pPr>
-              <a:lnSpc>
-                <a:spcPct val="90000"/>
-              </a:lnSpc>
-              <a:spcBef>
-                <a:spcPts val="1417"/>
-              </a:spcBef>
-              <a:buNone/>
-            </a:pPr>
-            <a:endParaRPr b="0" lang="es-ES" sz="2800" spc="-1" strike="noStrike">
-              <a:solidFill>
-                <a:srgbClr val="000000"/>
-              </a:solidFill>
-              <a:latin typeface="Calibri"/>
+            <a:endParaRPr b="0" lang="en-US" sz="3200" spc="-1" strike="noStrike">
+              <a:latin typeface="Arial"/>
             </a:endParaRPr>
           </a:p>
         </p:txBody>
@@ -3610,8 +3271,8 @@
         </p:nvSpPr>
         <p:spPr>
           <a:xfrm>
-            <a:off x="838080" y="4098240"/>
-            <a:ext cx="5131080" cy="2075040"/>
+            <a:off x="609480" y="3682080"/>
+            <a:ext cx="5354280" cy="1896840"/>
           </a:xfrm>
           <a:prstGeom prst="rect">
             <a:avLst/>
@@ -3626,20 +3287,8 @@
             <a:normAutofit/>
           </a:bodyPr>
           <a:p>
-            <a:pPr>
-              <a:lnSpc>
-                <a:spcPct val="90000"/>
-              </a:lnSpc>
-              <a:spcBef>
-                <a:spcPts val="1417"/>
-              </a:spcBef>
-              <a:buNone/>
-            </a:pPr>
-            <a:endParaRPr b="0" lang="es-ES" sz="2800" spc="-1" strike="noStrike">
-              <a:solidFill>
-                <a:srgbClr val="000000"/>
-              </a:solidFill>
-              <a:latin typeface="Calibri"/>
+            <a:endParaRPr b="0" lang="en-US" sz="3200" spc="-1" strike="noStrike">
+              <a:latin typeface="Arial"/>
             </a:endParaRPr>
           </a:p>
         </p:txBody>
@@ -3656,8 +3305,8 @@
         </p:nvSpPr>
         <p:spPr>
           <a:xfrm>
-            <a:off x="6226200" y="4098240"/>
-            <a:ext cx="5131080" cy="2075040"/>
+            <a:off x="6231960" y="3682080"/>
+            <a:ext cx="5354280" cy="1896840"/>
           </a:xfrm>
           <a:prstGeom prst="rect">
             <a:avLst/>
@@ -3672,20 +3321,8 @@
             <a:normAutofit/>
           </a:bodyPr>
           <a:p>
-            <a:pPr>
-              <a:lnSpc>
-                <a:spcPct val="90000"/>
-              </a:lnSpc>
-              <a:spcBef>
-                <a:spcPts val="1417"/>
-              </a:spcBef>
-              <a:buNone/>
-            </a:pPr>
-            <a:endParaRPr b="0" lang="es-ES" sz="2800" spc="-1" strike="noStrike">
-              <a:solidFill>
-                <a:srgbClr val="000000"/>
-              </a:solidFill>
-              <a:latin typeface="Calibri"/>
+            <a:endParaRPr b="0" lang="en-US" sz="3200" spc="-1" strike="noStrike">
+              <a:latin typeface="Arial"/>
             </a:endParaRPr>
           </a:p>
         </p:txBody>
@@ -3697,7 +3334,7 @@
             <a:spLocks noGrp="1"/>
           </p:cNvSpPr>
           <p:nvPr>
-            <p:ph type="ftr" idx="5"/>
+            <p:ph type="ftr" idx="4"/>
           </p:nvPr>
         </p:nvSpPr>
         <p:spPr/>
@@ -3717,14 +3354,14 @@
             <a:spLocks noGrp="1"/>
           </p:cNvSpPr>
           <p:nvPr>
-            <p:ph type="sldNum" idx="6"/>
+            <p:ph type="sldNum" idx="5"/>
           </p:nvPr>
         </p:nvSpPr>
         <p:spPr/>
         <p:txBody>
           <a:bodyPr/>
           <a:p>
-            <a:fld id="{497752DD-F6D5-435F-851E-574F84F9B446}" type="slidenum">
+            <a:fld id="{4766F1AE-D71D-4295-B186-F6E89E414180}" type="slidenum">
               <a:t>&lt;#&gt;</a:t>
             </a:fld>
           </a:p>
@@ -3737,7 +3374,7 @@
             <a:spLocks noGrp="1"/>
           </p:cNvSpPr>
           <p:nvPr>
-            <p:ph type="dt" idx="4"/>
+            <p:ph type="dt" idx="6"/>
           </p:nvPr>
         </p:nvSpPr>
         <p:spPr/>
@@ -3785,8 +3422,8 @@
         </p:nvSpPr>
         <p:spPr>
           <a:xfrm>
-            <a:off x="838080" y="365040"/>
-            <a:ext cx="10515240" cy="1325160"/>
+            <a:off x="609480" y="273600"/>
+            <a:ext cx="10972440" cy="1144800"/>
           </a:xfrm>
           <a:prstGeom prst="rect">
             <a:avLst/>
@@ -3801,11 +3438,11 @@
             <a:noAutofit/>
           </a:bodyPr>
           <a:p>
-            <a:endParaRPr b="0" lang="es-ES" sz="1800" spc="-1" strike="noStrike">
-              <a:solidFill>
-                <a:srgbClr val="000000"/>
-              </a:solidFill>
-              <a:latin typeface="Calibri"/>
+            <a:pPr algn="ctr">
+              <a:buNone/>
+            </a:pPr>
+            <a:endParaRPr b="0" lang="en-US" sz="4400" spc="-1" strike="noStrike">
+              <a:latin typeface="Arial"/>
             </a:endParaRPr>
           </a:p>
         </p:txBody>
@@ -3822,8 +3459,8 @@
         </p:nvSpPr>
         <p:spPr>
           <a:xfrm>
-            <a:off x="838080" y="1825560"/>
-            <a:ext cx="3385800" cy="2075040"/>
+            <a:off x="609480" y="1604520"/>
+            <a:ext cx="3533040" cy="1896840"/>
           </a:xfrm>
           <a:prstGeom prst="rect">
             <a:avLst/>
@@ -3838,20 +3475,8 @@
             <a:normAutofit/>
           </a:bodyPr>
           <a:p>
-            <a:pPr>
-              <a:lnSpc>
-                <a:spcPct val="90000"/>
-              </a:lnSpc>
-              <a:spcBef>
-                <a:spcPts val="1417"/>
-              </a:spcBef>
-              <a:buNone/>
-            </a:pPr>
-            <a:endParaRPr b="0" lang="es-ES" sz="2800" spc="-1" strike="noStrike">
-              <a:solidFill>
-                <a:srgbClr val="000000"/>
-              </a:solidFill>
-              <a:latin typeface="Calibri"/>
+            <a:endParaRPr b="0" lang="en-US" sz="3200" spc="-1" strike="noStrike">
+              <a:latin typeface="Arial"/>
             </a:endParaRPr>
           </a:p>
         </p:txBody>
@@ -3868,8 +3493,8 @@
         </p:nvSpPr>
         <p:spPr>
           <a:xfrm>
-            <a:off x="4393440" y="1825560"/>
-            <a:ext cx="3385800" cy="2075040"/>
+            <a:off x="4319640" y="1604520"/>
+            <a:ext cx="3533040" cy="1896840"/>
           </a:xfrm>
           <a:prstGeom prst="rect">
             <a:avLst/>
@@ -3884,20 +3509,8 @@
             <a:normAutofit/>
           </a:bodyPr>
           <a:p>
-            <a:pPr>
-              <a:lnSpc>
-                <a:spcPct val="90000"/>
-              </a:lnSpc>
-              <a:spcBef>
-                <a:spcPts val="1417"/>
-              </a:spcBef>
-              <a:buNone/>
-            </a:pPr>
-            <a:endParaRPr b="0" lang="es-ES" sz="2800" spc="-1" strike="noStrike">
-              <a:solidFill>
-                <a:srgbClr val="000000"/>
-              </a:solidFill>
-              <a:latin typeface="Calibri"/>
+            <a:endParaRPr b="0" lang="en-US" sz="3200" spc="-1" strike="noStrike">
+              <a:latin typeface="Arial"/>
             </a:endParaRPr>
           </a:p>
         </p:txBody>
@@ -3914,8 +3527,8 @@
         </p:nvSpPr>
         <p:spPr>
           <a:xfrm>
-            <a:off x="7949160" y="1825560"/>
-            <a:ext cx="3385800" cy="2075040"/>
+            <a:off x="8029800" y="1604520"/>
+            <a:ext cx="3533040" cy="1896840"/>
           </a:xfrm>
           <a:prstGeom prst="rect">
             <a:avLst/>
@@ -3930,20 +3543,8 @@
             <a:normAutofit/>
           </a:bodyPr>
           <a:p>
-            <a:pPr>
-              <a:lnSpc>
-                <a:spcPct val="90000"/>
-              </a:lnSpc>
-              <a:spcBef>
-                <a:spcPts val="1417"/>
-              </a:spcBef>
-              <a:buNone/>
-            </a:pPr>
-            <a:endParaRPr b="0" lang="es-ES" sz="2800" spc="-1" strike="noStrike">
-              <a:solidFill>
-                <a:srgbClr val="000000"/>
-              </a:solidFill>
-              <a:latin typeface="Calibri"/>
+            <a:endParaRPr b="0" lang="en-US" sz="3200" spc="-1" strike="noStrike">
+              <a:latin typeface="Arial"/>
             </a:endParaRPr>
           </a:p>
         </p:txBody>
@@ -3960,8 +3561,8 @@
         </p:nvSpPr>
         <p:spPr>
           <a:xfrm>
-            <a:off x="838080" y="4098240"/>
-            <a:ext cx="3385800" cy="2075040"/>
+            <a:off x="609480" y="3682080"/>
+            <a:ext cx="3533040" cy="1896840"/>
           </a:xfrm>
           <a:prstGeom prst="rect">
             <a:avLst/>
@@ -3976,20 +3577,8 @@
             <a:normAutofit/>
           </a:bodyPr>
           <a:p>
-            <a:pPr>
-              <a:lnSpc>
-                <a:spcPct val="90000"/>
-              </a:lnSpc>
-              <a:spcBef>
-                <a:spcPts val="1417"/>
-              </a:spcBef>
-              <a:buNone/>
-            </a:pPr>
-            <a:endParaRPr b="0" lang="es-ES" sz="2800" spc="-1" strike="noStrike">
-              <a:solidFill>
-                <a:srgbClr val="000000"/>
-              </a:solidFill>
-              <a:latin typeface="Calibri"/>
+            <a:endParaRPr b="0" lang="en-US" sz="3200" spc="-1" strike="noStrike">
+              <a:latin typeface="Arial"/>
             </a:endParaRPr>
           </a:p>
         </p:txBody>
@@ -4006,8 +3595,8 @@
         </p:nvSpPr>
         <p:spPr>
           <a:xfrm>
-            <a:off x="4393440" y="4098240"/>
-            <a:ext cx="3385800" cy="2075040"/>
+            <a:off x="4319640" y="3682080"/>
+            <a:ext cx="3533040" cy="1896840"/>
           </a:xfrm>
           <a:prstGeom prst="rect">
             <a:avLst/>
@@ -4022,20 +3611,8 @@
             <a:normAutofit/>
           </a:bodyPr>
           <a:p>
-            <a:pPr>
-              <a:lnSpc>
-                <a:spcPct val="90000"/>
-              </a:lnSpc>
-              <a:spcBef>
-                <a:spcPts val="1417"/>
-              </a:spcBef>
-              <a:buNone/>
-            </a:pPr>
-            <a:endParaRPr b="0" lang="es-ES" sz="2800" spc="-1" strike="noStrike">
-              <a:solidFill>
-                <a:srgbClr val="000000"/>
-              </a:solidFill>
-              <a:latin typeface="Calibri"/>
+            <a:endParaRPr b="0" lang="en-US" sz="3200" spc="-1" strike="noStrike">
+              <a:latin typeface="Arial"/>
             </a:endParaRPr>
           </a:p>
         </p:txBody>
@@ -4052,8 +3629,8 @@
         </p:nvSpPr>
         <p:spPr>
           <a:xfrm>
-            <a:off x="7949160" y="4098240"/>
-            <a:ext cx="3385800" cy="2075040"/>
+            <a:off x="8029800" y="3682080"/>
+            <a:ext cx="3533040" cy="1896840"/>
           </a:xfrm>
           <a:prstGeom prst="rect">
             <a:avLst/>
@@ -4068,20 +3645,8 @@
             <a:normAutofit/>
           </a:bodyPr>
           <a:p>
-            <a:pPr>
-              <a:lnSpc>
-                <a:spcPct val="90000"/>
-              </a:lnSpc>
-              <a:spcBef>
-                <a:spcPts val="1417"/>
-              </a:spcBef>
-              <a:buNone/>
-            </a:pPr>
-            <a:endParaRPr b="0" lang="es-ES" sz="2800" spc="-1" strike="noStrike">
-              <a:solidFill>
-                <a:srgbClr val="000000"/>
-              </a:solidFill>
-              <a:latin typeface="Calibri"/>
+            <a:endParaRPr b="0" lang="en-US" sz="3200" spc="-1" strike="noStrike">
+              <a:latin typeface="Arial"/>
             </a:endParaRPr>
           </a:p>
         </p:txBody>
@@ -4093,7 +3658,7 @@
             <a:spLocks noGrp="1"/>
           </p:cNvSpPr>
           <p:nvPr>
-            <p:ph type="ftr" idx="5"/>
+            <p:ph type="ftr" idx="4"/>
           </p:nvPr>
         </p:nvSpPr>
         <p:spPr/>
@@ -4113,14 +3678,14 @@
             <a:spLocks noGrp="1"/>
           </p:cNvSpPr>
           <p:nvPr>
-            <p:ph type="sldNum" idx="6"/>
+            <p:ph type="sldNum" idx="5"/>
           </p:nvPr>
         </p:nvSpPr>
         <p:spPr/>
         <p:txBody>
           <a:bodyPr/>
           <a:p>
-            <a:fld id="{79AE35BB-D199-4082-A880-C0B5CEC19F05}" type="slidenum">
+            <a:fld id="{72C57A8D-82A0-4C9B-B08E-B7C9F54EE42C}" type="slidenum">
               <a:t>&lt;#&gt;</a:t>
             </a:fld>
           </a:p>
@@ -4133,7 +3698,7 @@
             <a:spLocks noGrp="1"/>
           </p:cNvSpPr>
           <p:nvPr>
-            <p:ph type="dt" idx="4"/>
+            <p:ph type="dt" idx="6"/>
           </p:nvPr>
         </p:nvSpPr>
         <p:spPr/>
@@ -4181,8 +3746,8 @@
         </p:nvSpPr>
         <p:spPr>
           <a:xfrm>
-            <a:off x="838080" y="365040"/>
-            <a:ext cx="10515240" cy="1325160"/>
+            <a:off x="609480" y="273600"/>
+            <a:ext cx="10972440" cy="1144800"/>
           </a:xfrm>
           <a:prstGeom prst="rect">
             <a:avLst/>
@@ -4197,11 +3762,11 @@
             <a:noAutofit/>
           </a:bodyPr>
           <a:p>
-            <a:endParaRPr b="0" lang="es-ES" sz="1800" spc="-1" strike="noStrike">
-              <a:solidFill>
-                <a:srgbClr val="000000"/>
-              </a:solidFill>
-              <a:latin typeface="Calibri"/>
+            <a:pPr algn="ctr">
+              <a:buNone/>
+            </a:pPr>
+            <a:endParaRPr b="0" lang="en-US" sz="4400" spc="-1" strike="noStrike">
+              <a:latin typeface="Arial"/>
             </a:endParaRPr>
           </a:p>
         </p:txBody>
@@ -4218,8 +3783,8 @@
         </p:nvSpPr>
         <p:spPr>
           <a:xfrm>
-            <a:off x="838080" y="1825560"/>
-            <a:ext cx="10515240" cy="4350960"/>
+            <a:off x="609480" y="1604520"/>
+            <a:ext cx="10972440" cy="3977280"/>
           </a:xfrm>
           <a:prstGeom prst="rect">
             <a:avLst/>
@@ -4234,20 +3799,8 @@
             <a:normAutofit/>
           </a:bodyPr>
           <a:p>
-            <a:pPr>
-              <a:lnSpc>
-                <a:spcPct val="90000"/>
-              </a:lnSpc>
-              <a:spcBef>
-                <a:spcPts val="1417"/>
-              </a:spcBef>
-              <a:buNone/>
-            </a:pPr>
-            <a:endParaRPr b="0" lang="es-ES" sz="2800" spc="-1" strike="noStrike">
-              <a:solidFill>
-                <a:srgbClr val="000000"/>
-              </a:solidFill>
-              <a:latin typeface="Calibri"/>
+            <a:endParaRPr b="0" lang="en-US" sz="3200" spc="-1" strike="noStrike">
+              <a:latin typeface="Arial"/>
             </a:endParaRPr>
           </a:p>
         </p:txBody>
@@ -4259,7 +3812,7 @@
             <a:spLocks noGrp="1"/>
           </p:cNvSpPr>
           <p:nvPr>
-            <p:ph type="ftr" idx="2"/>
+            <p:ph type="ftr" idx="1"/>
           </p:nvPr>
         </p:nvSpPr>
         <p:spPr/>
@@ -4279,14 +3832,14 @@
             <a:spLocks noGrp="1"/>
           </p:cNvSpPr>
           <p:nvPr>
-            <p:ph type="sldNum" idx="3"/>
+            <p:ph type="sldNum" idx="2"/>
           </p:nvPr>
         </p:nvSpPr>
         <p:spPr/>
         <p:txBody>
           <a:bodyPr/>
           <a:p>
-            <a:fld id="{C06A700C-8046-49C3-BE8B-5D31587F5AA2}" type="slidenum">
+            <a:fld id="{A8F062C6-4187-4D68-8E06-7CF4401273E5}" type="slidenum">
               <a:t>&lt;#&gt;</a:t>
             </a:fld>
           </a:p>
@@ -4299,7 +3852,7 @@
             <a:spLocks noGrp="1"/>
           </p:cNvSpPr>
           <p:nvPr>
-            <p:ph type="dt" idx="1"/>
+            <p:ph type="dt" idx="3"/>
           </p:nvPr>
         </p:nvSpPr>
         <p:spPr/>
@@ -4347,8 +3900,8 @@
         </p:nvSpPr>
         <p:spPr>
           <a:xfrm>
-            <a:off x="838080" y="365040"/>
-            <a:ext cx="10515240" cy="1325160"/>
+            <a:off x="609480" y="273600"/>
+            <a:ext cx="10972440" cy="1144800"/>
           </a:xfrm>
           <a:prstGeom prst="rect">
             <a:avLst/>
@@ -4363,11 +3916,11 @@
             <a:noAutofit/>
           </a:bodyPr>
           <a:p>
-            <a:endParaRPr b="0" lang="es-ES" sz="1800" spc="-1" strike="noStrike">
-              <a:solidFill>
-                <a:srgbClr val="000000"/>
-              </a:solidFill>
-              <a:latin typeface="Calibri"/>
+            <a:pPr algn="ctr">
+              <a:buNone/>
+            </a:pPr>
+            <a:endParaRPr b="0" lang="en-US" sz="4400" spc="-1" strike="noStrike">
+              <a:latin typeface="Arial"/>
             </a:endParaRPr>
           </a:p>
         </p:txBody>
@@ -4384,8 +3937,8 @@
         </p:nvSpPr>
         <p:spPr>
           <a:xfrm>
-            <a:off x="838080" y="1825560"/>
-            <a:ext cx="5131080" cy="4350960"/>
+            <a:off x="609480" y="1604520"/>
+            <a:ext cx="5354280" cy="3977280"/>
           </a:xfrm>
           <a:prstGeom prst="rect">
             <a:avLst/>
@@ -4400,20 +3953,8 @@
             <a:normAutofit/>
           </a:bodyPr>
           <a:p>
-            <a:pPr>
-              <a:lnSpc>
-                <a:spcPct val="90000"/>
-              </a:lnSpc>
-              <a:spcBef>
-                <a:spcPts val="1417"/>
-              </a:spcBef>
-              <a:buNone/>
-            </a:pPr>
-            <a:endParaRPr b="0" lang="es-ES" sz="2800" spc="-1" strike="noStrike">
-              <a:solidFill>
-                <a:srgbClr val="000000"/>
-              </a:solidFill>
-              <a:latin typeface="Calibri"/>
+            <a:endParaRPr b="0" lang="en-US" sz="3200" spc="-1" strike="noStrike">
+              <a:latin typeface="Arial"/>
             </a:endParaRPr>
           </a:p>
         </p:txBody>
@@ -4430,8 +3971,8 @@
         </p:nvSpPr>
         <p:spPr>
           <a:xfrm>
-            <a:off x="6226200" y="1825560"/>
-            <a:ext cx="5131080" cy="4350960"/>
+            <a:off x="6231960" y="1604520"/>
+            <a:ext cx="5354280" cy="3977280"/>
           </a:xfrm>
           <a:prstGeom prst="rect">
             <a:avLst/>
@@ -4446,20 +3987,8 @@
             <a:normAutofit/>
           </a:bodyPr>
           <a:p>
-            <a:pPr>
-              <a:lnSpc>
-                <a:spcPct val="90000"/>
-              </a:lnSpc>
-              <a:spcBef>
-                <a:spcPts val="1417"/>
-              </a:spcBef>
-              <a:buNone/>
-            </a:pPr>
-            <a:endParaRPr b="0" lang="es-ES" sz="2800" spc="-1" strike="noStrike">
-              <a:solidFill>
-                <a:srgbClr val="000000"/>
-              </a:solidFill>
-              <a:latin typeface="Calibri"/>
+            <a:endParaRPr b="0" lang="en-US" sz="3200" spc="-1" strike="noStrike">
+              <a:latin typeface="Arial"/>
             </a:endParaRPr>
           </a:p>
         </p:txBody>
@@ -4471,7 +4000,7 @@
             <a:spLocks noGrp="1"/>
           </p:cNvSpPr>
           <p:nvPr>
-            <p:ph type="ftr" idx="2"/>
+            <p:ph type="ftr" idx="1"/>
           </p:nvPr>
         </p:nvSpPr>
         <p:spPr/>
@@ -4491,14 +4020,14 @@
             <a:spLocks noGrp="1"/>
           </p:cNvSpPr>
           <p:nvPr>
-            <p:ph type="sldNum" idx="3"/>
+            <p:ph type="sldNum" idx="2"/>
           </p:nvPr>
         </p:nvSpPr>
         <p:spPr/>
         <p:txBody>
           <a:bodyPr/>
           <a:p>
-            <a:fld id="{8C54F24F-FC20-4A4C-95E0-B89C7E1E5F74}" type="slidenum">
+            <a:fld id="{64322473-8C0C-48F2-A79F-021EAB7696B0}" type="slidenum">
               <a:t>&lt;#&gt;</a:t>
             </a:fld>
           </a:p>
@@ -4511,7 +4040,7 @@
             <a:spLocks noGrp="1"/>
           </p:cNvSpPr>
           <p:nvPr>
-            <p:ph type="dt" idx="1"/>
+            <p:ph type="dt" idx="3"/>
           </p:nvPr>
         </p:nvSpPr>
         <p:spPr/>
@@ -4559,8 +4088,8 @@
         </p:nvSpPr>
         <p:spPr>
           <a:xfrm>
-            <a:off x="838080" y="365040"/>
-            <a:ext cx="10515240" cy="1325160"/>
+            <a:off x="609480" y="273600"/>
+            <a:ext cx="10972440" cy="1144800"/>
           </a:xfrm>
           <a:prstGeom prst="rect">
             <a:avLst/>
@@ -4575,11 +4104,11 @@
             <a:noAutofit/>
           </a:bodyPr>
           <a:p>
-            <a:endParaRPr b="0" lang="es-ES" sz="1800" spc="-1" strike="noStrike">
-              <a:solidFill>
-                <a:srgbClr val="000000"/>
-              </a:solidFill>
-              <a:latin typeface="Calibri"/>
+            <a:pPr algn="ctr">
+              <a:buNone/>
+            </a:pPr>
+            <a:endParaRPr b="0" lang="en-US" sz="4400" spc="-1" strike="noStrike">
+              <a:latin typeface="Arial"/>
             </a:endParaRPr>
           </a:p>
         </p:txBody>
@@ -4591,7 +4120,7 @@
             <a:spLocks noGrp="1"/>
           </p:cNvSpPr>
           <p:nvPr>
-            <p:ph type="ftr" idx="2"/>
+            <p:ph type="ftr" idx="1"/>
           </p:nvPr>
         </p:nvSpPr>
         <p:spPr/>
@@ -4611,14 +4140,14 @@
             <a:spLocks noGrp="1"/>
           </p:cNvSpPr>
           <p:nvPr>
-            <p:ph type="sldNum" idx="3"/>
+            <p:ph type="sldNum" idx="2"/>
           </p:nvPr>
         </p:nvSpPr>
         <p:spPr/>
         <p:txBody>
           <a:bodyPr/>
           <a:p>
-            <a:fld id="{8C23FBFF-8CD4-4B9B-B254-4183E37DBF66}" type="slidenum">
+            <a:fld id="{820621B7-5DB7-4531-B0B7-A8BFCC967588}" type="slidenum">
               <a:t>&lt;#&gt;</a:t>
             </a:fld>
           </a:p>
@@ -4631,7 +4160,7 @@
             <a:spLocks noGrp="1"/>
           </p:cNvSpPr>
           <p:nvPr>
-            <p:ph type="dt" idx="1"/>
+            <p:ph type="dt" idx="3"/>
           </p:nvPr>
         </p:nvSpPr>
         <p:spPr/>
@@ -4679,8 +4208,8 @@
         </p:nvSpPr>
         <p:spPr>
           <a:xfrm>
-            <a:off x="838080" y="365040"/>
-            <a:ext cx="10515240" cy="6144120"/>
+            <a:off x="609480" y="273600"/>
+            <a:ext cx="10972440" cy="5307840"/>
           </a:xfrm>
           <a:prstGeom prst="rect">
             <a:avLst/>
@@ -4711,7 +4240,7 @@
             <a:spLocks noGrp="1"/>
           </p:cNvSpPr>
           <p:nvPr>
-            <p:ph type="ftr" idx="2"/>
+            <p:ph type="ftr" idx="1"/>
           </p:nvPr>
         </p:nvSpPr>
         <p:spPr/>
@@ -4731,14 +4260,14 @@
             <a:spLocks noGrp="1"/>
           </p:cNvSpPr>
           <p:nvPr>
-            <p:ph type="sldNum" idx="3"/>
+            <p:ph type="sldNum" idx="2"/>
           </p:nvPr>
         </p:nvSpPr>
         <p:spPr/>
         <p:txBody>
           <a:bodyPr/>
           <a:p>
-            <a:fld id="{393AC435-96FE-4AE0-A129-3FD13C4DF7D8}" type="slidenum">
+            <a:fld id="{900DE127-F1C3-4D9F-A1C8-E7922CB88B37}" type="slidenum">
               <a:t>&lt;#&gt;</a:t>
             </a:fld>
           </a:p>
@@ -4751,7 +4280,7 @@
             <a:spLocks noGrp="1"/>
           </p:cNvSpPr>
           <p:nvPr>
-            <p:ph type="dt" idx="1"/>
+            <p:ph type="dt" idx="3"/>
           </p:nvPr>
         </p:nvSpPr>
         <p:spPr/>
@@ -4799,8 +4328,8 @@
         </p:nvSpPr>
         <p:spPr>
           <a:xfrm>
-            <a:off x="838080" y="365040"/>
-            <a:ext cx="10515240" cy="1325160"/>
+            <a:off x="609480" y="273600"/>
+            <a:ext cx="10972440" cy="1144800"/>
           </a:xfrm>
           <a:prstGeom prst="rect">
             <a:avLst/>
@@ -4815,11 +4344,11 @@
             <a:noAutofit/>
           </a:bodyPr>
           <a:p>
-            <a:endParaRPr b="0" lang="es-ES" sz="1800" spc="-1" strike="noStrike">
-              <a:solidFill>
-                <a:srgbClr val="000000"/>
-              </a:solidFill>
-              <a:latin typeface="Calibri"/>
+            <a:pPr algn="ctr">
+              <a:buNone/>
+            </a:pPr>
+            <a:endParaRPr b="0" lang="en-US" sz="4400" spc="-1" strike="noStrike">
+              <a:latin typeface="Arial"/>
             </a:endParaRPr>
           </a:p>
         </p:txBody>
@@ -4836,8 +4365,8 @@
         </p:nvSpPr>
         <p:spPr>
           <a:xfrm>
-            <a:off x="838080" y="1825560"/>
-            <a:ext cx="5131080" cy="2075040"/>
+            <a:off x="609480" y="1604520"/>
+            <a:ext cx="5354280" cy="1896840"/>
           </a:xfrm>
           <a:prstGeom prst="rect">
             <a:avLst/>
@@ -4852,20 +4381,8 @@
             <a:normAutofit/>
           </a:bodyPr>
           <a:p>
-            <a:pPr>
-              <a:lnSpc>
-                <a:spcPct val="90000"/>
-              </a:lnSpc>
-              <a:spcBef>
-                <a:spcPts val="1417"/>
-              </a:spcBef>
-              <a:buNone/>
-            </a:pPr>
-            <a:endParaRPr b="0" lang="es-ES" sz="2800" spc="-1" strike="noStrike">
-              <a:solidFill>
-                <a:srgbClr val="000000"/>
-              </a:solidFill>
-              <a:latin typeface="Calibri"/>
+            <a:endParaRPr b="0" lang="en-US" sz="3200" spc="-1" strike="noStrike">
+              <a:latin typeface="Arial"/>
             </a:endParaRPr>
           </a:p>
         </p:txBody>
@@ -4882,8 +4399,8 @@
         </p:nvSpPr>
         <p:spPr>
           <a:xfrm>
-            <a:off x="6226200" y="1825560"/>
-            <a:ext cx="5131080" cy="4350960"/>
+            <a:off x="6231960" y="1604520"/>
+            <a:ext cx="5354280" cy="3977280"/>
           </a:xfrm>
           <a:prstGeom prst="rect">
             <a:avLst/>
@@ -4898,20 +4415,8 @@
             <a:normAutofit/>
           </a:bodyPr>
           <a:p>
-            <a:pPr>
-              <a:lnSpc>
-                <a:spcPct val="90000"/>
-              </a:lnSpc>
-              <a:spcBef>
-                <a:spcPts val="1417"/>
-              </a:spcBef>
-              <a:buNone/>
-            </a:pPr>
-            <a:endParaRPr b="0" lang="es-ES" sz="2800" spc="-1" strike="noStrike">
-              <a:solidFill>
-                <a:srgbClr val="000000"/>
-              </a:solidFill>
-              <a:latin typeface="Calibri"/>
+            <a:endParaRPr b="0" lang="en-US" sz="3200" spc="-1" strike="noStrike">
+              <a:latin typeface="Arial"/>
             </a:endParaRPr>
           </a:p>
         </p:txBody>
@@ -4928,8 +4433,8 @@
         </p:nvSpPr>
         <p:spPr>
           <a:xfrm>
-            <a:off x="838080" y="4098240"/>
-            <a:ext cx="5131080" cy="2075040"/>
+            <a:off x="609480" y="3682080"/>
+            <a:ext cx="5354280" cy="1896840"/>
           </a:xfrm>
           <a:prstGeom prst="rect">
             <a:avLst/>
@@ -4944,20 +4449,8 @@
             <a:normAutofit/>
           </a:bodyPr>
           <a:p>
-            <a:pPr>
-              <a:lnSpc>
-                <a:spcPct val="90000"/>
-              </a:lnSpc>
-              <a:spcBef>
-                <a:spcPts val="1417"/>
-              </a:spcBef>
-              <a:buNone/>
-            </a:pPr>
-            <a:endParaRPr b="0" lang="es-ES" sz="2800" spc="-1" strike="noStrike">
-              <a:solidFill>
-                <a:srgbClr val="000000"/>
-              </a:solidFill>
-              <a:latin typeface="Calibri"/>
+            <a:endParaRPr b="0" lang="en-US" sz="3200" spc="-1" strike="noStrike">
+              <a:latin typeface="Arial"/>
             </a:endParaRPr>
           </a:p>
         </p:txBody>
@@ -4969,7 +4462,7 @@
             <a:spLocks noGrp="1"/>
           </p:cNvSpPr>
           <p:nvPr>
-            <p:ph type="ftr" idx="2"/>
+            <p:ph type="ftr" idx="1"/>
           </p:nvPr>
         </p:nvSpPr>
         <p:spPr/>
@@ -4989,14 +4482,14 @@
             <a:spLocks noGrp="1"/>
           </p:cNvSpPr>
           <p:nvPr>
-            <p:ph type="sldNum" idx="3"/>
+            <p:ph type="sldNum" idx="2"/>
           </p:nvPr>
         </p:nvSpPr>
         <p:spPr/>
         <p:txBody>
           <a:bodyPr/>
           <a:p>
-            <a:fld id="{2FF6026F-AABF-4E38-8C1B-6EF5A9FC132B}" type="slidenum">
+            <a:fld id="{516F0B6E-2037-42D5-8369-3A3C279A347D}" type="slidenum">
               <a:t>&lt;#&gt;</a:t>
             </a:fld>
           </a:p>
@@ -5009,7 +4502,7 @@
             <a:spLocks noGrp="1"/>
           </p:cNvSpPr>
           <p:nvPr>
-            <p:ph type="dt" idx="1"/>
+            <p:ph type="dt" idx="3"/>
           </p:nvPr>
         </p:nvSpPr>
         <p:spPr/>
@@ -5057,8 +4550,8 @@
         </p:nvSpPr>
         <p:spPr>
           <a:xfrm>
-            <a:off x="838080" y="365040"/>
-            <a:ext cx="10515240" cy="1325160"/>
+            <a:off x="609480" y="273600"/>
+            <a:ext cx="10972440" cy="1144800"/>
           </a:xfrm>
           <a:prstGeom prst="rect">
             <a:avLst/>
@@ -5073,11 +4566,11 @@
             <a:noAutofit/>
           </a:bodyPr>
           <a:p>
-            <a:endParaRPr b="0" lang="es-ES" sz="1800" spc="-1" strike="noStrike">
-              <a:solidFill>
-                <a:srgbClr val="000000"/>
-              </a:solidFill>
-              <a:latin typeface="Calibri"/>
+            <a:pPr algn="ctr">
+              <a:buNone/>
+            </a:pPr>
+            <a:endParaRPr b="0" lang="en-US" sz="4400" spc="-1" strike="noStrike">
+              <a:latin typeface="Arial"/>
             </a:endParaRPr>
           </a:p>
         </p:txBody>
@@ -5094,8 +4587,8 @@
         </p:nvSpPr>
         <p:spPr>
           <a:xfrm>
-            <a:off x="838080" y="1825560"/>
-            <a:ext cx="5131080" cy="4350960"/>
+            <a:off x="609480" y="1604520"/>
+            <a:ext cx="5354280" cy="3977280"/>
           </a:xfrm>
           <a:prstGeom prst="rect">
             <a:avLst/>
@@ -5110,20 +4603,8 @@
             <a:normAutofit/>
           </a:bodyPr>
           <a:p>
-            <a:pPr>
-              <a:lnSpc>
-                <a:spcPct val="90000"/>
-              </a:lnSpc>
-              <a:spcBef>
-                <a:spcPts val="1417"/>
-              </a:spcBef>
-              <a:buNone/>
-            </a:pPr>
-            <a:endParaRPr b="0" lang="es-ES" sz="2800" spc="-1" strike="noStrike">
-              <a:solidFill>
-                <a:srgbClr val="000000"/>
-              </a:solidFill>
-              <a:latin typeface="Calibri"/>
+            <a:endParaRPr b="0" lang="en-US" sz="3200" spc="-1" strike="noStrike">
+              <a:latin typeface="Arial"/>
             </a:endParaRPr>
           </a:p>
         </p:txBody>
@@ -5140,8 +4621,8 @@
         </p:nvSpPr>
         <p:spPr>
           <a:xfrm>
-            <a:off x="6226200" y="1825560"/>
-            <a:ext cx="5131080" cy="2075040"/>
+            <a:off x="6231960" y="1604520"/>
+            <a:ext cx="5354280" cy="1896840"/>
           </a:xfrm>
           <a:prstGeom prst="rect">
             <a:avLst/>
@@ -5156,20 +4637,8 @@
             <a:normAutofit/>
           </a:bodyPr>
           <a:p>
-            <a:pPr>
-              <a:lnSpc>
-                <a:spcPct val="90000"/>
-              </a:lnSpc>
-              <a:spcBef>
-                <a:spcPts val="1417"/>
-              </a:spcBef>
-              <a:buNone/>
-            </a:pPr>
-            <a:endParaRPr b="0" lang="es-ES" sz="2800" spc="-1" strike="noStrike">
-              <a:solidFill>
-                <a:srgbClr val="000000"/>
-              </a:solidFill>
-              <a:latin typeface="Calibri"/>
+            <a:endParaRPr b="0" lang="en-US" sz="3200" spc="-1" strike="noStrike">
+              <a:latin typeface="Arial"/>
             </a:endParaRPr>
           </a:p>
         </p:txBody>
@@ -5186,8 +4655,8 @@
         </p:nvSpPr>
         <p:spPr>
           <a:xfrm>
-            <a:off x="6226200" y="4098240"/>
-            <a:ext cx="5131080" cy="2075040"/>
+            <a:off x="6231960" y="3682080"/>
+            <a:ext cx="5354280" cy="1896840"/>
           </a:xfrm>
           <a:prstGeom prst="rect">
             <a:avLst/>
@@ -5202,20 +4671,8 @@
             <a:normAutofit/>
           </a:bodyPr>
           <a:p>
-            <a:pPr>
-              <a:lnSpc>
-                <a:spcPct val="90000"/>
-              </a:lnSpc>
-              <a:spcBef>
-                <a:spcPts val="1417"/>
-              </a:spcBef>
-              <a:buNone/>
-            </a:pPr>
-            <a:endParaRPr b="0" lang="es-ES" sz="2800" spc="-1" strike="noStrike">
-              <a:solidFill>
-                <a:srgbClr val="000000"/>
-              </a:solidFill>
-              <a:latin typeface="Calibri"/>
+            <a:endParaRPr b="0" lang="en-US" sz="3200" spc="-1" strike="noStrike">
+              <a:latin typeface="Arial"/>
             </a:endParaRPr>
           </a:p>
         </p:txBody>
@@ -5227,7 +4684,7 @@
             <a:spLocks noGrp="1"/>
           </p:cNvSpPr>
           <p:nvPr>
-            <p:ph type="ftr" idx="2"/>
+            <p:ph type="ftr" idx="1"/>
           </p:nvPr>
         </p:nvSpPr>
         <p:spPr/>
@@ -5247,14 +4704,14 @@
             <a:spLocks noGrp="1"/>
           </p:cNvSpPr>
           <p:nvPr>
-            <p:ph type="sldNum" idx="3"/>
+            <p:ph type="sldNum" idx="2"/>
           </p:nvPr>
         </p:nvSpPr>
         <p:spPr/>
         <p:txBody>
           <a:bodyPr/>
           <a:p>
-            <a:fld id="{650E00EA-85BE-45E4-AA20-B59792744608}" type="slidenum">
+            <a:fld id="{7BE4F71A-6FF4-4713-B918-001581192F38}" type="slidenum">
               <a:t>&lt;#&gt;</a:t>
             </a:fld>
           </a:p>
@@ -5267,7 +4724,7 @@
             <a:spLocks noGrp="1"/>
           </p:cNvSpPr>
           <p:nvPr>
-            <p:ph type="dt" idx="1"/>
+            <p:ph type="dt" idx="3"/>
           </p:nvPr>
         </p:nvSpPr>
         <p:spPr/>
@@ -5315,8 +4772,8 @@
         </p:nvSpPr>
         <p:spPr>
           <a:xfrm>
-            <a:off x="838080" y="365040"/>
-            <a:ext cx="10515240" cy="1325160"/>
+            <a:off x="609480" y="273600"/>
+            <a:ext cx="10972440" cy="1144800"/>
           </a:xfrm>
           <a:prstGeom prst="rect">
             <a:avLst/>
@@ -5331,11 +4788,11 @@
             <a:noAutofit/>
           </a:bodyPr>
           <a:p>
-            <a:endParaRPr b="0" lang="es-ES" sz="1800" spc="-1" strike="noStrike">
-              <a:solidFill>
-                <a:srgbClr val="000000"/>
-              </a:solidFill>
-              <a:latin typeface="Calibri"/>
+            <a:pPr algn="ctr">
+              <a:buNone/>
+            </a:pPr>
+            <a:endParaRPr b="0" lang="en-US" sz="4400" spc="-1" strike="noStrike">
+              <a:latin typeface="Arial"/>
             </a:endParaRPr>
           </a:p>
         </p:txBody>
@@ -5352,8 +4809,8 @@
         </p:nvSpPr>
         <p:spPr>
           <a:xfrm>
-            <a:off x="838080" y="1825560"/>
-            <a:ext cx="5131080" cy="2075040"/>
+            <a:off x="609480" y="1604520"/>
+            <a:ext cx="5354280" cy="1896840"/>
           </a:xfrm>
           <a:prstGeom prst="rect">
             <a:avLst/>
@@ -5368,20 +4825,8 @@
             <a:normAutofit/>
           </a:bodyPr>
           <a:p>
-            <a:pPr>
-              <a:lnSpc>
-                <a:spcPct val="90000"/>
-              </a:lnSpc>
-              <a:spcBef>
-                <a:spcPts val="1417"/>
-              </a:spcBef>
-              <a:buNone/>
-            </a:pPr>
-            <a:endParaRPr b="0" lang="es-ES" sz="2800" spc="-1" strike="noStrike">
-              <a:solidFill>
-                <a:srgbClr val="000000"/>
-              </a:solidFill>
-              <a:latin typeface="Calibri"/>
+            <a:endParaRPr b="0" lang="en-US" sz="3200" spc="-1" strike="noStrike">
+              <a:latin typeface="Arial"/>
             </a:endParaRPr>
           </a:p>
         </p:txBody>
@@ -5398,8 +4843,8 @@
         </p:nvSpPr>
         <p:spPr>
           <a:xfrm>
-            <a:off x="6226200" y="1825560"/>
-            <a:ext cx="5131080" cy="2075040"/>
+            <a:off x="6231960" y="1604520"/>
+            <a:ext cx="5354280" cy="1896840"/>
           </a:xfrm>
           <a:prstGeom prst="rect">
             <a:avLst/>
@@ -5414,20 +4859,8 @@
             <a:normAutofit/>
           </a:bodyPr>
           <a:p>
-            <a:pPr>
-              <a:lnSpc>
-                <a:spcPct val="90000"/>
-              </a:lnSpc>
-              <a:spcBef>
-                <a:spcPts val="1417"/>
-              </a:spcBef>
-              <a:buNone/>
-            </a:pPr>
-            <a:endParaRPr b="0" lang="es-ES" sz="2800" spc="-1" strike="noStrike">
-              <a:solidFill>
-                <a:srgbClr val="000000"/>
-              </a:solidFill>
-              <a:latin typeface="Calibri"/>
+            <a:endParaRPr b="0" lang="en-US" sz="3200" spc="-1" strike="noStrike">
+              <a:latin typeface="Arial"/>
             </a:endParaRPr>
           </a:p>
         </p:txBody>
@@ -5444,8 +4877,8 @@
         </p:nvSpPr>
         <p:spPr>
           <a:xfrm>
-            <a:off x="838080" y="4098240"/>
-            <a:ext cx="10515240" cy="2075040"/>
+            <a:off x="609480" y="3682080"/>
+            <a:ext cx="10972440" cy="1896840"/>
           </a:xfrm>
           <a:prstGeom prst="rect">
             <a:avLst/>
@@ -5460,20 +4893,8 @@
             <a:normAutofit/>
           </a:bodyPr>
           <a:p>
-            <a:pPr>
-              <a:lnSpc>
-                <a:spcPct val="90000"/>
-              </a:lnSpc>
-              <a:spcBef>
-                <a:spcPts val="1417"/>
-              </a:spcBef>
-              <a:buNone/>
-            </a:pPr>
-            <a:endParaRPr b="0" lang="es-ES" sz="2800" spc="-1" strike="noStrike">
-              <a:solidFill>
-                <a:srgbClr val="000000"/>
-              </a:solidFill>
-              <a:latin typeface="Calibri"/>
+            <a:endParaRPr b="0" lang="en-US" sz="3200" spc="-1" strike="noStrike">
+              <a:latin typeface="Arial"/>
             </a:endParaRPr>
           </a:p>
         </p:txBody>
@@ -5485,7 +4906,7 @@
             <a:spLocks noGrp="1"/>
           </p:cNvSpPr>
           <p:nvPr>
-            <p:ph type="ftr" idx="2"/>
+            <p:ph type="ftr" idx="1"/>
           </p:nvPr>
         </p:nvSpPr>
         <p:spPr/>
@@ -5505,14 +4926,14 @@
             <a:spLocks noGrp="1"/>
           </p:cNvSpPr>
           <p:nvPr>
-            <p:ph type="sldNum" idx="3"/>
+            <p:ph type="sldNum" idx="2"/>
           </p:nvPr>
         </p:nvSpPr>
         <p:spPr/>
         <p:txBody>
           <a:bodyPr/>
           <a:p>
-            <a:fld id="{19EDE349-A878-4A5B-9784-20F80576F7D2}" type="slidenum">
+            <a:fld id="{65E2A9DB-4AD6-45B4-9A51-BAB559CA1CB8}" type="slidenum">
               <a:t>&lt;#&gt;</a:t>
             </a:fld>
           </a:p>
@@ -5525,7 +4946,7 @@
             <a:spLocks noGrp="1"/>
           </p:cNvSpPr>
           <p:nvPr>
-            <p:ph type="dt" idx="1"/>
+            <p:ph type="dt" idx="3"/>
           </p:nvPr>
         </p:nvSpPr>
         <p:spPr/>
@@ -5580,8 +5001,8 @@
         </p:nvSpPr>
         <p:spPr>
           <a:xfrm>
-            <a:off x="1523880" y="1122480"/>
-            <a:ext cx="9143640" cy="2387160"/>
+            <a:off x="838080" y="365040"/>
+            <a:ext cx="10514880" cy="1324800"/>
           </a:xfrm>
           <a:prstGeom prst="rect">
             <a:avLst/>
@@ -5592,30 +5013,18 @@
           </a:ln>
         </p:spPr>
         <p:txBody>
-          <a:bodyPr anchor="b">
+          <a:bodyPr lIns="0" rIns="0" tIns="0" bIns="0" anchor="ctr">
             <a:noAutofit/>
           </a:bodyPr>
           <a:p>
-            <a:pPr algn="ctr">
-              <a:lnSpc>
-                <a:spcPct val="90000"/>
-              </a:lnSpc>
-              <a:buNone/>
-            </a:pPr>
-            <a:r>
-              <a:rPr b="0" lang="en-US" sz="6000" spc="-1" strike="noStrike">
-                <a:solidFill>
-                  <a:srgbClr val="000000"/>
-                </a:solidFill>
-                <a:latin typeface="Calibri Light"/>
+            <a:r>
+              <a:rPr b="0" lang="en-US" sz="1800" spc="-1" strike="noStrike">
+                <a:latin typeface="Arial"/>
               </a:rPr>
-              <a:t>Click to edit Master title style</a:t>
-            </a:r>
-            <a:endParaRPr b="0" lang="es-ES" sz="6000" spc="-1" strike="noStrike">
-              <a:solidFill>
-                <a:srgbClr val="000000"/>
-              </a:solidFill>
-              <a:latin typeface="Calibri"/>
+              <a:t>Click to edit the title text format</a:t>
+            </a:r>
+            <a:endParaRPr b="0" lang="en-US" sz="1800" spc="-1" strike="noStrike">
+              <a:latin typeface="Arial"/>
             </a:endParaRPr>
           </a:p>
         </p:txBody>
@@ -5627,13 +5036,13 @@
             <a:spLocks noGrp="1"/>
           </p:cNvSpPr>
           <p:nvPr>
-            <p:ph type="dt" idx="1"/>
-          </p:nvPr>
-        </p:nvSpPr>
-        <p:spPr>
-          <a:xfrm>
-            <a:off x="838080" y="6356520"/>
-            <a:ext cx="2742840" cy="364680"/>
+            <p:ph type="ftr" idx="1"/>
+          </p:nvPr>
+        </p:nvSpPr>
+        <p:spPr>
+          <a:xfrm>
+            <a:off x="4038480" y="6356520"/>
+            <a:ext cx="4114080" cy="364320"/>
           </a:xfrm>
           <a:prstGeom prst="rect">
             <a:avLst/>
@@ -5644,74 +5053,14 @@
           </a:ln>
         </p:spPr>
         <p:txBody>
-          <a:bodyPr anchor="ctr">
-            <a:noAutofit/>
-          </a:bodyPr>
-          <a:lstStyle>
-            <a:lvl1pPr>
-              <a:lnSpc>
-                <a:spcPct val="100000"/>
-              </a:lnSpc>
-              <a:buNone/>
-              <a:defRPr b="0" lang="en-US" sz="1200" spc="-1" strike="noStrike">
-                <a:solidFill>
-                  <a:srgbClr val="8b8b8b"/>
-                </a:solidFill>
-                <a:latin typeface="Calibri"/>
-              </a:defRPr>
-            </a:lvl1pPr>
-          </a:lstStyle>
-          <a:p>
-            <a:pPr>
-              <a:lnSpc>
-                <a:spcPct val="100000"/>
-              </a:lnSpc>
-              <a:buNone/>
-            </a:pPr>
-            <a:r>
-              <a:rPr b="0" lang="en-US" sz="1200" spc="-1" strike="noStrike">
-                <a:solidFill>
-                  <a:srgbClr val="8b8b8b"/>
-                </a:solidFill>
-                <a:latin typeface="Calibri"/>
-              </a:rPr>
-              <a:t>&lt;date/time&gt;</a:t>
-            </a:r>
-            <a:endParaRPr b="0" lang="en-US" sz="1200" spc="-1" strike="noStrike">
-              <a:latin typeface="Times New Roman"/>
-            </a:endParaRPr>
-          </a:p>
-        </p:txBody>
-      </p:sp>
-      <p:sp>
-        <p:nvSpPr>
-          <p:cNvPr id="2" name="PlaceHolder 3"/>
-          <p:cNvSpPr>
-            <a:spLocks noGrp="1"/>
-          </p:cNvSpPr>
-          <p:nvPr>
-            <p:ph type="ftr" idx="2"/>
-          </p:nvPr>
-        </p:nvSpPr>
-        <p:spPr>
-          <a:xfrm>
-            <a:off x="4038480" y="6356520"/>
-            <a:ext cx="4114440" cy="364680"/>
-          </a:xfrm>
-          <a:prstGeom prst="rect">
-            <a:avLst/>
-          </a:prstGeom>
-          <a:noFill/>
-          <a:ln w="0">
-            <a:noFill/>
-          </a:ln>
-        </p:spPr>
-        <p:txBody>
-          <a:bodyPr anchor="ctr">
+          <a:bodyPr lIns="90000" rIns="90000" tIns="45000" bIns="45000" anchor="ctr">
             <a:noAutofit/>
           </a:bodyPr>
           <a:lstStyle>
             <a:lvl1pPr algn="ctr">
+              <a:lnSpc>
+                <a:spcPct val="100000"/>
+              </a:lnSpc>
               <a:buNone/>
               <a:defRPr b="0" lang="en-US" sz="1400" spc="-1" strike="noStrike">
                 <a:latin typeface="Times New Roman"/>
@@ -5720,6 +5069,9 @@
           </a:lstStyle>
           <a:p>
             <a:pPr algn="ctr">
+              <a:lnSpc>
+                <a:spcPct val="100000"/>
+              </a:lnSpc>
               <a:buNone/>
             </a:pPr>
             <a:r>
@@ -5736,18 +5088,18 @@
       </p:sp>
       <p:sp>
         <p:nvSpPr>
-          <p:cNvPr id="3" name="PlaceHolder 4"/>
-          <p:cNvSpPr>
-            <a:spLocks noGrp="1"/>
-          </p:cNvSpPr>
-          <p:nvPr>
-            <p:ph type="sldNum" idx="3"/>
+          <p:cNvPr id="2" name="PlaceHolder 3"/>
+          <p:cNvSpPr>
+            <a:spLocks noGrp="1"/>
+          </p:cNvSpPr>
+          <p:nvPr>
+            <p:ph type="sldNum" idx="2"/>
           </p:nvPr>
         </p:nvSpPr>
         <p:spPr>
           <a:xfrm>
             <a:off x="8610480" y="6356520"/>
-            <a:ext cx="2742840" cy="364680"/>
+            <a:ext cx="2742480" cy="364320"/>
           </a:xfrm>
           <a:prstGeom prst="rect">
             <a:avLst/>
@@ -5758,7 +5110,7 @@
           </a:ln>
         </p:spPr>
         <p:txBody>
-          <a:bodyPr anchor="ctr">
+          <a:bodyPr lIns="90000" rIns="90000" tIns="45000" bIns="45000" anchor="ctr">
             <a:noAutofit/>
           </a:bodyPr>
           <a:lstStyle>
@@ -5782,7 +5134,7 @@
               </a:lnSpc>
               <a:buNone/>
             </a:pPr>
-            <a:fld id="{A9DE6410-C077-4D7F-A7AC-3DCE6C5B05C1}" type="slidenum">
+            <a:fld id="{30A36A01-B0E5-4DB4-A751-192D1EB4B755}" type="slidenum">
               <a:rPr b="0" lang="en-US" sz="1200" spc="-1" strike="noStrike">
                 <a:solidFill>
                   <a:srgbClr val="8b8b8b"/>
@@ -5799,6 +5151,53 @@
       </p:sp>
       <p:sp>
         <p:nvSpPr>
+          <p:cNvPr id="3" name="PlaceHolder 4"/>
+          <p:cNvSpPr>
+            <a:spLocks noGrp="1"/>
+          </p:cNvSpPr>
+          <p:nvPr>
+            <p:ph type="dt" idx="3"/>
+          </p:nvPr>
+        </p:nvSpPr>
+        <p:spPr>
+          <a:xfrm>
+            <a:off x="838080" y="6356520"/>
+            <a:ext cx="2742480" cy="364320"/>
+          </a:xfrm>
+          <a:prstGeom prst="rect">
+            <a:avLst/>
+          </a:prstGeom>
+          <a:noFill/>
+          <a:ln w="0">
+            <a:noFill/>
+          </a:ln>
+        </p:spPr>
+        <p:txBody>
+          <a:bodyPr lIns="90000" rIns="90000" tIns="45000" bIns="45000" anchor="ctr">
+            <a:noAutofit/>
+          </a:bodyPr>
+          <a:lstStyle>
+            <a:lvl1pPr>
+              <a:defRPr b="0" lang="en-US" sz="1400" spc="-1" strike="noStrike">
+                <a:latin typeface="Times New Roman"/>
+              </a:defRPr>
+            </a:lvl1pPr>
+          </a:lstStyle>
+          <a:p>
+            <a:r>
+              <a:rPr b="0" lang="en-US" sz="1400" spc="-1" strike="noStrike">
+                <a:latin typeface="Times New Roman"/>
+              </a:rPr>
+              <a:t>&lt;date/time&gt;</a:t>
+            </a:r>
+            <a:endParaRPr b="0" lang="en-US" sz="1400" spc="-1" strike="noStrike">
+              <a:latin typeface="Times New Roman"/>
+            </a:endParaRPr>
+          </a:p>
+        </p:txBody>
+      </p:sp>
+      <p:sp>
+        <p:nvSpPr>
           <p:cNvPr id="4" name="PlaceHolder 5"/>
           <p:cNvSpPr>
             <a:spLocks noGrp="1"/>
@@ -5826,9 +5225,6 @@
           </a:bodyPr>
           <a:p>
             <a:pPr marL="432000" indent="-324000">
-              <a:lnSpc>
-                <a:spcPct val="90000"/>
-              </a:lnSpc>
               <a:spcBef>
                 <a:spcPts val="1417"/>
               </a:spcBef>
@@ -5840,26 +5236,17 @@
               <a:buChar char=""/>
             </a:pPr>
             <a:r>
-              <a:rPr b="0" lang="es-ES" sz="2800" spc="-1" strike="noStrike">
-                <a:solidFill>
-                  <a:srgbClr val="000000"/>
-                </a:solidFill>
-                <a:latin typeface="Calibri"/>
+              <a:rPr b="0" lang="en-US" sz="3200" spc="-1" strike="noStrike">
+                <a:latin typeface="Arial"/>
               </a:rPr>
               <a:t>Click to edit the outline text format</a:t>
             </a:r>
-            <a:endParaRPr b="0" lang="es-ES" sz="2800" spc="-1" strike="noStrike">
-              <a:solidFill>
-                <a:srgbClr val="000000"/>
-              </a:solidFill>
-              <a:latin typeface="Calibri"/>
+            <a:endParaRPr b="0" lang="en-US" sz="3200" spc="-1" strike="noStrike">
+              <a:latin typeface="Arial"/>
             </a:endParaRPr>
           </a:p>
           <a:p>
             <a:pPr lvl="1" marL="864000" indent="-324000">
-              <a:lnSpc>
-                <a:spcPct val="90000"/>
-              </a:lnSpc>
               <a:spcBef>
                 <a:spcPts val="1134"/>
               </a:spcBef>
@@ -5871,26 +5258,17 @@
               <a:buChar char=""/>
             </a:pPr>
             <a:r>
-              <a:rPr b="0" lang="es-ES" sz="2000" spc="-1" strike="noStrike">
-                <a:solidFill>
-                  <a:srgbClr val="000000"/>
-                </a:solidFill>
-                <a:latin typeface="Calibri"/>
+              <a:rPr b="0" lang="en-US" sz="2800" spc="-1" strike="noStrike">
+                <a:latin typeface="Arial"/>
               </a:rPr>
               <a:t>Second Outline Level</a:t>
             </a:r>
-            <a:endParaRPr b="0" lang="es-ES" sz="2000" spc="-1" strike="noStrike">
-              <a:solidFill>
-                <a:srgbClr val="000000"/>
-              </a:solidFill>
-              <a:latin typeface="Calibri"/>
+            <a:endParaRPr b="0" lang="en-US" sz="2800" spc="-1" strike="noStrike">
+              <a:latin typeface="Arial"/>
             </a:endParaRPr>
           </a:p>
           <a:p>
             <a:pPr lvl="2" marL="1296000" indent="-288000">
-              <a:lnSpc>
-                <a:spcPct val="90000"/>
-              </a:lnSpc>
               <a:spcBef>
                 <a:spcPts val="850"/>
               </a:spcBef>
@@ -5902,26 +5280,17 @@
               <a:buChar char=""/>
             </a:pPr>
             <a:r>
-              <a:rPr b="0" lang="es-ES" sz="1800" spc="-1" strike="noStrike">
-                <a:solidFill>
-                  <a:srgbClr val="000000"/>
-                </a:solidFill>
-                <a:latin typeface="Calibri"/>
+              <a:rPr b="0" lang="en-US" sz="2400" spc="-1" strike="noStrike">
+                <a:latin typeface="Arial"/>
               </a:rPr>
               <a:t>Third Outline Level</a:t>
             </a:r>
-            <a:endParaRPr b="0" lang="es-ES" sz="1800" spc="-1" strike="noStrike">
-              <a:solidFill>
-                <a:srgbClr val="000000"/>
-              </a:solidFill>
-              <a:latin typeface="Calibri"/>
+            <a:endParaRPr b="0" lang="en-US" sz="2400" spc="-1" strike="noStrike">
+              <a:latin typeface="Arial"/>
             </a:endParaRPr>
           </a:p>
           <a:p>
             <a:pPr lvl="3" marL="1728000" indent="-216000">
-              <a:lnSpc>
-                <a:spcPct val="90000"/>
-              </a:lnSpc>
               <a:spcBef>
                 <a:spcPts val="567"/>
               </a:spcBef>
@@ -5933,26 +5302,17 @@
               <a:buChar char=""/>
             </a:pPr>
             <a:r>
-              <a:rPr b="0" lang="es-ES" sz="1800" spc="-1" strike="noStrike">
-                <a:solidFill>
-                  <a:srgbClr val="000000"/>
-                </a:solidFill>
-                <a:latin typeface="Calibri"/>
+              <a:rPr b="0" lang="en-US" sz="2000" spc="-1" strike="noStrike">
+                <a:latin typeface="Arial"/>
               </a:rPr>
               <a:t>Fourth Outline Level</a:t>
             </a:r>
-            <a:endParaRPr b="0" lang="es-ES" sz="1800" spc="-1" strike="noStrike">
-              <a:solidFill>
-                <a:srgbClr val="000000"/>
-              </a:solidFill>
-              <a:latin typeface="Calibri"/>
+            <a:endParaRPr b="0" lang="en-US" sz="2000" spc="-1" strike="noStrike">
+              <a:latin typeface="Arial"/>
             </a:endParaRPr>
           </a:p>
           <a:p>
             <a:pPr lvl="4" marL="2160000" indent="-216000">
-              <a:lnSpc>
-                <a:spcPct val="90000"/>
-              </a:lnSpc>
               <a:spcBef>
                 <a:spcPts val="283"/>
               </a:spcBef>
@@ -5964,26 +5324,17 @@
               <a:buChar char=""/>
             </a:pPr>
             <a:r>
-              <a:rPr b="0" lang="es-ES" sz="2000" spc="-1" strike="noStrike">
-                <a:solidFill>
-                  <a:srgbClr val="000000"/>
-                </a:solidFill>
-                <a:latin typeface="Calibri"/>
+              <a:rPr b="0" lang="en-US" sz="2000" spc="-1" strike="noStrike">
+                <a:latin typeface="Arial"/>
               </a:rPr>
               <a:t>Fifth Outline Level</a:t>
             </a:r>
-            <a:endParaRPr b="0" lang="es-ES" sz="2000" spc="-1" strike="noStrike">
-              <a:solidFill>
-                <a:srgbClr val="000000"/>
-              </a:solidFill>
-              <a:latin typeface="Calibri"/>
+            <a:endParaRPr b="0" lang="en-US" sz="2000" spc="-1" strike="noStrike">
+              <a:latin typeface="Arial"/>
             </a:endParaRPr>
           </a:p>
           <a:p>
             <a:pPr lvl="5" marL="2592000" indent="-216000">
-              <a:lnSpc>
-                <a:spcPct val="90000"/>
-              </a:lnSpc>
               <a:spcBef>
                 <a:spcPts val="283"/>
               </a:spcBef>
@@ -5995,26 +5346,17 @@
               <a:buChar char=""/>
             </a:pPr>
             <a:r>
-              <a:rPr b="0" lang="es-ES" sz="2000" spc="-1" strike="noStrike">
-                <a:solidFill>
-                  <a:srgbClr val="000000"/>
-                </a:solidFill>
-                <a:latin typeface="Calibri"/>
+              <a:rPr b="0" lang="en-US" sz="2000" spc="-1" strike="noStrike">
+                <a:latin typeface="Arial"/>
               </a:rPr>
               <a:t>Sixth Outline Level</a:t>
             </a:r>
-            <a:endParaRPr b="0" lang="es-ES" sz="2000" spc="-1" strike="noStrike">
-              <a:solidFill>
-                <a:srgbClr val="000000"/>
-              </a:solidFill>
-              <a:latin typeface="Calibri"/>
+            <a:endParaRPr b="0" lang="en-US" sz="2000" spc="-1" strike="noStrike">
+              <a:latin typeface="Arial"/>
             </a:endParaRPr>
           </a:p>
           <a:p>
             <a:pPr lvl="6" marL="3024000" indent="-216000">
-              <a:lnSpc>
-                <a:spcPct val="90000"/>
-              </a:lnSpc>
               <a:spcBef>
                 <a:spcPts val="283"/>
               </a:spcBef>
@@ -6026,19 +5368,13 @@
               <a:buChar char=""/>
             </a:pPr>
             <a:r>
-              <a:rPr b="0" lang="es-ES" sz="2000" spc="-1" strike="noStrike">
-                <a:solidFill>
-                  <a:srgbClr val="000000"/>
-                </a:solidFill>
-                <a:latin typeface="Calibri"/>
+              <a:rPr b="0" lang="en-US" sz="2000" spc="-1" strike="noStrike">
+                <a:latin typeface="Arial"/>
               </a:rPr>
               <a:t>Seventh Outline Level</a:t>
             </a:r>
-            <a:endParaRPr b="0" lang="es-ES" sz="2000" spc="-1" strike="noStrike">
-              <a:solidFill>
-                <a:srgbClr val="000000"/>
-              </a:solidFill>
-              <a:latin typeface="Calibri"/>
+            <a:endParaRPr b="0" lang="en-US" sz="2000" spc="-1" strike="noStrike">
+              <a:latin typeface="Arial"/>
             </a:endParaRPr>
           </a:p>
         </p:txBody>
@@ -6094,13 +5430,13 @@
             <a:spLocks noGrp="1"/>
           </p:cNvSpPr>
           <p:nvPr>
-            <p:ph type="title"/>
-          </p:nvPr>
-        </p:nvSpPr>
-        <p:spPr>
-          <a:xfrm>
-            <a:off x="838080" y="365040"/>
-            <a:ext cx="10515240" cy="1325160"/>
+            <p:ph type="ftr" idx="4"/>
+          </p:nvPr>
+        </p:nvSpPr>
+        <p:spPr>
+          <a:xfrm>
+            <a:off x="4038480" y="6356520"/>
+            <a:ext cx="4114080" cy="364320"/>
           </a:xfrm>
           <a:prstGeom prst="rect">
             <a:avLst/>
@@ -6111,305 +5447,14 @@
           </a:ln>
         </p:spPr>
         <p:txBody>
-          <a:bodyPr anchor="ctr">
-            <a:noAutofit/>
-          </a:bodyPr>
-          <a:p>
-            <a:pPr>
-              <a:lnSpc>
-                <a:spcPct val="90000"/>
-              </a:lnSpc>
-              <a:buNone/>
-            </a:pPr>
-            <a:r>
-              <a:rPr b="0" lang="en-US" sz="4400" spc="-1" strike="noStrike">
-                <a:solidFill>
-                  <a:srgbClr val="000000"/>
-                </a:solidFill>
-                <a:latin typeface="Calibri Light"/>
-              </a:rPr>
-              <a:t>Click to edit Master title style</a:t>
-            </a:r>
-            <a:endParaRPr b="0" lang="es-ES" sz="4400" spc="-1" strike="noStrike">
-              <a:solidFill>
-                <a:srgbClr val="000000"/>
-              </a:solidFill>
-              <a:latin typeface="Calibri"/>
-            </a:endParaRPr>
-          </a:p>
-        </p:txBody>
-      </p:sp>
-      <p:sp>
-        <p:nvSpPr>
-          <p:cNvPr id="42" name="PlaceHolder 2"/>
-          <p:cNvSpPr>
-            <a:spLocks noGrp="1"/>
-          </p:cNvSpPr>
-          <p:nvPr>
-            <p:ph type="body"/>
-          </p:nvPr>
-        </p:nvSpPr>
-        <p:spPr>
-          <a:xfrm>
-            <a:off x="838080" y="1825560"/>
-            <a:ext cx="10515240" cy="4350960"/>
-          </a:xfrm>
-          <a:prstGeom prst="rect">
-            <a:avLst/>
-          </a:prstGeom>
-          <a:noFill/>
-          <a:ln w="0">
-            <a:noFill/>
-          </a:ln>
-        </p:spPr>
-        <p:txBody>
-          <a:bodyPr anchor="t">
-            <a:noAutofit/>
-          </a:bodyPr>
-          <a:p>
-            <a:pPr marL="228600" indent="-228600">
-              <a:lnSpc>
-                <a:spcPct val="90000"/>
-              </a:lnSpc>
-              <a:spcBef>
-                <a:spcPts val="1001"/>
-              </a:spcBef>
-              <a:buClr>
-                <a:srgbClr val="000000"/>
-              </a:buClr>
-              <a:buFont typeface="Arial"/>
-              <a:buChar char="•"/>
-            </a:pPr>
-            <a:r>
-              <a:rPr b="0" lang="en-US" sz="2800" spc="-1" strike="noStrike">
-                <a:solidFill>
-                  <a:srgbClr val="000000"/>
-                </a:solidFill>
-                <a:latin typeface="Calibri"/>
-              </a:rPr>
-              <a:t>Click to edit Master text styles</a:t>
-            </a:r>
-            <a:endParaRPr b="0" lang="es-ES" sz="2800" spc="-1" strike="noStrike">
-              <a:solidFill>
-                <a:srgbClr val="000000"/>
-              </a:solidFill>
-              <a:latin typeface="Calibri"/>
-            </a:endParaRPr>
-          </a:p>
-          <a:p>
-            <a:pPr lvl="1" marL="685800" indent="-228600">
-              <a:lnSpc>
-                <a:spcPct val="90000"/>
-              </a:lnSpc>
-              <a:spcBef>
-                <a:spcPts val="499"/>
-              </a:spcBef>
-              <a:buClr>
-                <a:srgbClr val="000000"/>
-              </a:buClr>
-              <a:buFont typeface="Arial"/>
-              <a:buChar char="•"/>
-            </a:pPr>
-            <a:r>
-              <a:rPr b="0" lang="en-US" sz="2400" spc="-1" strike="noStrike">
-                <a:solidFill>
-                  <a:srgbClr val="000000"/>
-                </a:solidFill>
-                <a:latin typeface="Calibri"/>
-              </a:rPr>
-              <a:t>Second level</a:t>
-            </a:r>
-            <a:endParaRPr b="0" lang="es-ES" sz="2400" spc="-1" strike="noStrike">
-              <a:solidFill>
-                <a:srgbClr val="000000"/>
-              </a:solidFill>
-              <a:latin typeface="Calibri"/>
-            </a:endParaRPr>
-          </a:p>
-          <a:p>
-            <a:pPr lvl="2" marL="1143000" indent="-228600">
-              <a:lnSpc>
-                <a:spcPct val="90000"/>
-              </a:lnSpc>
-              <a:spcBef>
-                <a:spcPts val="499"/>
-              </a:spcBef>
-              <a:buClr>
-                <a:srgbClr val="000000"/>
-              </a:buClr>
-              <a:buFont typeface="Arial"/>
-              <a:buChar char="•"/>
-            </a:pPr>
-            <a:r>
-              <a:rPr b="0" lang="en-US" sz="2000" spc="-1" strike="noStrike">
-                <a:solidFill>
-                  <a:srgbClr val="000000"/>
-                </a:solidFill>
-                <a:latin typeface="Calibri"/>
-              </a:rPr>
-              <a:t>Third level</a:t>
-            </a:r>
-            <a:endParaRPr b="0" lang="es-ES" sz="2000" spc="-1" strike="noStrike">
-              <a:solidFill>
-                <a:srgbClr val="000000"/>
-              </a:solidFill>
-              <a:latin typeface="Calibri"/>
-            </a:endParaRPr>
-          </a:p>
-          <a:p>
-            <a:pPr lvl="3" marL="1600200" indent="-228600">
-              <a:lnSpc>
-                <a:spcPct val="90000"/>
-              </a:lnSpc>
-              <a:spcBef>
-                <a:spcPts val="499"/>
-              </a:spcBef>
-              <a:buClr>
-                <a:srgbClr val="000000"/>
-              </a:buClr>
-              <a:buFont typeface="Arial"/>
-              <a:buChar char="•"/>
-            </a:pPr>
-            <a:r>
-              <a:rPr b="0" lang="en-US" sz="1800" spc="-1" strike="noStrike">
-                <a:solidFill>
-                  <a:srgbClr val="000000"/>
-                </a:solidFill>
-                <a:latin typeface="Calibri"/>
-              </a:rPr>
-              <a:t>Fourth level</a:t>
-            </a:r>
-            <a:endParaRPr b="0" lang="es-ES" sz="1800" spc="-1" strike="noStrike">
-              <a:solidFill>
-                <a:srgbClr val="000000"/>
-              </a:solidFill>
-              <a:latin typeface="Calibri"/>
-            </a:endParaRPr>
-          </a:p>
-          <a:p>
-            <a:pPr lvl="4" marL="2057400" indent="-228600">
-              <a:lnSpc>
-                <a:spcPct val="90000"/>
-              </a:lnSpc>
-              <a:spcBef>
-                <a:spcPts val="499"/>
-              </a:spcBef>
-              <a:buClr>
-                <a:srgbClr val="000000"/>
-              </a:buClr>
-              <a:buFont typeface="Arial"/>
-              <a:buChar char="•"/>
-            </a:pPr>
-            <a:r>
-              <a:rPr b="0" lang="en-US" sz="1800" spc="-1" strike="noStrike">
-                <a:solidFill>
-                  <a:srgbClr val="000000"/>
-                </a:solidFill>
-                <a:latin typeface="Calibri"/>
-              </a:rPr>
-              <a:t>Fifth level</a:t>
-            </a:r>
-            <a:endParaRPr b="0" lang="es-ES" sz="1800" spc="-1" strike="noStrike">
-              <a:solidFill>
-                <a:srgbClr val="000000"/>
-              </a:solidFill>
-              <a:latin typeface="Calibri"/>
-            </a:endParaRPr>
-          </a:p>
-        </p:txBody>
-      </p:sp>
-      <p:sp>
-        <p:nvSpPr>
-          <p:cNvPr id="43" name="PlaceHolder 3"/>
-          <p:cNvSpPr>
-            <a:spLocks noGrp="1"/>
-          </p:cNvSpPr>
-          <p:nvPr>
-            <p:ph type="dt" idx="4"/>
-          </p:nvPr>
-        </p:nvSpPr>
-        <p:spPr>
-          <a:xfrm>
-            <a:off x="838080" y="6356520"/>
-            <a:ext cx="2742840" cy="364680"/>
-          </a:xfrm>
-          <a:prstGeom prst="rect">
-            <a:avLst/>
-          </a:prstGeom>
-          <a:noFill/>
-          <a:ln w="0">
-            <a:noFill/>
-          </a:ln>
-        </p:spPr>
-        <p:txBody>
-          <a:bodyPr anchor="ctr">
-            <a:noAutofit/>
-          </a:bodyPr>
-          <a:lstStyle>
-            <a:lvl1pPr>
-              <a:lnSpc>
-                <a:spcPct val="100000"/>
-              </a:lnSpc>
-              <a:buNone/>
-              <a:defRPr b="0" lang="en-US" sz="1200" spc="-1" strike="noStrike">
-                <a:solidFill>
-                  <a:srgbClr val="8b8b8b"/>
-                </a:solidFill>
-                <a:latin typeface="Calibri"/>
-              </a:defRPr>
-            </a:lvl1pPr>
-          </a:lstStyle>
-          <a:p>
-            <a:pPr>
-              <a:lnSpc>
-                <a:spcPct val="100000"/>
-              </a:lnSpc>
-              <a:buNone/>
-            </a:pPr>
-            <a:r>
-              <a:rPr b="0" lang="en-US" sz="1200" spc="-1" strike="noStrike">
-                <a:solidFill>
-                  <a:srgbClr val="8b8b8b"/>
-                </a:solidFill>
-                <a:latin typeface="Calibri"/>
-              </a:rPr>
-              <a:t>&lt;date/time&gt;</a:t>
-            </a:r>
-            <a:endParaRPr b="0" lang="en-US" sz="1200" spc="-1" strike="noStrike">
-              <a:latin typeface="Times New Roman"/>
-            </a:endParaRPr>
-          </a:p>
-        </p:txBody>
-      </p:sp>
-      <p:sp>
-        <p:nvSpPr>
-          <p:cNvPr id="44" name="PlaceHolder 4"/>
-          <p:cNvSpPr>
-            <a:spLocks noGrp="1"/>
-          </p:cNvSpPr>
-          <p:nvPr>
-            <p:ph type="ftr" idx="5"/>
-          </p:nvPr>
-        </p:nvSpPr>
-        <p:spPr>
-          <a:xfrm>
-            <a:off x="4038480" y="6356520"/>
-            <a:ext cx="4114440" cy="364680"/>
-          </a:xfrm>
-          <a:prstGeom prst="rect">
-            <a:avLst/>
-          </a:prstGeom>
-          <a:noFill/>
-          <a:ln w="0">
-            <a:noFill/>
-          </a:ln>
-        </p:spPr>
-        <p:txBody>
-          <a:bodyPr anchor="ctr">
+          <a:bodyPr lIns="90000" rIns="90000" tIns="45000" bIns="45000" anchor="ctr">
             <a:noAutofit/>
           </a:bodyPr>
           <a:lstStyle>
             <a:lvl1pPr algn="ctr">
+              <a:lnSpc>
+                <a:spcPct val="100000"/>
+              </a:lnSpc>
               <a:buNone/>
               <a:defRPr b="0" lang="en-US" sz="1400" spc="-1" strike="noStrike">
                 <a:latin typeface="Times New Roman"/>
@@ -6418,6 +5463,9 @@
           </a:lstStyle>
           <a:p>
             <a:pPr algn="ctr">
+              <a:lnSpc>
+                <a:spcPct val="100000"/>
+              </a:lnSpc>
               <a:buNone/>
             </a:pPr>
             <a:r>
@@ -6434,18 +5482,18 @@
       </p:sp>
       <p:sp>
         <p:nvSpPr>
-          <p:cNvPr id="45" name="PlaceHolder 5"/>
-          <p:cNvSpPr>
-            <a:spLocks noGrp="1"/>
-          </p:cNvSpPr>
-          <p:nvPr>
-            <p:ph type="sldNum" idx="6"/>
+          <p:cNvPr id="42" name="PlaceHolder 2"/>
+          <p:cNvSpPr>
+            <a:spLocks noGrp="1"/>
+          </p:cNvSpPr>
+          <p:nvPr>
+            <p:ph type="sldNum" idx="5"/>
           </p:nvPr>
         </p:nvSpPr>
         <p:spPr>
           <a:xfrm>
             <a:off x="8610480" y="6356520"/>
-            <a:ext cx="2742840" cy="364680"/>
+            <a:ext cx="2742480" cy="364320"/>
           </a:xfrm>
           <a:prstGeom prst="rect">
             <a:avLst/>
@@ -6456,7 +5504,7 @@
           </a:ln>
         </p:spPr>
         <p:txBody>
-          <a:bodyPr anchor="ctr">
+          <a:bodyPr lIns="90000" rIns="90000" tIns="45000" bIns="45000" anchor="ctr">
             <a:noAutofit/>
           </a:bodyPr>
           <a:lstStyle>
@@ -6480,7 +5528,7 @@
               </a:lnSpc>
               <a:buNone/>
             </a:pPr>
-            <a:fld id="{4EF1F2DD-76B7-4DF5-A97B-769926C688A8}" type="slidenum">
+            <a:fld id="{B37518ED-3203-42A2-A797-FAC396949AA9}" type="slidenum">
               <a:rPr b="0" lang="en-US" sz="1200" spc="-1" strike="noStrike">
                 <a:solidFill>
                   <a:srgbClr val="8b8b8b"/>
@@ -6491,6 +5539,279 @@
             </a:fld>
             <a:endParaRPr b="0" lang="en-US" sz="1200" spc="-1" strike="noStrike">
               <a:latin typeface="Times New Roman"/>
+            </a:endParaRPr>
+          </a:p>
+        </p:txBody>
+      </p:sp>
+      <p:sp>
+        <p:nvSpPr>
+          <p:cNvPr id="43" name="PlaceHolder 3"/>
+          <p:cNvSpPr>
+            <a:spLocks noGrp="1"/>
+          </p:cNvSpPr>
+          <p:nvPr>
+            <p:ph type="dt" idx="6"/>
+          </p:nvPr>
+        </p:nvSpPr>
+        <p:spPr>
+          <a:xfrm>
+            <a:off x="838080" y="6356520"/>
+            <a:ext cx="2742480" cy="364320"/>
+          </a:xfrm>
+          <a:prstGeom prst="rect">
+            <a:avLst/>
+          </a:prstGeom>
+          <a:noFill/>
+          <a:ln w="0">
+            <a:noFill/>
+          </a:ln>
+        </p:spPr>
+        <p:txBody>
+          <a:bodyPr lIns="90000" rIns="90000" tIns="45000" bIns="45000" anchor="ctr">
+            <a:noAutofit/>
+          </a:bodyPr>
+          <a:lstStyle>
+            <a:lvl1pPr>
+              <a:defRPr b="0" lang="en-US" sz="1400" spc="-1" strike="noStrike">
+                <a:latin typeface="Times New Roman"/>
+              </a:defRPr>
+            </a:lvl1pPr>
+          </a:lstStyle>
+          <a:p>
+            <a:r>
+              <a:rPr b="0" lang="en-US" sz="1400" spc="-1" strike="noStrike">
+                <a:latin typeface="Times New Roman"/>
+              </a:rPr>
+              <a:t>&lt;date/time&gt;</a:t>
+            </a:r>
+            <a:endParaRPr b="0" lang="en-US" sz="1400" spc="-1" strike="noStrike">
+              <a:latin typeface="Times New Roman"/>
+            </a:endParaRPr>
+          </a:p>
+        </p:txBody>
+      </p:sp>
+      <p:sp>
+        <p:nvSpPr>
+          <p:cNvPr id="44" name="PlaceHolder 4"/>
+          <p:cNvSpPr>
+            <a:spLocks noGrp="1"/>
+          </p:cNvSpPr>
+          <p:nvPr>
+            <p:ph type="title"/>
+          </p:nvPr>
+        </p:nvSpPr>
+        <p:spPr>
+          <a:xfrm>
+            <a:off x="609480" y="273600"/>
+            <a:ext cx="10972440" cy="1144800"/>
+          </a:xfrm>
+          <a:prstGeom prst="rect">
+            <a:avLst/>
+          </a:prstGeom>
+          <a:noFill/>
+          <a:ln w="0">
+            <a:noFill/>
+          </a:ln>
+        </p:spPr>
+        <p:txBody>
+          <a:bodyPr lIns="0" rIns="0" tIns="0" bIns="0" anchor="ctr">
+            <a:noAutofit/>
+          </a:bodyPr>
+          <a:p>
+            <a:pPr algn="ctr">
+              <a:buNone/>
+            </a:pPr>
+            <a:r>
+              <a:rPr b="0" lang="en-US" sz="4400" spc="-1" strike="noStrike">
+                <a:latin typeface="Arial"/>
+              </a:rPr>
+              <a:t>Click to edit the title text format</a:t>
+            </a:r>
+            <a:endParaRPr b="0" lang="en-US" sz="4400" spc="-1" strike="noStrike">
+              <a:latin typeface="Arial"/>
+            </a:endParaRPr>
+          </a:p>
+        </p:txBody>
+      </p:sp>
+      <p:sp>
+        <p:nvSpPr>
+          <p:cNvPr id="45" name="PlaceHolder 5"/>
+          <p:cNvSpPr>
+            <a:spLocks noGrp="1"/>
+          </p:cNvSpPr>
+          <p:nvPr>
+            <p:ph type="body"/>
+          </p:nvPr>
+        </p:nvSpPr>
+        <p:spPr>
+          <a:xfrm>
+            <a:off x="609480" y="1604520"/>
+            <a:ext cx="10972440" cy="3977280"/>
+          </a:xfrm>
+          <a:prstGeom prst="rect">
+            <a:avLst/>
+          </a:prstGeom>
+          <a:noFill/>
+          <a:ln w="0">
+            <a:noFill/>
+          </a:ln>
+        </p:spPr>
+        <p:txBody>
+          <a:bodyPr lIns="0" rIns="0" tIns="0" bIns="0" anchor="t">
+            <a:normAutofit/>
+          </a:bodyPr>
+          <a:p>
+            <a:pPr marL="432000" indent="-324000">
+              <a:spcBef>
+                <a:spcPts val="1417"/>
+              </a:spcBef>
+              <a:buClr>
+                <a:srgbClr val="000000"/>
+              </a:buClr>
+              <a:buSzPct val="45000"/>
+              <a:buFont typeface="Wingdings" charset="2"/>
+              <a:buChar char=""/>
+            </a:pPr>
+            <a:r>
+              <a:rPr b="0" lang="en-US" sz="3200" spc="-1" strike="noStrike">
+                <a:latin typeface="Arial"/>
+              </a:rPr>
+              <a:t>Click to edit the outline text format</a:t>
+            </a:r>
+            <a:endParaRPr b="0" lang="en-US" sz="3200" spc="-1" strike="noStrike">
+              <a:latin typeface="Arial"/>
+            </a:endParaRPr>
+          </a:p>
+          <a:p>
+            <a:pPr lvl="1" marL="864000" indent="-324000">
+              <a:spcBef>
+                <a:spcPts val="1134"/>
+              </a:spcBef>
+              <a:buClr>
+                <a:srgbClr val="000000"/>
+              </a:buClr>
+              <a:buSzPct val="75000"/>
+              <a:buFont typeface="Symbol" charset="2"/>
+              <a:buChar char=""/>
+            </a:pPr>
+            <a:r>
+              <a:rPr b="0" lang="en-US" sz="2800" spc="-1" strike="noStrike">
+                <a:latin typeface="Arial"/>
+              </a:rPr>
+              <a:t>Second Outline Level</a:t>
+            </a:r>
+            <a:endParaRPr b="0" lang="en-US" sz="2800" spc="-1" strike="noStrike">
+              <a:latin typeface="Arial"/>
+            </a:endParaRPr>
+          </a:p>
+          <a:p>
+            <a:pPr lvl="2" marL="1296000" indent="-288000">
+              <a:spcBef>
+                <a:spcPts val="850"/>
+              </a:spcBef>
+              <a:buClr>
+                <a:srgbClr val="000000"/>
+              </a:buClr>
+              <a:buSzPct val="45000"/>
+              <a:buFont typeface="Wingdings" charset="2"/>
+              <a:buChar char=""/>
+            </a:pPr>
+            <a:r>
+              <a:rPr b="0" lang="en-US" sz="2400" spc="-1" strike="noStrike">
+                <a:latin typeface="Arial"/>
+              </a:rPr>
+              <a:t>Third Outline Level</a:t>
+            </a:r>
+            <a:endParaRPr b="0" lang="en-US" sz="2400" spc="-1" strike="noStrike">
+              <a:latin typeface="Arial"/>
+            </a:endParaRPr>
+          </a:p>
+          <a:p>
+            <a:pPr lvl="3" marL="1728000" indent="-216000">
+              <a:spcBef>
+                <a:spcPts val="567"/>
+              </a:spcBef>
+              <a:buClr>
+                <a:srgbClr val="000000"/>
+              </a:buClr>
+              <a:buSzPct val="75000"/>
+              <a:buFont typeface="Symbol" charset="2"/>
+              <a:buChar char=""/>
+            </a:pPr>
+            <a:r>
+              <a:rPr b="0" lang="en-US" sz="2000" spc="-1" strike="noStrike">
+                <a:latin typeface="Arial"/>
+              </a:rPr>
+              <a:t>Fourth Outline Level</a:t>
+            </a:r>
+            <a:endParaRPr b="0" lang="en-US" sz="2000" spc="-1" strike="noStrike">
+              <a:latin typeface="Arial"/>
+            </a:endParaRPr>
+          </a:p>
+          <a:p>
+            <a:pPr lvl="4" marL="2160000" indent="-216000">
+              <a:spcBef>
+                <a:spcPts val="283"/>
+              </a:spcBef>
+              <a:buClr>
+                <a:srgbClr val="000000"/>
+              </a:buClr>
+              <a:buSzPct val="45000"/>
+              <a:buFont typeface="Wingdings" charset="2"/>
+              <a:buChar char=""/>
+            </a:pPr>
+            <a:r>
+              <a:rPr b="0" lang="en-US" sz="2000" spc="-1" strike="noStrike">
+                <a:latin typeface="Arial"/>
+              </a:rPr>
+              <a:t>Fifth Outline Level</a:t>
+            </a:r>
+            <a:endParaRPr b="0" lang="en-US" sz="2000" spc="-1" strike="noStrike">
+              <a:latin typeface="Arial"/>
+            </a:endParaRPr>
+          </a:p>
+          <a:p>
+            <a:pPr lvl="5" marL="2592000" indent="-216000">
+              <a:spcBef>
+                <a:spcPts val="283"/>
+              </a:spcBef>
+              <a:buClr>
+                <a:srgbClr val="000000"/>
+              </a:buClr>
+              <a:buSzPct val="45000"/>
+              <a:buFont typeface="Wingdings" charset="2"/>
+              <a:buChar char=""/>
+            </a:pPr>
+            <a:r>
+              <a:rPr b="0" lang="en-US" sz="2000" spc="-1" strike="noStrike">
+                <a:latin typeface="Arial"/>
+              </a:rPr>
+              <a:t>Sixth Outline Level</a:t>
+            </a:r>
+            <a:endParaRPr b="0" lang="en-US" sz="2000" spc="-1" strike="noStrike">
+              <a:latin typeface="Arial"/>
+            </a:endParaRPr>
+          </a:p>
+          <a:p>
+            <a:pPr lvl="6" marL="3024000" indent="-216000">
+              <a:spcBef>
+                <a:spcPts val="283"/>
+              </a:spcBef>
+              <a:buClr>
+                <a:srgbClr val="000000"/>
+              </a:buClr>
+              <a:buSzPct val="45000"/>
+              <a:buFont typeface="Wingdings" charset="2"/>
+              <a:buChar char=""/>
+            </a:pPr>
+            <a:r>
+              <a:rPr b="0" lang="en-US" sz="2000" spc="-1" strike="noStrike">
+                <a:latin typeface="Arial"/>
+              </a:rPr>
+              <a:t>Seventh Outline Level</a:t>
+            </a:r>
+            <a:endParaRPr b="0" lang="en-US" sz="2000" spc="-1" strike="noStrike">
+              <a:latin typeface="Arial"/>
             </a:endParaRPr>
           </a:p>
         </p:txBody>
@@ -6547,8 +5868,8 @@
         </p:nvSpPr>
         <p:spPr>
           <a:xfrm flipV="1">
-            <a:off x="0" y="-3240"/>
-            <a:ext cx="12191760" cy="6860880"/>
+            <a:off x="0" y="-3960"/>
+            <a:ext cx="12191400" cy="6860520"/>
           </a:xfrm>
           <a:prstGeom prst="rect">
             <a:avLst/>
@@ -6583,8 +5904,8 @@
         </p:nvSpPr>
         <p:spPr>
           <a:xfrm flipV="1">
-            <a:off x="1247040" y="-360"/>
-            <a:ext cx="9468360" cy="6858000"/>
+            <a:off x="1247040" y="-1080"/>
+            <a:ext cx="9468000" cy="6857640"/>
           </a:xfrm>
           <a:custGeom>
             <a:avLst/>
@@ -6655,8 +5976,8 @@
         </p:nvSpPr>
         <p:spPr>
           <a:xfrm flipV="1">
-            <a:off x="0" y="-360"/>
-            <a:ext cx="9324720" cy="6858000"/>
+            <a:off x="0" y="-1080"/>
+            <a:ext cx="9324360" cy="6857640"/>
           </a:xfrm>
           <a:custGeom>
             <a:avLst/>
@@ -6737,7 +6058,7 @@
         <p:spPr>
           <a:xfrm>
             <a:off x="804600" y="962280"/>
-            <a:ext cx="6437520" cy="2611440"/>
+            <a:ext cx="6437160" cy="2611080"/>
           </a:xfrm>
           <a:prstGeom prst="rect">
             <a:avLst/>
@@ -6748,7 +6069,7 @@
           </a:ln>
         </p:spPr>
         <p:txBody>
-          <a:bodyPr anchor="b">
+          <a:bodyPr lIns="0" rIns="0" tIns="0" bIns="0" anchor="b">
             <a:normAutofit/>
           </a:bodyPr>
           <a:p>
@@ -6761,17 +6082,17 @@
             <a:r>
               <a:rPr b="0" lang="es-ES" sz="5400" spc="-1" strike="noStrike">
                 <a:solidFill>
-                  <a:srgbClr val="ffffff"/>
+                  <a:srgbClr val="000000"/>
                 </a:solidFill>
                 <a:latin typeface="Calibri Light"/>
               </a:rPr>
               <a:t>"Skill Issue"</a:t>
             </a:r>
-            <a:endParaRPr b="0" lang="es-ES" sz="5400" spc="-1" strike="noStrike">
+            <a:endParaRPr b="0" lang="en-US" sz="5400" spc="-1" strike="noStrike">
               <a:solidFill>
                 <a:srgbClr val="000000"/>
               </a:solidFill>
-              <a:latin typeface="Calibri"/>
+              <a:latin typeface="Arial"/>
             </a:endParaRPr>
           </a:p>
         </p:txBody>
@@ -6789,7 +6110,7 @@
         <p:spPr>
           <a:xfrm>
             <a:off x="804600" y="3719520"/>
-            <a:ext cx="4167000" cy="1155240"/>
+            <a:ext cx="4166640" cy="1154880"/>
           </a:xfrm>
           <a:prstGeom prst="rect">
             <a:avLst/>
@@ -6800,7 +6121,7 @@
           </a:ln>
         </p:spPr>
         <p:txBody>
-          <a:bodyPr anchor="t">
+          <a:bodyPr lIns="0" rIns="0" tIns="0" bIns="0" anchor="t">
             <a:normAutofit/>
           </a:bodyPr>
           <a:p>
@@ -6819,7 +6140,7 @@
             <a:r>
               <a:rPr b="0" lang="es-ES" sz="2000" spc="-1" strike="noStrike">
                 <a:solidFill>
-                  <a:srgbClr val="ffffff"/>
+                  <a:srgbClr val="000000"/>
                 </a:solidFill>
                 <a:latin typeface="Calibri"/>
                 <a:ea typeface="Calibri"/>
@@ -6827,6 +6148,9 @@
               <a:t>Player skill in Fighting Games</a:t>
             </a:r>
             <a:endParaRPr b="0" lang="en-US" sz="2000" spc="-1" strike="noStrike">
+              <a:solidFill>
+                <a:srgbClr val="000000"/>
+              </a:solidFill>
               <a:latin typeface="Arial"/>
             </a:endParaRPr>
           </a:p>
@@ -6878,7 +6202,7 @@
         <p:spPr>
           <a:xfrm>
             <a:off x="0" y="-3240"/>
-            <a:ext cx="12191760" cy="6860880"/>
+            <a:ext cx="12191400" cy="6860520"/>
           </a:xfrm>
           <a:prstGeom prst="rect">
             <a:avLst/>
@@ -6914,7 +6238,7 @@
         <p:spPr>
           <a:xfrm>
             <a:off x="0" y="0"/>
-            <a:ext cx="11786400" cy="6857640"/>
+            <a:ext cx="11786040" cy="6857280"/>
           </a:xfrm>
           <a:custGeom>
             <a:avLst/>
@@ -6972,7 +6296,7 @@
         <p:spPr>
           <a:xfrm>
             <a:off x="0" y="0"/>
-            <a:ext cx="3580920" cy="6857640"/>
+            <a:ext cx="3580560" cy="6857280"/>
           </a:xfrm>
           <a:custGeom>
             <a:avLst/>
@@ -7034,7 +6358,7 @@
         <p:spPr>
           <a:xfrm>
             <a:off x="833040" y="365040"/>
-            <a:ext cx="10520280" cy="1325160"/>
+            <a:ext cx="10519920" cy="1324800"/>
           </a:xfrm>
           <a:prstGeom prst="rect">
             <a:avLst/>
@@ -7045,7 +6369,7 @@
           </a:ln>
         </p:spPr>
         <p:txBody>
-          <a:bodyPr anchor="ctr">
+          <a:bodyPr lIns="90000" rIns="90000" tIns="45000" bIns="45000" anchor="ctr">
             <a:normAutofit/>
           </a:bodyPr>
           <a:p>
@@ -7064,11 +6388,8 @@
               </a:rPr>
               <a:t>Abstract</a:t>
             </a:r>
-            <a:endParaRPr b="0" lang="es-ES" sz="4400" spc="-1" strike="noStrike">
-              <a:solidFill>
-                <a:srgbClr val="000000"/>
-              </a:solidFill>
-              <a:latin typeface="Calibri"/>
+            <a:endParaRPr b="0" lang="en-US" sz="4400" spc="-1" strike="noStrike">
+              <a:latin typeface="Arial"/>
             </a:endParaRPr>
           </a:p>
         </p:txBody>
@@ -7086,7 +6407,7 @@
         <p:spPr>
           <a:xfrm>
             <a:off x="838080" y="2022480"/>
-            <a:ext cx="10515240" cy="4154040"/>
+            <a:ext cx="10514880" cy="4153680"/>
           </a:xfrm>
           <a:prstGeom prst="rect">
             <a:avLst/>
@@ -7097,7 +6418,7 @@
           </a:ln>
         </p:spPr>
         <p:txBody>
-          <a:bodyPr anchor="t">
+          <a:bodyPr lIns="90000" rIns="90000" tIns="45000" bIns="45000" anchor="t">
             <a:normAutofit/>
           </a:bodyPr>
           <a:p>
@@ -7124,11 +6445,8 @@
               </a:rPr>
               <a:t>The fighting game genre is notoriously know as hard to learn and even harder to master, even inaccessible for most player due the high skill the games demand their players. Which skills are necessary and why?</a:t>
             </a:r>
-            <a:endParaRPr b="0" lang="es-ES" sz="2000" spc="-1" strike="noStrike">
-              <a:solidFill>
-                <a:srgbClr val="000000"/>
-              </a:solidFill>
-              <a:latin typeface="Calibri"/>
+            <a:endParaRPr b="0" lang="en-US" sz="2000" spc="-1" strike="noStrike">
+              <a:latin typeface="Arial"/>
             </a:endParaRPr>
           </a:p>
           <a:p>
@@ -7155,11 +6473,8 @@
               </a:rPr>
               <a:t>Thesis:</a:t>
             </a:r>
-            <a:endParaRPr b="0" lang="es-ES" sz="2000" spc="-1" strike="noStrike">
-              <a:solidFill>
-                <a:srgbClr val="000000"/>
-              </a:solidFill>
-              <a:latin typeface="Calibri"/>
+            <a:endParaRPr b="0" lang="en-US" sz="2000" spc="-1" strike="noStrike">
+              <a:latin typeface="Arial"/>
             </a:endParaRPr>
           </a:p>
           <a:p>
@@ -7186,11 +6501,8 @@
               </a:rPr>
               <a:t>The thesis will answer the previously stated question and give examples from other genres for easier understanding. And offer new players solutions to "gain" such skills.</a:t>
             </a:r>
-            <a:endParaRPr b="0" lang="es-ES" sz="2000" spc="-1" strike="noStrike">
-              <a:solidFill>
-                <a:srgbClr val="000000"/>
-              </a:solidFill>
-              <a:latin typeface="Calibri"/>
+            <a:endParaRPr b="0" lang="en-US" sz="2000" spc="-1" strike="noStrike">
+              <a:latin typeface="Arial"/>
             </a:endParaRPr>
           </a:p>
           <a:p>
@@ -7217,11 +6529,8 @@
               </a:rPr>
               <a:t>Project:</a:t>
             </a:r>
-            <a:endParaRPr b="0" lang="es-ES" sz="2000" spc="-1" strike="noStrike">
-              <a:solidFill>
-                <a:srgbClr val="000000"/>
-              </a:solidFill>
-              <a:latin typeface="Calibri"/>
+            <a:endParaRPr b="0" lang="en-US" sz="2000" spc="-1" strike="noStrike">
+              <a:latin typeface="Arial"/>
             </a:endParaRPr>
           </a:p>
           <a:p>
@@ -7248,11 +6557,8 @@
               </a:rPr>
               <a:t>The project will be a fighting game aimed at newer players, where the player chooses an elemental style , each representing one of the most common character archetypes in fighting games.</a:t>
             </a:r>
-            <a:endParaRPr b="0" lang="es-ES" sz="2000" spc="-1" strike="noStrike">
-              <a:solidFill>
-                <a:srgbClr val="000000"/>
-              </a:solidFill>
-              <a:latin typeface="Calibri"/>
+            <a:endParaRPr b="0" lang="en-US" sz="2000" spc="-1" strike="noStrike">
+              <a:latin typeface="Arial"/>
             </a:endParaRPr>
           </a:p>
           <a:p>
@@ -7265,11 +6571,8 @@
               </a:spcBef>
               <a:buNone/>
             </a:pPr>
-            <a:endParaRPr b="0" lang="es-ES" sz="2000" spc="-1" strike="noStrike">
-              <a:solidFill>
-                <a:srgbClr val="000000"/>
-              </a:solidFill>
-              <a:latin typeface="Calibri"/>
+            <a:endParaRPr b="0" lang="en-US" sz="2000" spc="-1" strike="noStrike">
+              <a:latin typeface="Arial"/>
             </a:endParaRPr>
           </a:p>
         </p:txBody>
@@ -7320,7 +6623,7 @@
         <p:spPr>
           <a:xfrm>
             <a:off x="0" y="-3240"/>
-            <a:ext cx="12191760" cy="6860880"/>
+            <a:ext cx="12191400" cy="6860520"/>
           </a:xfrm>
           <a:prstGeom prst="rect">
             <a:avLst/>
@@ -7356,7 +6659,7 @@
         <p:spPr>
           <a:xfrm>
             <a:off x="0" y="0"/>
-            <a:ext cx="11786400" cy="6857640"/>
+            <a:ext cx="11786040" cy="6857280"/>
           </a:xfrm>
           <a:custGeom>
             <a:avLst/>
@@ -7414,7 +6717,7 @@
         <p:spPr>
           <a:xfrm>
             <a:off x="0" y="0"/>
-            <a:ext cx="3580920" cy="6857640"/>
+            <a:ext cx="3580560" cy="6857280"/>
           </a:xfrm>
           <a:custGeom>
             <a:avLst/>
@@ -7476,7 +6779,7 @@
         <p:spPr>
           <a:xfrm>
             <a:off x="833040" y="365040"/>
-            <a:ext cx="10520280" cy="1325160"/>
+            <a:ext cx="10519920" cy="1324800"/>
           </a:xfrm>
           <a:prstGeom prst="rect">
             <a:avLst/>
@@ -7487,7 +6790,7 @@
           </a:ln>
         </p:spPr>
         <p:txBody>
-          <a:bodyPr anchor="ctr">
+          <a:bodyPr lIns="90000" rIns="90000" tIns="45000" bIns="45000" anchor="ctr">
             <a:normAutofit/>
           </a:bodyPr>
           <a:p>
@@ -7506,11 +6809,8 @@
               </a:rPr>
               <a:t>Personal Connection</a:t>
             </a:r>
-            <a:endParaRPr b="0" lang="es-ES" sz="4400" spc="-1" strike="noStrike">
-              <a:solidFill>
-                <a:srgbClr val="000000"/>
-              </a:solidFill>
-              <a:latin typeface="Calibri"/>
+            <a:endParaRPr b="0" lang="en-US" sz="4400" spc="-1" strike="noStrike">
+              <a:latin typeface="Arial"/>
             </a:endParaRPr>
           </a:p>
         </p:txBody>
@@ -7528,7 +6828,7 @@
         <p:spPr>
           <a:xfrm>
             <a:off x="838080" y="2022480"/>
-            <a:ext cx="10515240" cy="4154040"/>
+            <a:ext cx="10514880" cy="4153680"/>
           </a:xfrm>
           <a:prstGeom prst="rect">
             <a:avLst/>
@@ -7539,7 +6839,7 @@
           </a:ln>
         </p:spPr>
         <p:txBody>
-          <a:bodyPr anchor="t">
+          <a:bodyPr lIns="90000" rIns="90000" tIns="45000" bIns="45000" anchor="t">
             <a:normAutofit/>
           </a:bodyPr>
           <a:p>
@@ -7566,11 +6866,8 @@
               </a:rPr>
               <a:t>I love Fighting Games</a:t>
             </a:r>
-            <a:endParaRPr b="0" lang="es-ES" sz="2000" spc="-1" strike="noStrike">
-              <a:solidFill>
-                <a:srgbClr val="000000"/>
-              </a:solidFill>
-              <a:latin typeface="Calibri"/>
+            <a:endParaRPr b="0" lang="en-US" sz="2000" spc="-1" strike="noStrike">
+              <a:latin typeface="Arial"/>
             </a:endParaRPr>
           </a:p>
           <a:p>
@@ -7597,11 +6894,8 @@
               </a:rPr>
               <a:t>I want to create Fighting Games</a:t>
             </a:r>
-            <a:endParaRPr b="0" lang="es-ES" sz="2000" spc="-1" strike="noStrike">
-              <a:solidFill>
-                <a:srgbClr val="000000"/>
-              </a:solidFill>
-              <a:latin typeface="Calibri"/>
+            <a:endParaRPr b="0" lang="en-US" sz="2000" spc="-1" strike="noStrike">
+              <a:latin typeface="Arial"/>
             </a:endParaRPr>
           </a:p>
           <a:p>
@@ -7628,11 +6922,8 @@
               </a:rPr>
               <a:t>The research topic is fascinating to me</a:t>
             </a:r>
-            <a:endParaRPr b="0" lang="es-ES" sz="2000" spc="-1" strike="noStrike">
-              <a:solidFill>
-                <a:srgbClr val="000000"/>
-              </a:solidFill>
-              <a:latin typeface="Calibri"/>
+            <a:endParaRPr b="0" lang="en-US" sz="2000" spc="-1" strike="noStrike">
+              <a:latin typeface="Arial"/>
             </a:endParaRPr>
           </a:p>
           <a:p>
@@ -7659,11 +6950,8 @@
               </a:rPr>
               <a:t>I want to share the genre with more people</a:t>
             </a:r>
-            <a:endParaRPr b="0" lang="es-ES" sz="2000" spc="-1" strike="noStrike">
-              <a:solidFill>
-                <a:srgbClr val="000000"/>
-              </a:solidFill>
-              <a:latin typeface="Calibri"/>
+            <a:endParaRPr b="0" lang="en-US" sz="2000" spc="-1" strike="noStrike">
+              <a:latin typeface="Arial"/>
             </a:endParaRPr>
           </a:p>
         </p:txBody>
@@ -7714,7 +7002,7 @@
         <p:spPr>
           <a:xfrm>
             <a:off x="0" y="-3240"/>
-            <a:ext cx="12191760" cy="6860880"/>
+            <a:ext cx="12191400" cy="6860520"/>
           </a:xfrm>
           <a:prstGeom prst="rect">
             <a:avLst/>
@@ -7750,7 +7038,7 @@
         <p:spPr>
           <a:xfrm>
             <a:off x="0" y="0"/>
-            <a:ext cx="11786400" cy="6857640"/>
+            <a:ext cx="11786040" cy="6857280"/>
           </a:xfrm>
           <a:custGeom>
             <a:avLst/>
@@ -7807,8 +7095,8 @@
         </p:nvSpPr>
         <p:spPr>
           <a:xfrm>
-            <a:off x="0" y="0"/>
-            <a:ext cx="3580920" cy="6857640"/>
+            <a:off x="0" y="-3240"/>
+            <a:ext cx="3580560" cy="6857280"/>
           </a:xfrm>
           <a:custGeom>
             <a:avLst/>
@@ -7870,7 +7158,7 @@
         <p:spPr>
           <a:xfrm>
             <a:off x="833040" y="365040"/>
-            <a:ext cx="10520280" cy="1325160"/>
+            <a:ext cx="10519920" cy="1324800"/>
           </a:xfrm>
           <a:prstGeom prst="rect">
             <a:avLst/>
@@ -7881,7 +7169,7 @@
           </a:ln>
         </p:spPr>
         <p:txBody>
-          <a:bodyPr anchor="ctr">
+          <a:bodyPr lIns="90000" rIns="90000" tIns="45000" bIns="45000" anchor="ctr">
             <a:normAutofit/>
           </a:bodyPr>
           <a:p>
@@ -7901,11 +7189,8 @@
               </a:rPr>
               <a:t>Methodology</a:t>
             </a:r>
-            <a:endParaRPr b="0" lang="es-ES" sz="4400" spc="-1" strike="noStrike">
-              <a:solidFill>
-                <a:srgbClr val="000000"/>
-              </a:solidFill>
-              <a:latin typeface="Calibri"/>
+            <a:endParaRPr b="0" lang="en-US" sz="4400" spc="-1" strike="noStrike">
+              <a:latin typeface="Arial"/>
             </a:endParaRPr>
           </a:p>
         </p:txBody>
@@ -7923,7 +7208,7 @@
         <p:spPr>
           <a:xfrm>
             <a:off x="838080" y="2022480"/>
-            <a:ext cx="10515240" cy="4154040"/>
+            <a:ext cx="5105520" cy="4153680"/>
           </a:xfrm>
           <a:prstGeom prst="rect">
             <a:avLst/>
@@ -7934,22 +7219,45 @@
           </a:ln>
         </p:spPr>
         <p:txBody>
-          <a:bodyPr anchor="t">
-            <a:normAutofit/>
+          <a:bodyPr lIns="90000" rIns="90000" tIns="45000" bIns="45000" anchor="t">
+            <a:normAutofit fontScale="63000"/>
           </a:bodyPr>
           <a:p>
-            <a:pPr marL="228600" indent="-228600">
+            <a:pPr>
               <a:lnSpc>
                 <a:spcPct val="90000"/>
               </a:lnSpc>
               <a:spcBef>
                 <a:spcPts val="1001"/>
               </a:spcBef>
+              <a:buNone/>
+            </a:pPr>
+            <a:r>
+              <a:rPr b="0" lang="en-US" sz="2400" spc="-1" strike="noStrike">
+                <a:solidFill>
+                  <a:srgbClr val="ffffff"/>
+                </a:solidFill>
+                <a:latin typeface="Calibri"/>
+                <a:ea typeface="Calibri"/>
+              </a:rPr>
+              <a:t>Thesis Table of Content:</a:t>
+            </a:r>
+            <a:endParaRPr b="0" lang="en-US" sz="2400" spc="-1" strike="noStrike">
+              <a:latin typeface="Arial"/>
+            </a:endParaRPr>
+          </a:p>
+          <a:p>
+            <a:pPr marL="432000" indent="-324000">
+              <a:lnSpc>
+                <a:spcPct val="90000"/>
+              </a:lnSpc>
+              <a:spcBef>
+                <a:spcPts val="1417"/>
+              </a:spcBef>
               <a:buClr>
-                <a:srgbClr val="ffffff"/>
+                <a:srgbClr val="000000"/>
               </a:buClr>
-              <a:buFont typeface="Arial"/>
-              <a:buChar char="•"/>
+              <a:buAutoNum type="arabicParenR"/>
             </a:pPr>
             <a:r>
               <a:rPr b="0" lang="en-US" sz="2000" spc="-1" strike="noStrike">
@@ -7959,28 +7267,24 @@
                 <a:latin typeface="Calibri"/>
                 <a:ea typeface="Calibri"/>
               </a:rPr>
-              <a:t>Thesis:</a:t>
-            </a:r>
-            <a:endParaRPr b="0" lang="es-ES" sz="2000" spc="-1" strike="noStrike">
-              <a:solidFill>
-                <a:srgbClr val="000000"/>
-              </a:solidFill>
-              <a:latin typeface="Calibri"/>
-            </a:endParaRPr>
-          </a:p>
-          <a:p>
-            <a:pPr lvl="1" marL="685800" indent="-228600">
+              <a:t>Introduction</a:t>
+            </a:r>
+            <a:endParaRPr b="0" lang="en-US" sz="2000" spc="-1" strike="noStrike">
+              <a:latin typeface="Arial"/>
+            </a:endParaRPr>
+          </a:p>
+          <a:p>
+            <a:pPr lvl="1" marL="864000" indent="-324000">
               <a:lnSpc>
                 <a:spcPct val="90000"/>
               </a:lnSpc>
               <a:spcBef>
-                <a:spcPts val="499"/>
+                <a:spcPts val="1134"/>
               </a:spcBef>
               <a:buClr>
-                <a:srgbClr val="ffffff"/>
+                <a:srgbClr val="000000"/>
               </a:buClr>
-              <a:buFont typeface="Arial"/>
-              <a:buChar char="•"/>
+              <a:buAutoNum type="arabicParenR"/>
             </a:pPr>
             <a:r>
               <a:rPr b="0" lang="en-US" sz="2000" spc="-1" strike="noStrike">
@@ -7990,28 +7294,24 @@
                 <a:latin typeface="Calibri"/>
                 <a:ea typeface="Calibri"/>
               </a:rPr>
-              <a:t>Focus on the research of the topic of player skills</a:t>
-            </a:r>
-            <a:endParaRPr b="0" lang="es-ES" sz="2000" spc="-1" strike="noStrike">
-              <a:solidFill>
-                <a:srgbClr val="000000"/>
-              </a:solidFill>
-              <a:latin typeface="Calibri"/>
-            </a:endParaRPr>
-          </a:p>
-          <a:p>
-            <a:pPr lvl="1" marL="685800" indent="-228600">
+              <a:t>Skill and Dexterity</a:t>
+            </a:r>
+            <a:endParaRPr b="0" lang="en-US" sz="2000" spc="-1" strike="noStrike">
+              <a:latin typeface="Arial"/>
+            </a:endParaRPr>
+          </a:p>
+          <a:p>
+            <a:pPr lvl="1" marL="864000" indent="-324000">
               <a:lnSpc>
                 <a:spcPct val="90000"/>
               </a:lnSpc>
               <a:spcBef>
-                <a:spcPts val="499"/>
+                <a:spcPts val="1134"/>
               </a:spcBef>
               <a:buClr>
-                <a:srgbClr val="ffffff"/>
+                <a:srgbClr val="000000"/>
               </a:buClr>
-              <a:buFont typeface="Arial"/>
-              <a:buChar char="•"/>
+              <a:buAutoNum type="arabicParenR"/>
             </a:pPr>
             <a:r>
               <a:rPr b="0" lang="en-US" sz="2000" spc="-1" strike="noStrike">
@@ -8021,28 +7321,24 @@
                 <a:latin typeface="Calibri"/>
                 <a:ea typeface="Calibri"/>
               </a:rPr>
-              <a:t>Compare the skill set necessary for fighting games to other games or sports</a:t>
-            </a:r>
-            <a:endParaRPr b="0" lang="es-ES" sz="2000" spc="-1" strike="noStrike">
-              <a:solidFill>
-                <a:srgbClr val="000000"/>
-              </a:solidFill>
-              <a:latin typeface="Calibri"/>
-            </a:endParaRPr>
-          </a:p>
-          <a:p>
-            <a:pPr lvl="1" marL="685800" indent="-228600">
+              <a:t>Fighting game genre</a:t>
+            </a:r>
+            <a:endParaRPr b="0" lang="en-US" sz="2000" spc="-1" strike="noStrike">
+              <a:latin typeface="Arial"/>
+            </a:endParaRPr>
+          </a:p>
+          <a:p>
+            <a:pPr marL="432000" indent="-324000">
               <a:lnSpc>
                 <a:spcPct val="90000"/>
               </a:lnSpc>
               <a:spcBef>
-                <a:spcPts val="499"/>
+                <a:spcPts val="1417"/>
               </a:spcBef>
               <a:buClr>
-                <a:srgbClr val="ffffff"/>
+                <a:srgbClr val="000000"/>
               </a:buClr>
-              <a:buFont typeface="Arial"/>
-              <a:buChar char="•"/>
+              <a:buAutoNum type="arabicParenR"/>
             </a:pPr>
             <a:r>
               <a:rPr b="0" lang="en-US" sz="2000" spc="-1" strike="noStrike">
@@ -8052,28 +7348,24 @@
                 <a:latin typeface="Calibri"/>
                 <a:ea typeface="Calibri"/>
               </a:rPr>
-              <a:t>Explain which concepts are harder for new players to understand</a:t>
-            </a:r>
-            <a:endParaRPr b="0" lang="es-ES" sz="2000" spc="-1" strike="noStrike">
-              <a:solidFill>
-                <a:srgbClr val="000000"/>
-              </a:solidFill>
-              <a:latin typeface="Calibri"/>
-            </a:endParaRPr>
-          </a:p>
-          <a:p>
-            <a:pPr marL="228600" indent="-228600">
+              <a:t>Skill set in Fighting game</a:t>
+            </a:r>
+            <a:endParaRPr b="0" lang="en-US" sz="2000" spc="-1" strike="noStrike">
+              <a:latin typeface="Arial"/>
+            </a:endParaRPr>
+          </a:p>
+          <a:p>
+            <a:pPr lvl="1" marL="864000" indent="-324000">
               <a:lnSpc>
                 <a:spcPct val="90000"/>
               </a:lnSpc>
               <a:spcBef>
-                <a:spcPts val="1001"/>
+                <a:spcPts val="1134"/>
               </a:spcBef>
               <a:buClr>
-                <a:srgbClr val="ffffff"/>
+                <a:srgbClr val="000000"/>
               </a:buClr>
-              <a:buFont typeface="Arial"/>
-              <a:buChar char="•"/>
+              <a:buAutoNum type="arabicParenR"/>
             </a:pPr>
             <a:r>
               <a:rPr b="0" lang="en-US" sz="2000" spc="-1" strike="noStrike">
@@ -8083,28 +7375,24 @@
                 <a:latin typeface="Calibri"/>
                 <a:ea typeface="Calibri"/>
               </a:rPr>
-              <a:t>Project:</a:t>
-            </a:r>
-            <a:endParaRPr b="0" lang="es-ES" sz="2000" spc="-1" strike="noStrike">
-              <a:solidFill>
-                <a:srgbClr val="000000"/>
-              </a:solidFill>
-              <a:latin typeface="Calibri"/>
-            </a:endParaRPr>
-          </a:p>
-          <a:p>
-            <a:pPr lvl="1" marL="685800" indent="-228600">
+              <a:t>Dexterity and Reactions</a:t>
+            </a:r>
+            <a:endParaRPr b="0" lang="en-US" sz="2000" spc="-1" strike="noStrike">
+              <a:latin typeface="Arial"/>
+            </a:endParaRPr>
+          </a:p>
+          <a:p>
+            <a:pPr lvl="1" marL="864000" indent="-324000">
               <a:lnSpc>
                 <a:spcPct val="90000"/>
               </a:lnSpc>
               <a:spcBef>
-                <a:spcPts val="499"/>
+                <a:spcPts val="1134"/>
               </a:spcBef>
               <a:buClr>
-                <a:srgbClr val="ffffff"/>
+                <a:srgbClr val="000000"/>
               </a:buClr>
-              <a:buFont typeface="Arial"/>
-              <a:buChar char="•"/>
+              <a:buAutoNum type="arabicParenR"/>
             </a:pPr>
             <a:r>
               <a:rPr b="0" lang="en-US" sz="2000" spc="-1" strike="noStrike">
@@ -8114,28 +7402,24 @@
                 <a:latin typeface="Calibri"/>
                 <a:ea typeface="Calibri"/>
               </a:rPr>
-              <a:t>Create a simple working fighting game with one character for both players</a:t>
-            </a:r>
-            <a:endParaRPr b="0" lang="es-ES" sz="2000" spc="-1" strike="noStrike">
-              <a:solidFill>
-                <a:srgbClr val="000000"/>
-              </a:solidFill>
-              <a:latin typeface="Calibri"/>
-            </a:endParaRPr>
-          </a:p>
-          <a:p>
-            <a:pPr lvl="1" marL="685800" indent="-228600">
+              <a:t>Mind Games and Patience</a:t>
+            </a:r>
+            <a:endParaRPr b="0" lang="en-US" sz="2000" spc="-1" strike="noStrike">
+              <a:latin typeface="Arial"/>
+            </a:endParaRPr>
+          </a:p>
+          <a:p>
+            <a:pPr lvl="1" marL="864000" indent="-324000">
               <a:lnSpc>
                 <a:spcPct val="90000"/>
               </a:lnSpc>
               <a:spcBef>
-                <a:spcPts val="499"/>
+                <a:spcPts val="1134"/>
               </a:spcBef>
               <a:buClr>
-                <a:srgbClr val="ffffff"/>
+                <a:srgbClr val="000000"/>
               </a:buClr>
-              <a:buFont typeface="Arial"/>
-              <a:buChar char="•"/>
+              <a:buAutoNum type="arabicParenR"/>
             </a:pPr>
             <a:r>
               <a:rPr b="0" lang="en-US" sz="2000" spc="-1" strike="noStrike">
@@ -8145,13 +7429,518 @@
                 <a:latin typeface="Calibri"/>
                 <a:ea typeface="Calibri"/>
               </a:rPr>
-              <a:t>Add variations to the character to give players different choices</a:t>
-            </a:r>
-            <a:endParaRPr b="0" lang="es-ES" sz="2000" spc="-1" strike="noStrike">
-              <a:solidFill>
+              <a:t>Luck</a:t>
+            </a:r>
+            <a:endParaRPr b="0" lang="en-US" sz="2000" spc="-1" strike="noStrike">
+              <a:latin typeface="Arial"/>
+            </a:endParaRPr>
+          </a:p>
+          <a:p>
+            <a:pPr marL="432000" indent="-324000">
+              <a:lnSpc>
+                <a:spcPct val="90000"/>
+              </a:lnSpc>
+              <a:spcBef>
+                <a:spcPts val="1417"/>
+              </a:spcBef>
+              <a:buClr>
                 <a:srgbClr val="000000"/>
-              </a:solidFill>
-              <a:latin typeface="Calibri"/>
+              </a:buClr>
+              <a:buAutoNum type="arabicParenR"/>
+            </a:pPr>
+            <a:r>
+              <a:rPr b="0" lang="en-US" sz="2000" spc="-1" strike="noStrike">
+                <a:solidFill>
+                  <a:srgbClr val="ffffff"/>
+                </a:solidFill>
+                <a:latin typeface="Calibri"/>
+                <a:ea typeface="Calibri"/>
+              </a:rPr>
+              <a:t>Examples and comparisons</a:t>
+            </a:r>
+            <a:endParaRPr b="0" lang="en-US" sz="2000" spc="-1" strike="noStrike">
+              <a:latin typeface="Arial"/>
+            </a:endParaRPr>
+          </a:p>
+          <a:p>
+            <a:pPr lvl="1" marL="864000" indent="-324000">
+              <a:lnSpc>
+                <a:spcPct val="90000"/>
+              </a:lnSpc>
+              <a:spcBef>
+                <a:spcPts val="1134"/>
+              </a:spcBef>
+              <a:buClr>
+                <a:srgbClr val="000000"/>
+              </a:buClr>
+              <a:buAutoNum type="arabicParenR"/>
+            </a:pPr>
+            <a:r>
+              <a:rPr b="0" lang="en-US" sz="2000" spc="-1" strike="noStrike">
+                <a:solidFill>
+                  <a:srgbClr val="ffffff"/>
+                </a:solidFill>
+                <a:latin typeface="Calibri"/>
+                <a:ea typeface="Calibri"/>
+              </a:rPr>
+              <a:t>Shooters</a:t>
+            </a:r>
+            <a:endParaRPr b="0" lang="en-US" sz="2000" spc="-1" strike="noStrike">
+              <a:latin typeface="Arial"/>
+            </a:endParaRPr>
+          </a:p>
+          <a:p>
+            <a:pPr lvl="1" marL="864000" indent="-324000">
+              <a:lnSpc>
+                <a:spcPct val="90000"/>
+              </a:lnSpc>
+              <a:spcBef>
+                <a:spcPts val="1134"/>
+              </a:spcBef>
+              <a:buClr>
+                <a:srgbClr val="000000"/>
+              </a:buClr>
+              <a:buAutoNum type="arabicParenR"/>
+            </a:pPr>
+            <a:r>
+              <a:rPr b="0" lang="en-US" sz="2000" spc="-1" strike="noStrike">
+                <a:solidFill>
+                  <a:srgbClr val="ffffff"/>
+                </a:solidFill>
+                <a:latin typeface="Calibri"/>
+                <a:ea typeface="Calibri"/>
+              </a:rPr>
+              <a:t>Chess</a:t>
+            </a:r>
+            <a:endParaRPr b="0" lang="en-US" sz="2000" spc="-1" strike="noStrike">
+              <a:latin typeface="Arial"/>
+            </a:endParaRPr>
+          </a:p>
+          <a:p>
+            <a:pPr lvl="1" marL="864000" indent="-324000">
+              <a:lnSpc>
+                <a:spcPct val="90000"/>
+              </a:lnSpc>
+              <a:spcBef>
+                <a:spcPts val="1134"/>
+              </a:spcBef>
+              <a:buClr>
+                <a:srgbClr val="000000"/>
+              </a:buClr>
+              <a:buAutoNum type="arabicParenR"/>
+            </a:pPr>
+            <a:r>
+              <a:rPr b="0" lang="en-US" sz="2000" spc="-1" strike="noStrike">
+                <a:solidFill>
+                  <a:srgbClr val="ffffff"/>
+                </a:solidFill>
+                <a:latin typeface="Calibri"/>
+                <a:ea typeface="Calibri"/>
+              </a:rPr>
+              <a:t>Boxing</a:t>
+            </a:r>
+            <a:endParaRPr b="0" lang="en-US" sz="2000" spc="-1" strike="noStrike">
+              <a:latin typeface="Arial"/>
+            </a:endParaRPr>
+          </a:p>
+          <a:p>
+            <a:pPr marL="432000" indent="-324000">
+              <a:lnSpc>
+                <a:spcPct val="90000"/>
+              </a:lnSpc>
+              <a:spcBef>
+                <a:spcPts val="1417"/>
+              </a:spcBef>
+              <a:buClr>
+                <a:srgbClr val="000000"/>
+              </a:buClr>
+              <a:buAutoNum type="arabicParenR"/>
+            </a:pPr>
+            <a:r>
+              <a:rPr b="0" lang="en-US" sz="2000" spc="-1" strike="noStrike">
+                <a:solidFill>
+                  <a:srgbClr val="ffffff"/>
+                </a:solidFill>
+                <a:latin typeface="Calibri"/>
+                <a:ea typeface="Calibri"/>
+              </a:rPr>
+              <a:t>Fighting game terminology</a:t>
+            </a:r>
+            <a:endParaRPr b="0" lang="en-US" sz="2000" spc="-1" strike="noStrike">
+              <a:latin typeface="Arial"/>
+            </a:endParaRPr>
+          </a:p>
+          <a:p>
+            <a:pPr marL="432000" indent="-324000">
+              <a:lnSpc>
+                <a:spcPct val="90000"/>
+              </a:lnSpc>
+              <a:spcBef>
+                <a:spcPts val="1417"/>
+              </a:spcBef>
+              <a:buClr>
+                <a:srgbClr val="000000"/>
+              </a:buClr>
+              <a:buAutoNum type="arabicParenR"/>
+            </a:pPr>
+            <a:r>
+              <a:rPr b="0" lang="en-US" sz="2000" spc="-1" strike="noStrike">
+                <a:solidFill>
+                  <a:srgbClr val="ffffff"/>
+                </a:solidFill>
+                <a:latin typeface="Calibri"/>
+                <a:ea typeface="Calibri"/>
+              </a:rPr>
+              <a:t>Conclusion</a:t>
+            </a:r>
+            <a:endParaRPr b="0" lang="en-US" sz="2000" spc="-1" strike="noStrike">
+              <a:latin typeface="Arial"/>
+            </a:endParaRPr>
+          </a:p>
+          <a:p>
+            <a:pPr marL="432000" indent="-324000">
+              <a:lnSpc>
+                <a:spcPct val="90000"/>
+              </a:lnSpc>
+              <a:spcBef>
+                <a:spcPts val="1417"/>
+              </a:spcBef>
+              <a:buClr>
+                <a:srgbClr val="000000"/>
+              </a:buClr>
+              <a:buAutoNum type="arabicParenR"/>
+            </a:pPr>
+            <a:r>
+              <a:rPr b="0" lang="en-US" sz="2000" spc="-1" strike="noStrike">
+                <a:solidFill>
+                  <a:srgbClr val="ffffff"/>
+                </a:solidFill>
+                <a:latin typeface="Calibri"/>
+                <a:ea typeface="Calibri"/>
+              </a:rPr>
+              <a:t>Bibliography</a:t>
+            </a:r>
+            <a:endParaRPr b="0" lang="en-US" sz="2000" spc="-1" strike="noStrike">
+              <a:latin typeface="Arial"/>
+            </a:endParaRPr>
+          </a:p>
+        </p:txBody>
+      </p:sp>
+      <p:sp>
+        <p:nvSpPr>
+          <p:cNvPr id="108" name="PlaceHolder 4"/>
+          <p:cNvSpPr txBox="1"/>
+          <p:nvPr/>
+        </p:nvSpPr>
+        <p:spPr>
+          <a:xfrm>
+            <a:off x="6324480" y="2057400"/>
+            <a:ext cx="5105520" cy="4153680"/>
+          </a:xfrm>
+          <a:prstGeom prst="rect">
+            <a:avLst/>
+          </a:prstGeom>
+          <a:noFill/>
+          <a:ln w="0">
+            <a:noFill/>
+          </a:ln>
+        </p:spPr>
+        <p:txBody>
+          <a:bodyPr lIns="90000" rIns="90000" tIns="45000" bIns="45000" anchor="t">
+            <a:normAutofit fontScale="87000"/>
+          </a:bodyPr>
+          <a:p>
+            <a:pPr>
+              <a:lnSpc>
+                <a:spcPct val="90000"/>
+              </a:lnSpc>
+              <a:spcBef>
+                <a:spcPts val="1001"/>
+              </a:spcBef>
+              <a:buNone/>
+            </a:pPr>
+            <a:r>
+              <a:rPr b="0" lang="en-US" sz="2400" spc="-1" strike="noStrike">
+                <a:solidFill>
+                  <a:srgbClr val="ffffff"/>
+                </a:solidFill>
+                <a:latin typeface="Calibri"/>
+                <a:ea typeface="Calibri"/>
+              </a:rPr>
+              <a:t>Project:</a:t>
+            </a:r>
+            <a:endParaRPr b="0" lang="en-US" sz="2400" spc="-1" strike="noStrike">
+              <a:latin typeface="Arial"/>
+            </a:endParaRPr>
+          </a:p>
+          <a:p>
+            <a:pPr marL="432000" indent="-324000">
+              <a:lnSpc>
+                <a:spcPct val="90000"/>
+              </a:lnSpc>
+              <a:spcBef>
+                <a:spcPts val="1417"/>
+              </a:spcBef>
+              <a:buClr>
+                <a:srgbClr val="000000"/>
+              </a:buClr>
+              <a:buAutoNum type="arabicParenR"/>
+            </a:pPr>
+            <a:r>
+              <a:rPr b="0" lang="en-US" sz="2000" spc="-1" strike="noStrike">
+                <a:solidFill>
+                  <a:srgbClr val="ffffff"/>
+                </a:solidFill>
+                <a:latin typeface="Calibri"/>
+                <a:ea typeface="Calibri"/>
+              </a:rPr>
+              <a:t>Implement basic functions</a:t>
+            </a:r>
+            <a:endParaRPr b="0" lang="en-US" sz="2000" spc="-1" strike="noStrike">
+              <a:latin typeface="Arial"/>
+            </a:endParaRPr>
+          </a:p>
+          <a:p>
+            <a:pPr lvl="1" marL="864000" indent="-324000">
+              <a:lnSpc>
+                <a:spcPct val="90000"/>
+              </a:lnSpc>
+              <a:spcBef>
+                <a:spcPts val="1134"/>
+              </a:spcBef>
+              <a:buClr>
+                <a:srgbClr val="000000"/>
+              </a:buClr>
+              <a:buAutoNum type="arabicParenR"/>
+            </a:pPr>
+            <a:r>
+              <a:rPr b="0" lang="en-US" sz="2000" spc="-1" strike="noStrike">
+                <a:solidFill>
+                  <a:srgbClr val="ffffff"/>
+                </a:solidFill>
+                <a:latin typeface="Calibri"/>
+                <a:ea typeface="Calibri"/>
+              </a:rPr>
+              <a:t>Get Player Input</a:t>
+            </a:r>
+            <a:endParaRPr b="0" lang="en-US" sz="2000" spc="-1" strike="noStrike">
+              <a:latin typeface="Arial"/>
+            </a:endParaRPr>
+          </a:p>
+          <a:p>
+            <a:pPr lvl="1" marL="864000" indent="-324000">
+              <a:lnSpc>
+                <a:spcPct val="90000"/>
+              </a:lnSpc>
+              <a:spcBef>
+                <a:spcPts val="1134"/>
+              </a:spcBef>
+              <a:buClr>
+                <a:srgbClr val="000000"/>
+              </a:buClr>
+              <a:buAutoNum type="arabicParenR"/>
+            </a:pPr>
+            <a:r>
+              <a:rPr b="0" lang="en-US" sz="2000" spc="-1" strike="noStrike">
+                <a:solidFill>
+                  <a:srgbClr val="ffffff"/>
+                </a:solidFill>
+                <a:latin typeface="Calibri"/>
+                <a:ea typeface="Calibri"/>
+              </a:rPr>
+              <a:t>Movements</a:t>
+            </a:r>
+            <a:endParaRPr b="0" lang="en-US" sz="2000" spc="-1" strike="noStrike">
+              <a:latin typeface="Arial"/>
+            </a:endParaRPr>
+          </a:p>
+          <a:p>
+            <a:pPr marL="432000" indent="-324000">
+              <a:lnSpc>
+                <a:spcPct val="90000"/>
+              </a:lnSpc>
+              <a:spcBef>
+                <a:spcPts val="1417"/>
+              </a:spcBef>
+              <a:buClr>
+                <a:srgbClr val="000000"/>
+              </a:buClr>
+              <a:buAutoNum type="arabicParenR"/>
+            </a:pPr>
+            <a:r>
+              <a:rPr b="0" lang="en-US" sz="2000" spc="-1" strike="noStrike">
+                <a:solidFill>
+                  <a:srgbClr val="ffffff"/>
+                </a:solidFill>
+                <a:latin typeface="Calibri"/>
+                <a:ea typeface="Calibri"/>
+              </a:rPr>
+              <a:t>Implement Attacks</a:t>
+            </a:r>
+            <a:endParaRPr b="0" lang="en-US" sz="2000" spc="-1" strike="noStrike">
+              <a:latin typeface="Arial"/>
+            </a:endParaRPr>
+          </a:p>
+          <a:p>
+            <a:pPr lvl="1" marL="864000" indent="-324000">
+              <a:lnSpc>
+                <a:spcPct val="90000"/>
+              </a:lnSpc>
+              <a:spcBef>
+                <a:spcPts val="1134"/>
+              </a:spcBef>
+              <a:buClr>
+                <a:srgbClr val="000000"/>
+              </a:buClr>
+              <a:buAutoNum type="arabicParenR"/>
+            </a:pPr>
+            <a:r>
+              <a:rPr b="0" lang="en-US" sz="2000" spc="-1" strike="noStrike">
+                <a:solidFill>
+                  <a:srgbClr val="ffffff"/>
+                </a:solidFill>
+                <a:latin typeface="Calibri"/>
+                <a:ea typeface="Calibri"/>
+              </a:rPr>
+              <a:t>Hitboxes + Animations</a:t>
+            </a:r>
+            <a:endParaRPr b="0" lang="en-US" sz="2000" spc="-1" strike="noStrike">
+              <a:latin typeface="Arial"/>
+            </a:endParaRPr>
+          </a:p>
+          <a:p>
+            <a:pPr lvl="1" marL="864000" indent="-324000">
+              <a:lnSpc>
+                <a:spcPct val="90000"/>
+              </a:lnSpc>
+              <a:spcBef>
+                <a:spcPts val="1134"/>
+              </a:spcBef>
+              <a:buClr>
+                <a:srgbClr val="000000"/>
+              </a:buClr>
+              <a:buAutoNum type="arabicParenR"/>
+            </a:pPr>
+            <a:r>
+              <a:rPr b="0" lang="en-US" sz="2000" spc="-1" strike="noStrike">
+                <a:solidFill>
+                  <a:srgbClr val="ffffff"/>
+                </a:solidFill>
+                <a:latin typeface="Calibri"/>
+                <a:ea typeface="Calibri"/>
+              </a:rPr>
+              <a:t>Values</a:t>
+            </a:r>
+            <a:endParaRPr b="0" lang="en-US" sz="2000" spc="-1" strike="noStrike">
+              <a:latin typeface="Arial"/>
+            </a:endParaRPr>
+          </a:p>
+          <a:p>
+            <a:pPr marL="432000" indent="-324000">
+              <a:lnSpc>
+                <a:spcPct val="90000"/>
+              </a:lnSpc>
+              <a:spcBef>
+                <a:spcPts val="1417"/>
+              </a:spcBef>
+              <a:buClr>
+                <a:srgbClr val="000000"/>
+              </a:buClr>
+              <a:buAutoNum type="arabicParenR"/>
+            </a:pPr>
+            <a:r>
+              <a:rPr b="0" lang="en-US" sz="2000" spc="-1" strike="noStrike">
+                <a:solidFill>
+                  <a:srgbClr val="ffffff"/>
+                </a:solidFill>
+                <a:latin typeface="Calibri"/>
+                <a:ea typeface="Calibri"/>
+              </a:rPr>
+              <a:t>Playtest Playtest Playtest</a:t>
+            </a:r>
+            <a:endParaRPr b="0" lang="en-US" sz="2000" spc="-1" strike="noStrike">
+              <a:latin typeface="Arial"/>
+            </a:endParaRPr>
+          </a:p>
+          <a:p>
+            <a:pPr marL="432000" indent="-324000">
+              <a:lnSpc>
+                <a:spcPct val="90000"/>
+              </a:lnSpc>
+              <a:spcBef>
+                <a:spcPts val="1417"/>
+              </a:spcBef>
+              <a:buClr>
+                <a:srgbClr val="000000"/>
+              </a:buClr>
+              <a:buAutoNum type="arabicParenR"/>
+            </a:pPr>
+            <a:r>
+              <a:rPr b="0" lang="en-US" sz="2000" spc="-1" strike="noStrike">
+                <a:solidFill>
+                  <a:srgbClr val="ffffff"/>
+                </a:solidFill>
+                <a:latin typeface="Calibri"/>
+                <a:ea typeface="Calibri"/>
+              </a:rPr>
+              <a:t>Create Character Variations</a:t>
+            </a:r>
+            <a:endParaRPr b="0" lang="en-US" sz="2000" spc="-1" strike="noStrike">
+              <a:latin typeface="Arial"/>
+            </a:endParaRPr>
+          </a:p>
+          <a:p>
+            <a:pPr lvl="1" marL="864000" indent="-324000">
+              <a:lnSpc>
+                <a:spcPct val="90000"/>
+              </a:lnSpc>
+              <a:spcBef>
+                <a:spcPts val="1134"/>
+              </a:spcBef>
+              <a:buClr>
+                <a:srgbClr val="000000"/>
+              </a:buClr>
+              <a:buAutoNum type="arabicParenR"/>
+            </a:pPr>
+            <a:r>
+              <a:rPr b="0" lang="en-US" sz="2000" spc="-1" strike="noStrike">
+                <a:solidFill>
+                  <a:srgbClr val="ffffff"/>
+                </a:solidFill>
+                <a:latin typeface="Calibri"/>
+                <a:ea typeface="Calibri"/>
+              </a:rPr>
+              <a:t>Character Customization</a:t>
+            </a:r>
+            <a:endParaRPr b="0" lang="en-US" sz="2000" spc="-1" strike="noStrike">
+              <a:latin typeface="Arial"/>
+            </a:endParaRPr>
+          </a:p>
+          <a:p>
+            <a:pPr lvl="1" marL="864000" indent="-324000">
+              <a:lnSpc>
+                <a:spcPct val="90000"/>
+              </a:lnSpc>
+              <a:spcBef>
+                <a:spcPts val="1134"/>
+              </a:spcBef>
+              <a:buClr>
+                <a:srgbClr val="000000"/>
+              </a:buClr>
+              <a:buAutoNum type="arabicParenR"/>
+            </a:pPr>
+            <a:r>
+              <a:rPr b="0" lang="en-US" sz="2000" spc="-1" strike="noStrike">
+                <a:solidFill>
+                  <a:srgbClr val="ffffff"/>
+                </a:solidFill>
+                <a:latin typeface="Calibri"/>
+                <a:ea typeface="Calibri"/>
+              </a:rPr>
+              <a:t>Special Attacks</a:t>
+            </a:r>
+            <a:endParaRPr b="0" lang="en-US" sz="2000" spc="-1" strike="noStrike">
+              <a:latin typeface="Arial"/>
             </a:endParaRPr>
           </a:p>
         </p:txBody>
@@ -8195,14 +7984,14 @@
       </p:grpSpPr>
       <p:sp>
         <p:nvSpPr>
-          <p:cNvPr id="108" name="Rectangle 7"/>
+          <p:cNvPr id="109" name="Rectangle 7"/>
           <p:cNvSpPr/>
           <p:nvPr/>
         </p:nvSpPr>
         <p:spPr>
           <a:xfrm>
             <a:off x="0" y="-3240"/>
-            <a:ext cx="12191760" cy="6860880"/>
+            <a:ext cx="12191400" cy="6860520"/>
           </a:xfrm>
           <a:prstGeom prst="rect">
             <a:avLst/>
@@ -8231,14 +8020,14 @@
       </p:sp>
       <p:sp>
         <p:nvSpPr>
-          <p:cNvPr id="109" name="Freeform 13"/>
+          <p:cNvPr id="110" name="Freeform 13"/>
           <p:cNvSpPr/>
           <p:nvPr/>
         </p:nvSpPr>
         <p:spPr>
           <a:xfrm>
             <a:off x="0" y="0"/>
-            <a:ext cx="11786400" cy="6857640"/>
+            <a:ext cx="11786040" cy="6857280"/>
           </a:xfrm>
           <a:custGeom>
             <a:avLst/>
@@ -8289,14 +8078,14 @@
       </p:sp>
       <p:sp>
         <p:nvSpPr>
-          <p:cNvPr id="110" name="Freeform 11"/>
+          <p:cNvPr id="111" name="Freeform 11"/>
           <p:cNvSpPr/>
           <p:nvPr/>
         </p:nvSpPr>
         <p:spPr>
           <a:xfrm>
             <a:off x="0" y="0"/>
-            <a:ext cx="3580920" cy="6857640"/>
+            <a:ext cx="3580560" cy="6857280"/>
           </a:xfrm>
           <a:custGeom>
             <a:avLst/>
@@ -8347,7 +8136,7 @@
       </p:sp>
       <p:sp>
         <p:nvSpPr>
-          <p:cNvPr id="111" name="PlaceHolder 1"/>
+          <p:cNvPr id="112" name="PlaceHolder 1"/>
           <p:cNvSpPr>
             <a:spLocks noGrp="1"/>
           </p:cNvSpPr>
@@ -8358,7 +8147,7 @@
         <p:spPr>
           <a:xfrm>
             <a:off x="833040" y="365040"/>
-            <a:ext cx="10520280" cy="1325160"/>
+            <a:ext cx="10519920" cy="1324800"/>
           </a:xfrm>
           <a:prstGeom prst="rect">
             <a:avLst/>
@@ -8369,7 +8158,7 @@
           </a:ln>
         </p:spPr>
         <p:txBody>
-          <a:bodyPr anchor="ctr">
+          <a:bodyPr lIns="90000" rIns="90000" tIns="45000" bIns="45000" anchor="ctr">
             <a:normAutofit/>
           </a:bodyPr>
           <a:p>
@@ -8388,18 +8177,15 @@
               </a:rPr>
               <a:t>Timeline</a:t>
             </a:r>
-            <a:endParaRPr b="0" lang="es-ES" sz="4400" spc="-1" strike="noStrike">
-              <a:solidFill>
-                <a:srgbClr val="000000"/>
-              </a:solidFill>
-              <a:latin typeface="Calibri"/>
-            </a:endParaRPr>
-          </a:p>
-        </p:txBody>
-      </p:sp>
-      <p:sp>
-        <p:nvSpPr>
-          <p:cNvPr id="112" name="PlaceHolder 2"/>
+            <a:endParaRPr b="0" lang="en-US" sz="4400" spc="-1" strike="noStrike">
+              <a:latin typeface="Arial"/>
+            </a:endParaRPr>
+          </a:p>
+        </p:txBody>
+      </p:sp>
+      <p:sp>
+        <p:nvSpPr>
+          <p:cNvPr id="113" name="PlaceHolder 2"/>
           <p:cNvSpPr>
             <a:spLocks noGrp="1"/>
           </p:cNvSpPr>
@@ -8410,7 +8196,7 @@
         <p:spPr>
           <a:xfrm>
             <a:off x="838080" y="2022480"/>
-            <a:ext cx="10515240" cy="4154040"/>
+            <a:ext cx="10514880" cy="4153680"/>
           </a:xfrm>
           <a:prstGeom prst="rect">
             <a:avLst/>
@@ -8421,7 +8207,7 @@
           </a:ln>
         </p:spPr>
         <p:txBody>
-          <a:bodyPr anchor="t">
+          <a:bodyPr lIns="90000" rIns="90000" tIns="45000" bIns="45000" anchor="t">
             <a:normAutofit/>
           </a:bodyPr>
           <a:p>
@@ -8448,11 +8234,8 @@
               </a:rPr>
               <a:t>Thesis 02.08.2022 – 13.10.2022</a:t>
             </a:r>
-            <a:endParaRPr b="0" lang="es-ES" sz="1600" spc="-1" strike="noStrike">
-              <a:solidFill>
-                <a:srgbClr val="000000"/>
-              </a:solidFill>
-              <a:latin typeface="Calibri"/>
+            <a:endParaRPr b="0" lang="en-US" sz="1600" spc="-1" strike="noStrike">
+              <a:latin typeface="Arial"/>
             </a:endParaRPr>
           </a:p>
           <a:p>
@@ -8479,11 +8262,8 @@
               </a:rPr>
               <a:t>Prepare table of contents </a:t>
             </a:r>
-            <a:endParaRPr b="0" lang="es-ES" sz="1600" spc="-1" strike="noStrike">
-              <a:solidFill>
-                <a:srgbClr val="000000"/>
-              </a:solidFill>
-              <a:latin typeface="Calibri"/>
+            <a:endParaRPr b="0" lang="en-US" sz="1600" spc="-1" strike="noStrike">
+              <a:latin typeface="Arial"/>
             </a:endParaRPr>
           </a:p>
           <a:p>
@@ -8510,11 +8290,8 @@
               </a:rPr>
               <a:t>Find research material and update bibliography</a:t>
             </a:r>
-            <a:endParaRPr b="0" lang="es-ES" sz="1600" spc="-1" strike="noStrike">
-              <a:solidFill>
-                <a:srgbClr val="000000"/>
-              </a:solidFill>
-              <a:latin typeface="Calibri"/>
+            <a:endParaRPr b="0" lang="en-US" sz="1600" spc="-1" strike="noStrike">
+              <a:latin typeface="Arial"/>
             </a:endParaRPr>
           </a:p>
           <a:p>
@@ -8541,11 +8318,8 @@
               </a:rPr>
               <a:t>Conduct Research</a:t>
             </a:r>
-            <a:endParaRPr b="0" lang="es-ES" sz="1600" spc="-1" strike="noStrike">
-              <a:solidFill>
-                <a:srgbClr val="000000"/>
-              </a:solidFill>
-              <a:latin typeface="Calibri"/>
+            <a:endParaRPr b="0" lang="en-US" sz="1600" spc="-1" strike="noStrike">
+              <a:latin typeface="Arial"/>
             </a:endParaRPr>
           </a:p>
           <a:p>
@@ -8572,11 +8346,8 @@
               </a:rPr>
               <a:t>Write Thesis</a:t>
             </a:r>
-            <a:endParaRPr b="0" lang="es-ES" sz="1600" spc="-1" strike="noStrike">
-              <a:solidFill>
-                <a:srgbClr val="000000"/>
-              </a:solidFill>
-              <a:latin typeface="Calibri"/>
+            <a:endParaRPr b="0" lang="en-US" sz="1600" spc="-1" strike="noStrike">
+              <a:latin typeface="Arial"/>
             </a:endParaRPr>
           </a:p>
           <a:p>
@@ -8603,11 +8374,8 @@
               </a:rPr>
               <a:t>Project 14.10.2022 – 12.01-2023</a:t>
             </a:r>
-            <a:endParaRPr b="0" lang="es-ES" sz="1600" spc="-1" strike="noStrike">
-              <a:solidFill>
-                <a:srgbClr val="000000"/>
-              </a:solidFill>
-              <a:latin typeface="Calibri"/>
+            <a:endParaRPr b="0" lang="en-US" sz="1600" spc="-1" strike="noStrike">
+              <a:latin typeface="Arial"/>
             </a:endParaRPr>
           </a:p>
           <a:p>
@@ -8634,11 +8402,8 @@
               </a:rPr>
               <a:t>Set up project</a:t>
             </a:r>
-            <a:endParaRPr b="0" lang="es-ES" sz="1600" spc="-1" strike="noStrike">
-              <a:solidFill>
-                <a:srgbClr val="000000"/>
-              </a:solidFill>
-              <a:latin typeface="Calibri"/>
+            <a:endParaRPr b="0" lang="en-US" sz="1600" spc="-1" strike="noStrike">
+              <a:latin typeface="Arial"/>
             </a:endParaRPr>
           </a:p>
           <a:p>
@@ -8665,11 +8430,8 @@
               </a:rPr>
               <a:t>Prepare basic assets</a:t>
             </a:r>
-            <a:endParaRPr b="0" lang="es-ES" sz="1600" spc="-1" strike="noStrike">
-              <a:solidFill>
-                <a:srgbClr val="000000"/>
-              </a:solidFill>
-              <a:latin typeface="Calibri"/>
+            <a:endParaRPr b="0" lang="en-US" sz="1600" spc="-1" strike="noStrike">
+              <a:latin typeface="Arial"/>
             </a:endParaRPr>
           </a:p>
           <a:p>
@@ -8696,11 +8458,8 @@
               </a:rPr>
               <a:t>Implement basic functions</a:t>
             </a:r>
-            <a:endParaRPr b="0" lang="es-ES" sz="1600" spc="-1" strike="noStrike">
-              <a:solidFill>
-                <a:srgbClr val="000000"/>
-              </a:solidFill>
-              <a:latin typeface="Calibri"/>
+            <a:endParaRPr b="0" lang="en-US" sz="1600" spc="-1" strike="noStrike">
+              <a:latin typeface="Arial"/>
             </a:endParaRPr>
           </a:p>
           <a:p>
@@ -8727,11 +8486,8 @@
               </a:rPr>
               <a:t>2nd Iteration of assets</a:t>
             </a:r>
-            <a:endParaRPr b="0" lang="es-ES" sz="1600" spc="-1" strike="noStrike">
-              <a:solidFill>
-                <a:srgbClr val="000000"/>
-              </a:solidFill>
-              <a:latin typeface="Calibri"/>
+            <a:endParaRPr b="0" lang="en-US" sz="1600" spc="-1" strike="noStrike">
+              <a:latin typeface="Arial"/>
             </a:endParaRPr>
           </a:p>
           <a:p>
@@ -8758,11 +8514,8 @@
               </a:rPr>
               <a:t>Building a working fighting game</a:t>
             </a:r>
-            <a:endParaRPr b="0" lang="es-ES" sz="1600" spc="-1" strike="noStrike">
-              <a:solidFill>
-                <a:srgbClr val="000000"/>
-              </a:solidFill>
-              <a:latin typeface="Calibri"/>
+            <a:endParaRPr b="0" lang="en-US" sz="1600" spc="-1" strike="noStrike">
+              <a:latin typeface="Arial"/>
             </a:endParaRPr>
           </a:p>
           <a:p>
@@ -8789,11 +8542,8 @@
               </a:rPr>
               <a:t>3rd Iteration of assets</a:t>
             </a:r>
-            <a:endParaRPr b="0" lang="es-ES" sz="1600" spc="-1" strike="noStrike">
-              <a:solidFill>
-                <a:srgbClr val="000000"/>
-              </a:solidFill>
-              <a:latin typeface="Calibri"/>
+            <a:endParaRPr b="0" lang="en-US" sz="1600" spc="-1" strike="noStrike">
+              <a:latin typeface="Arial"/>
             </a:endParaRPr>
           </a:p>
           <a:p>
@@ -8820,11 +8570,8 @@
               </a:rPr>
               <a:t>Implementing character variations</a:t>
             </a:r>
-            <a:endParaRPr b="0" lang="es-ES" sz="1600" spc="-1" strike="noStrike">
-              <a:solidFill>
-                <a:srgbClr val="000000"/>
-              </a:solidFill>
-              <a:latin typeface="Calibri"/>
+            <a:endParaRPr b="0" lang="en-US" sz="1600" spc="-1" strike="noStrike">
+              <a:latin typeface="Arial"/>
             </a:endParaRPr>
           </a:p>
           <a:p>
@@ -8851,11 +8598,8 @@
               </a:rPr>
               <a:t>Finish Project</a:t>
             </a:r>
-            <a:endParaRPr b="0" lang="es-ES" sz="1600" spc="-1" strike="noStrike">
-              <a:solidFill>
-                <a:srgbClr val="000000"/>
-              </a:solidFill>
-              <a:latin typeface="Calibri"/>
+            <a:endParaRPr b="0" lang="en-US" sz="1600" spc="-1" strike="noStrike">
+              <a:latin typeface="Arial"/>
             </a:endParaRPr>
           </a:p>
           <a:p>
@@ -8868,11 +8612,8 @@
               </a:spcBef>
               <a:buNone/>
             </a:pPr>
-            <a:endParaRPr b="0" lang="es-ES" sz="1600" spc="-1" strike="noStrike">
-              <a:solidFill>
-                <a:srgbClr val="000000"/>
-              </a:solidFill>
-              <a:latin typeface="Calibri"/>
+            <a:endParaRPr b="0" lang="en-US" sz="1600" spc="-1" strike="noStrike">
+              <a:latin typeface="Arial"/>
             </a:endParaRPr>
           </a:p>
           <a:p>
@@ -8885,11 +8626,8 @@
               </a:spcBef>
               <a:buNone/>
             </a:pPr>
-            <a:endParaRPr b="0" lang="es-ES" sz="1600" spc="-1" strike="noStrike">
-              <a:solidFill>
-                <a:srgbClr val="000000"/>
-              </a:solidFill>
-              <a:latin typeface="Calibri"/>
+            <a:endParaRPr b="0" lang="en-US" sz="1600" spc="-1" strike="noStrike">
+              <a:latin typeface="Arial"/>
             </a:endParaRPr>
           </a:p>
           <a:p>
@@ -8902,11 +8640,8 @@
               </a:spcBef>
               <a:buNone/>
             </a:pPr>
-            <a:endParaRPr b="0" lang="es-ES" sz="1600" spc="-1" strike="noStrike">
-              <a:solidFill>
-                <a:srgbClr val="000000"/>
-              </a:solidFill>
-              <a:latin typeface="Calibri"/>
+            <a:endParaRPr b="0" lang="en-US" sz="1600" spc="-1" strike="noStrike">
+              <a:latin typeface="Arial"/>
             </a:endParaRPr>
           </a:p>
         </p:txBody>
@@ -8950,14 +8685,14 @@
       </p:grpSpPr>
       <p:sp>
         <p:nvSpPr>
-          <p:cNvPr id="113" name="Rectangle 7"/>
+          <p:cNvPr id="114" name="Rectangle 7"/>
           <p:cNvSpPr/>
           <p:nvPr/>
         </p:nvSpPr>
         <p:spPr>
           <a:xfrm>
             <a:off x="0" y="-3240"/>
-            <a:ext cx="12191760" cy="6860880"/>
+            <a:ext cx="12191400" cy="6860520"/>
           </a:xfrm>
           <a:prstGeom prst="rect">
             <a:avLst/>
@@ -8986,14 +8721,14 @@
       </p:sp>
       <p:sp>
         <p:nvSpPr>
-          <p:cNvPr id="114" name="Freeform 13"/>
+          <p:cNvPr id="115" name="Freeform 13"/>
           <p:cNvSpPr/>
           <p:nvPr/>
         </p:nvSpPr>
         <p:spPr>
           <a:xfrm>
             <a:off x="0" y="0"/>
-            <a:ext cx="11786400" cy="6857640"/>
+            <a:ext cx="11786040" cy="6857280"/>
           </a:xfrm>
           <a:custGeom>
             <a:avLst/>
@@ -9044,14 +8779,14 @@
       </p:sp>
       <p:sp>
         <p:nvSpPr>
-          <p:cNvPr id="115" name="Freeform 11"/>
+          <p:cNvPr id="116" name="Freeform 11"/>
           <p:cNvSpPr/>
           <p:nvPr/>
         </p:nvSpPr>
         <p:spPr>
           <a:xfrm>
             <a:off x="0" y="0"/>
-            <a:ext cx="3580920" cy="6857640"/>
+            <a:ext cx="3580560" cy="6857280"/>
           </a:xfrm>
           <a:custGeom>
             <a:avLst/>
@@ -9102,7 +8837,7 @@
       </p:sp>
       <p:sp>
         <p:nvSpPr>
-          <p:cNvPr id="116" name="PlaceHolder 1"/>
+          <p:cNvPr id="117" name="PlaceHolder 1"/>
           <p:cNvSpPr>
             <a:spLocks noGrp="1"/>
           </p:cNvSpPr>
@@ -9113,7 +8848,7 @@
         <p:spPr>
           <a:xfrm>
             <a:off x="833040" y="365040"/>
-            <a:ext cx="10520280" cy="1325160"/>
+            <a:ext cx="10519920" cy="1324800"/>
           </a:xfrm>
           <a:prstGeom prst="rect">
             <a:avLst/>
@@ -9124,7 +8859,7 @@
           </a:ln>
         </p:spPr>
         <p:txBody>
-          <a:bodyPr anchor="ctr">
+          <a:bodyPr lIns="90000" rIns="90000" tIns="45000" bIns="45000" anchor="ctr">
             <a:normAutofit/>
           </a:bodyPr>
           <a:p>
@@ -9143,18 +8878,15 @@
               </a:rPr>
               <a:t>Resources</a:t>
             </a:r>
-            <a:endParaRPr b="0" lang="es-ES" sz="4400" spc="-1" strike="noStrike">
-              <a:solidFill>
-                <a:srgbClr val="000000"/>
-              </a:solidFill>
-              <a:latin typeface="Calibri"/>
-            </a:endParaRPr>
-          </a:p>
-        </p:txBody>
-      </p:sp>
-      <p:sp>
-        <p:nvSpPr>
-          <p:cNvPr id="117" name="PlaceHolder 2"/>
+            <a:endParaRPr b="0" lang="en-US" sz="4400" spc="-1" strike="noStrike">
+              <a:latin typeface="Arial"/>
+            </a:endParaRPr>
+          </a:p>
+        </p:txBody>
+      </p:sp>
+      <p:sp>
+        <p:nvSpPr>
+          <p:cNvPr id="118" name="PlaceHolder 2"/>
           <p:cNvSpPr>
             <a:spLocks noGrp="1"/>
           </p:cNvSpPr>
@@ -9165,7 +8897,7 @@
         <p:spPr>
           <a:xfrm>
             <a:off x="838080" y="2022480"/>
-            <a:ext cx="10515240" cy="4154040"/>
+            <a:ext cx="10514880" cy="4153680"/>
           </a:xfrm>
           <a:prstGeom prst="rect">
             <a:avLst/>
@@ -9176,7 +8908,7 @@
           </a:ln>
         </p:spPr>
         <p:txBody>
-          <a:bodyPr anchor="t">
+          <a:bodyPr lIns="90000" rIns="90000" tIns="45000" bIns="45000" anchor="t">
             <a:normAutofit/>
           </a:bodyPr>
           <a:p>
@@ -9202,11 +8934,8 @@
               </a:rPr>
               <a:t>Unity + Visual Studio</a:t>
             </a:r>
-            <a:endParaRPr b="0" lang="es-ES" sz="2000" spc="-1" strike="noStrike">
-              <a:solidFill>
-                <a:srgbClr val="000000"/>
-              </a:solidFill>
-              <a:latin typeface="Calibri"/>
+            <a:endParaRPr b="0" lang="en-US" sz="2000" spc="-1" strike="noStrike">
+              <a:latin typeface="Arial"/>
             </a:endParaRPr>
           </a:p>
           <a:p>
@@ -9232,11 +8961,8 @@
               </a:rPr>
               <a:t>GitHub</a:t>
             </a:r>
-            <a:endParaRPr b="0" lang="es-ES" sz="2000" spc="-1" strike="noStrike">
-              <a:solidFill>
-                <a:srgbClr val="000000"/>
-              </a:solidFill>
-              <a:latin typeface="Calibri"/>
+            <a:endParaRPr b="0" lang="en-US" sz="2000" spc="-1" strike="noStrike">
+              <a:latin typeface="Arial"/>
             </a:endParaRPr>
           </a:p>
           <a:p>
@@ -9262,11 +8988,8 @@
               </a:rPr>
               <a:t>Aseprite</a:t>
             </a:r>
-            <a:endParaRPr b="0" lang="es-ES" sz="2000" spc="-1" strike="noStrike">
-              <a:solidFill>
-                <a:srgbClr val="000000"/>
-              </a:solidFill>
-              <a:latin typeface="Calibri"/>
+            <a:endParaRPr b="0" lang="en-US" sz="2000" spc="-1" strike="noStrike">
+              <a:latin typeface="Arial"/>
             </a:endParaRPr>
           </a:p>
           <a:p>
@@ -9292,11 +9015,8 @@
               </a:rPr>
               <a:t>Clip Studio Paint</a:t>
             </a:r>
-            <a:endParaRPr b="0" lang="es-ES" sz="2000" spc="-1" strike="noStrike">
-              <a:solidFill>
-                <a:srgbClr val="000000"/>
-              </a:solidFill>
-              <a:latin typeface="Calibri"/>
+            <a:endParaRPr b="0" lang="en-US" sz="2000" spc="-1" strike="noStrike">
+              <a:latin typeface="Arial"/>
             </a:endParaRPr>
           </a:p>
           <a:p>
@@ -9309,11 +9029,8 @@
               </a:spcBef>
               <a:buNone/>
             </a:pPr>
-            <a:endParaRPr b="0" lang="es-ES" sz="2000" spc="-1" strike="noStrike">
-              <a:solidFill>
-                <a:srgbClr val="000000"/>
-              </a:solidFill>
-              <a:latin typeface="Calibri"/>
+            <a:endParaRPr b="0" lang="en-US" sz="2000" spc="-1" strike="noStrike">
+              <a:latin typeface="Arial"/>
             </a:endParaRPr>
           </a:p>
         </p:txBody>
@@ -9357,14 +9074,14 @@
       </p:grpSpPr>
       <p:sp>
         <p:nvSpPr>
-          <p:cNvPr id="118" name="Rectangle 7"/>
+          <p:cNvPr id="119" name="Rectangle 7"/>
           <p:cNvSpPr/>
           <p:nvPr/>
         </p:nvSpPr>
         <p:spPr>
           <a:xfrm>
             <a:off x="0" y="-3240"/>
-            <a:ext cx="12191760" cy="6860880"/>
+            <a:ext cx="12191400" cy="6860520"/>
           </a:xfrm>
           <a:prstGeom prst="rect">
             <a:avLst/>
@@ -9393,14 +9110,14 @@
       </p:sp>
       <p:sp>
         <p:nvSpPr>
-          <p:cNvPr id="119" name="Freeform 13"/>
+          <p:cNvPr id="120" name="Freeform 13"/>
           <p:cNvSpPr/>
           <p:nvPr/>
         </p:nvSpPr>
         <p:spPr>
           <a:xfrm>
             <a:off x="0" y="0"/>
-            <a:ext cx="11786400" cy="6857640"/>
+            <a:ext cx="11786040" cy="6857280"/>
           </a:xfrm>
           <a:custGeom>
             <a:avLst/>
@@ -9451,14 +9168,14 @@
       </p:sp>
       <p:sp>
         <p:nvSpPr>
-          <p:cNvPr id="120" name="Freeform 11"/>
+          <p:cNvPr id="121" name="Freeform 11"/>
           <p:cNvSpPr/>
           <p:nvPr/>
         </p:nvSpPr>
         <p:spPr>
           <a:xfrm>
             <a:off x="0" y="0"/>
-            <a:ext cx="3580920" cy="6857640"/>
+            <a:ext cx="3580560" cy="6857280"/>
           </a:xfrm>
           <a:custGeom>
             <a:avLst/>
@@ -9509,7 +9226,7 @@
       </p:sp>
       <p:sp>
         <p:nvSpPr>
-          <p:cNvPr id="121" name="PlaceHolder 1"/>
+          <p:cNvPr id="122" name="PlaceHolder 1"/>
           <p:cNvSpPr>
             <a:spLocks noGrp="1"/>
           </p:cNvSpPr>
@@ -9520,7 +9237,7 @@
         <p:spPr>
           <a:xfrm>
             <a:off x="833040" y="365040"/>
-            <a:ext cx="10520280" cy="1325160"/>
+            <a:ext cx="10519920" cy="1324800"/>
           </a:xfrm>
           <a:prstGeom prst="rect">
             <a:avLst/>
@@ -9531,7 +9248,7 @@
           </a:ln>
         </p:spPr>
         <p:txBody>
-          <a:bodyPr anchor="ctr">
+          <a:bodyPr lIns="90000" rIns="90000" tIns="45000" bIns="45000" anchor="ctr">
             <a:normAutofit/>
           </a:bodyPr>
           <a:p>
@@ -9550,18 +9267,15 @@
               </a:rPr>
               <a:t>Bibliography</a:t>
             </a:r>
-            <a:endParaRPr b="0" lang="es-ES" sz="4400" spc="-1" strike="noStrike">
-              <a:solidFill>
-                <a:srgbClr val="000000"/>
-              </a:solidFill>
-              <a:latin typeface="Calibri"/>
-            </a:endParaRPr>
-          </a:p>
-        </p:txBody>
-      </p:sp>
-      <p:sp>
-        <p:nvSpPr>
-          <p:cNvPr id="122" name="PlaceHolder 2"/>
+            <a:endParaRPr b="0" lang="en-US" sz="4400" spc="-1" strike="noStrike">
+              <a:latin typeface="Arial"/>
+            </a:endParaRPr>
+          </a:p>
+        </p:txBody>
+      </p:sp>
+      <p:sp>
+        <p:nvSpPr>
+          <p:cNvPr id="123" name="PlaceHolder 2"/>
           <p:cNvSpPr>
             <a:spLocks noGrp="1"/>
           </p:cNvSpPr>
@@ -9572,7 +9286,7 @@
         <p:spPr>
           <a:xfrm>
             <a:off x="838080" y="2022480"/>
-            <a:ext cx="10515240" cy="4154040"/>
+            <a:ext cx="10514880" cy="4153680"/>
           </a:xfrm>
           <a:prstGeom prst="rect">
             <a:avLst/>
@@ -9583,7 +9297,7 @@
           </a:ln>
         </p:spPr>
         <p:txBody>
-          <a:bodyPr anchor="t">
+          <a:bodyPr lIns="90000" rIns="90000" tIns="45000" bIns="45000" anchor="t">
             <a:normAutofit/>
           </a:bodyPr>
           <a:p>
@@ -9610,11 +9324,8 @@
               </a:rPr>
               <a:t>A. C. Siang and Radha Krishna Rao. "Theories of learning: a computer game perspective"</a:t>
             </a:r>
-            <a:endParaRPr b="0" lang="es-ES" sz="2000" spc="-1" strike="noStrike">
-              <a:solidFill>
-                <a:srgbClr val="000000"/>
-              </a:solidFill>
-              <a:latin typeface="Calibri"/>
+            <a:endParaRPr b="0" lang="en-US" sz="2000" spc="-1" strike="noStrike">
+              <a:latin typeface="Arial"/>
             </a:endParaRPr>
           </a:p>
           <a:p>
@@ -9641,11 +9352,8 @@
               </a:rPr>
               <a:t>Greg More, Andrew Burrow. "Observing the learning curve of videogames in architectural design"</a:t>
             </a:r>
-            <a:endParaRPr b="0" lang="es-ES" sz="2000" spc="-1" strike="noStrike">
-              <a:solidFill>
-                <a:srgbClr val="000000"/>
-              </a:solidFill>
-              <a:latin typeface="Calibri"/>
+            <a:endParaRPr b="0" lang="en-US" sz="2000" spc="-1" strike="noStrike">
+              <a:latin typeface="Arial"/>
             </a:endParaRPr>
           </a:p>
           <a:p>
@@ -9672,11 +9380,8 @@
               </a:rPr>
               <a:t>Torill Mortensen. "For the Love of Fighting Games"</a:t>
             </a:r>
-            <a:endParaRPr b="0" lang="es-ES" sz="2000" spc="-1" strike="noStrike">
-              <a:solidFill>
-                <a:srgbClr val="000000"/>
-              </a:solidFill>
-              <a:latin typeface="Calibri"/>
+            <a:endParaRPr b="0" lang="en-US" sz="2000" spc="-1" strike="noStrike">
+              <a:latin typeface="Arial"/>
             </a:endParaRPr>
           </a:p>
           <a:p>
@@ -9703,11 +9408,8 @@
               </a:rPr>
               <a:t>Tomlinson Christine. "Player definitions of success, skill and leadership in video games"</a:t>
             </a:r>
-            <a:endParaRPr b="0" lang="es-ES" sz="2000" spc="-1" strike="noStrike">
-              <a:solidFill>
-                <a:srgbClr val="000000"/>
-              </a:solidFill>
-              <a:latin typeface="Calibri"/>
+            <a:endParaRPr b="0" lang="en-US" sz="2000" spc="-1" strike="noStrike">
+              <a:latin typeface="Arial"/>
             </a:endParaRPr>
           </a:p>
           <a:p>
@@ -9744,11 +9446,8 @@
               </a:rPr>
               <a:t>"</a:t>
             </a:r>
-            <a:endParaRPr b="0" lang="es-ES" sz="2000" spc="-1" strike="noStrike">
-              <a:solidFill>
-                <a:srgbClr val="000000"/>
-              </a:solidFill>
-              <a:latin typeface="Calibri"/>
+            <a:endParaRPr b="0" lang="en-US" sz="2000" spc="-1" strike="noStrike">
+              <a:latin typeface="Arial"/>
             </a:endParaRPr>
           </a:p>
         </p:txBody>
